--- a/Week2-Datatype-and-Data-Structure/Week 2-Datatype and Data Structure.pptx
+++ b/Week2-Datatype-and-Data-Structure/Week 2-Datatype and Data Structure.pptx
@@ -52,7 +52,7 @@
       </p:grpSpPr>
       <p:sp>
         <p:nvSpPr>
-          <p:cNvPr id="82" name="PlaceHolder 1"/>
+          <p:cNvPr id="80" name="PlaceHolder 1"/>
           <p:cNvSpPr>
             <a:spLocks noGrp="1"/>
           </p:cNvSpPr>
@@ -74,27 +74,22 @@
             <a:noAutofit/>
           </a:bodyPr>
           <a:p>
-            <a:r>
-              <a:rPr b="0" lang="en-MY" sz="1400" spc="-1" strike="noStrike">
-                <a:solidFill>
-                  <a:srgbClr val="000000"/>
-                </a:solidFill>
+            <a:pPr algn="ctr"/>
+            <a:r>
+              <a:rPr b="0" lang="en-MY" sz="4400" spc="-1" strike="noStrike">
                 <a:latin typeface="Arial"/>
               </a:rPr>
               <a:t>Click to move the slide</a:t>
             </a:r>
-            <a:endParaRPr b="0" lang="en-MY" sz="1400" spc="-1" strike="noStrike">
-              <a:solidFill>
-                <a:srgbClr val="000000"/>
-              </a:solidFill>
-              <a:latin typeface="Arial"/>
-            </a:endParaRPr>
-          </a:p>
-        </p:txBody>
-      </p:sp>
-      <p:sp>
-        <p:nvSpPr>
-          <p:cNvPr id="83" name="PlaceHolder 2"/>
+            <a:endParaRPr b="0" lang="en-MY" sz="4400" spc="-1" strike="noStrike">
+              <a:latin typeface="Arial"/>
+            </a:endParaRPr>
+          </a:p>
+        </p:txBody>
+      </p:sp>
+      <p:sp>
+        <p:nvSpPr>
+          <p:cNvPr id="81" name="PlaceHolder 2"/>
           <p:cNvSpPr>
             <a:spLocks noGrp="1"/>
           </p:cNvSpPr>
@@ -130,7 +125,7 @@
       </p:sp>
       <p:sp>
         <p:nvSpPr>
-          <p:cNvPr id="84" name="PlaceHolder 3"/>
+          <p:cNvPr id="82" name="PlaceHolder 3"/>
           <p:cNvSpPr>
             <a:spLocks noGrp="1"/>
           </p:cNvSpPr>
@@ -166,7 +161,7 @@
       </p:sp>
       <p:sp>
         <p:nvSpPr>
-          <p:cNvPr id="85" name="PlaceHolder 4"/>
+          <p:cNvPr id="83" name="PlaceHolder 4"/>
           <p:cNvSpPr>
             <a:spLocks noGrp="1"/>
           </p:cNvSpPr>
@@ -203,7 +198,7 @@
       </p:sp>
       <p:sp>
         <p:nvSpPr>
-          <p:cNvPr id="86" name="PlaceHolder 5"/>
+          <p:cNvPr id="84" name="PlaceHolder 5"/>
           <p:cNvSpPr>
             <a:spLocks noGrp="1"/>
           </p:cNvSpPr>
@@ -239,7 +234,7 @@
       </p:sp>
       <p:sp>
         <p:nvSpPr>
-          <p:cNvPr id="87" name="PlaceHolder 6"/>
+          <p:cNvPr id="85" name="PlaceHolder 6"/>
           <p:cNvSpPr>
             <a:spLocks noGrp="1"/>
           </p:cNvSpPr>
@@ -262,7 +257,7 @@
           </a:bodyPr>
           <a:p>
             <a:pPr algn="r"/>
-            <a:fld id="{B9502102-3B31-4BAC-94C3-AE070241F4B2}" type="slidenum">
+            <a:fld id="{E0447C01-6A57-4E94-9517-BBD03F09A625}" type="slidenum">
               <a:rPr b="0" lang="en-MY" sz="1400" spc="-1" strike="noStrike">
                 <a:latin typeface="Times New Roman"/>
               </a:rPr>
@@ -299,7 +294,7 @@
       </p:grpSpPr>
       <p:sp>
         <p:nvSpPr>
-          <p:cNvPr id="128" name="PlaceHolder 1"/>
+          <p:cNvPr id="126" name="PlaceHolder 1"/>
           <p:cNvSpPr>
             <a:spLocks noGrp="1"/>
           </p:cNvSpPr>
@@ -310,16 +305,16 @@
         <p:spPr>
           <a:xfrm>
             <a:off x="380880" y="685800"/>
-            <a:ext cx="6095520" cy="3428640"/>
-          </a:xfrm>
-          <a:prstGeom prst="rect">
-            <a:avLst/>
-          </a:prstGeom>
-        </p:spPr>
-      </p:sp>
-      <p:sp>
-        <p:nvSpPr>
-          <p:cNvPr id="129" name="PlaceHolder 2"/>
+            <a:ext cx="6095160" cy="3428280"/>
+          </a:xfrm>
+          <a:prstGeom prst="rect">
+            <a:avLst/>
+          </a:prstGeom>
+        </p:spPr>
+      </p:sp>
+      <p:sp>
+        <p:nvSpPr>
+          <p:cNvPr id="127" name="PlaceHolder 2"/>
           <p:cNvSpPr>
             <a:spLocks noGrp="1"/>
           </p:cNvSpPr>
@@ -330,18 +325,18 @@
         <p:spPr>
           <a:xfrm>
             <a:off x="685800" y="4343400"/>
-            <a:ext cx="5486040" cy="4114440"/>
-          </a:xfrm>
-          <a:prstGeom prst="rect">
-            <a:avLst/>
-          </a:prstGeom>
-        </p:spPr>
-        <p:txBody>
-          <a:bodyPr tIns="91440" bIns="91440">
+            <a:ext cx="5485680" cy="4114080"/>
+          </a:xfrm>
+          <a:prstGeom prst="rect">
+            <a:avLst/>
+          </a:prstGeom>
+        </p:spPr>
+        <p:txBody>
+          <a:bodyPr lIns="0" rIns="0" tIns="91440" bIns="91440">
             <a:noAutofit/>
           </a:bodyPr>
           <a:p>
-            <a:pPr>
+            <a:pPr marL="216000" indent="-216000">
               <a:lnSpc>
                 <a:spcPct val="100000"/>
               </a:lnSpc>
@@ -360,7 +355,7 @@
             </a:endParaRPr>
           </a:p>
           <a:p>
-            <a:pPr>
+            <a:pPr marL="216000" indent="-216000">
               <a:lnSpc>
                 <a:spcPct val="100000"/>
               </a:lnSpc>
@@ -379,7 +374,7 @@
             </a:endParaRPr>
           </a:p>
           <a:p>
-            <a:pPr>
+            <a:pPr marL="216000" indent="-216000">
               <a:lnSpc>
                 <a:spcPct val="100000"/>
               </a:lnSpc>
@@ -417,7 +412,7 @@
       </p:grpSpPr>
       <p:sp>
         <p:nvSpPr>
-          <p:cNvPr id="142" name="PlaceHolder 1"/>
+          <p:cNvPr id="140" name="PlaceHolder 1"/>
           <p:cNvSpPr>
             <a:spLocks noGrp="1"/>
           </p:cNvSpPr>
@@ -428,16 +423,16 @@
         <p:spPr>
           <a:xfrm>
             <a:off x="381240" y="685800"/>
-            <a:ext cx="6095520" cy="3428640"/>
-          </a:xfrm>
-          <a:prstGeom prst="rect">
-            <a:avLst/>
-          </a:prstGeom>
-        </p:spPr>
-      </p:sp>
-      <p:sp>
-        <p:nvSpPr>
-          <p:cNvPr id="143" name="PlaceHolder 2"/>
+            <a:ext cx="6095160" cy="3428280"/>
+          </a:xfrm>
+          <a:prstGeom prst="rect">
+            <a:avLst/>
+          </a:prstGeom>
+        </p:spPr>
+      </p:sp>
+      <p:sp>
+        <p:nvSpPr>
+          <p:cNvPr id="141" name="PlaceHolder 2"/>
           <p:cNvSpPr>
             <a:spLocks noGrp="1"/>
           </p:cNvSpPr>
@@ -448,18 +443,18 @@
         <p:spPr>
           <a:xfrm>
             <a:off x="685800" y="4343400"/>
-            <a:ext cx="5486040" cy="4114440"/>
-          </a:xfrm>
-          <a:prstGeom prst="rect">
-            <a:avLst/>
-          </a:prstGeom>
-        </p:spPr>
-        <p:txBody>
-          <a:bodyPr tIns="91440" bIns="91440">
+            <a:ext cx="5485680" cy="4114080"/>
+          </a:xfrm>
+          <a:prstGeom prst="rect">
+            <a:avLst/>
+          </a:prstGeom>
+        </p:spPr>
+        <p:txBody>
+          <a:bodyPr lIns="0" rIns="0" tIns="91440" bIns="91440">
             <a:noAutofit/>
           </a:bodyPr>
           <a:p>
-            <a:pPr>
+            <a:pPr marL="216000" indent="-216000">
               <a:lnSpc>
                 <a:spcPct val="100000"/>
               </a:lnSpc>
@@ -503,7 +498,7 @@
       </p:grpSpPr>
       <p:sp>
         <p:nvSpPr>
-          <p:cNvPr id="144" name="PlaceHolder 1"/>
+          <p:cNvPr id="142" name="PlaceHolder 1"/>
           <p:cNvSpPr>
             <a:spLocks noGrp="1"/>
           </p:cNvSpPr>
@@ -514,16 +509,16 @@
         <p:spPr>
           <a:xfrm>
             <a:off x="381240" y="685800"/>
-            <a:ext cx="6095520" cy="3428640"/>
-          </a:xfrm>
-          <a:prstGeom prst="rect">
-            <a:avLst/>
-          </a:prstGeom>
-        </p:spPr>
-      </p:sp>
-      <p:sp>
-        <p:nvSpPr>
-          <p:cNvPr id="145" name="PlaceHolder 2"/>
+            <a:ext cx="6095160" cy="3428280"/>
+          </a:xfrm>
+          <a:prstGeom prst="rect">
+            <a:avLst/>
+          </a:prstGeom>
+        </p:spPr>
+      </p:sp>
+      <p:sp>
+        <p:nvSpPr>
+          <p:cNvPr id="143" name="PlaceHolder 2"/>
           <p:cNvSpPr>
             <a:spLocks noGrp="1"/>
           </p:cNvSpPr>
@@ -534,18 +529,18 @@
         <p:spPr>
           <a:xfrm>
             <a:off x="685800" y="4343400"/>
-            <a:ext cx="5486040" cy="4114440"/>
-          </a:xfrm>
-          <a:prstGeom prst="rect">
-            <a:avLst/>
-          </a:prstGeom>
-        </p:spPr>
-        <p:txBody>
-          <a:bodyPr tIns="91440" bIns="91440">
+            <a:ext cx="5485680" cy="4114080"/>
+          </a:xfrm>
+          <a:prstGeom prst="rect">
+            <a:avLst/>
+          </a:prstGeom>
+        </p:spPr>
+        <p:txBody>
+          <a:bodyPr lIns="0" rIns="0" tIns="91440" bIns="91440">
             <a:noAutofit/>
           </a:bodyPr>
           <a:p>
-            <a:pPr>
+            <a:pPr marL="216000" indent="-216000">
               <a:lnSpc>
                 <a:spcPct val="100000"/>
               </a:lnSpc>
@@ -569,7 +564,7 @@
             </a:endParaRPr>
           </a:p>
           <a:p>
-            <a:pPr>
+            <a:pPr marL="216000" indent="-216000">
               <a:lnSpc>
                 <a:spcPct val="100000"/>
               </a:lnSpc>
@@ -582,7 +577,7 @@
             </a:endParaRPr>
           </a:p>
           <a:p>
-            <a:pPr>
+            <a:pPr marL="216000" indent="-216000">
               <a:lnSpc>
                 <a:spcPct val="100000"/>
               </a:lnSpc>
@@ -606,7 +601,7 @@
             </a:endParaRPr>
           </a:p>
           <a:p>
-            <a:pPr>
+            <a:pPr marL="216000" indent="-216000">
               <a:lnSpc>
                 <a:spcPct val="100000"/>
               </a:lnSpc>
@@ -619,7 +614,7 @@
             </a:endParaRPr>
           </a:p>
           <a:p>
-            <a:pPr>
+            <a:pPr marL="216000" indent="-216000">
               <a:lnSpc>
                 <a:spcPct val="100000"/>
               </a:lnSpc>
@@ -644,7 +639,7 @@
             </a:endParaRPr>
           </a:p>
           <a:p>
-            <a:pPr>
+            <a:pPr marL="216000" indent="-216000">
               <a:lnSpc>
                 <a:spcPct val="100000"/>
               </a:lnSpc>
@@ -657,7 +652,7 @@
             </a:endParaRPr>
           </a:p>
           <a:p>
-            <a:pPr>
+            <a:pPr marL="216000" indent="-216000">
               <a:lnSpc>
                 <a:spcPct val="100000"/>
               </a:lnSpc>
@@ -670,7 +665,7 @@
             </a:endParaRPr>
           </a:p>
           <a:p>
-            <a:pPr>
+            <a:pPr marL="216000" indent="-216000">
               <a:lnSpc>
                 <a:spcPct val="100000"/>
               </a:lnSpc>
@@ -683,7 +678,7 @@
             </a:endParaRPr>
           </a:p>
           <a:p>
-            <a:pPr>
+            <a:pPr marL="216000" indent="-216000">
               <a:lnSpc>
                 <a:spcPct val="100000"/>
               </a:lnSpc>
@@ -721,7 +716,7 @@
       </p:grpSpPr>
       <p:sp>
         <p:nvSpPr>
-          <p:cNvPr id="146" name="PlaceHolder 1"/>
+          <p:cNvPr id="144" name="PlaceHolder 1"/>
           <p:cNvSpPr>
             <a:spLocks noGrp="1"/>
           </p:cNvSpPr>
@@ -732,16 +727,16 @@
         <p:spPr>
           <a:xfrm>
             <a:off x="381240" y="685800"/>
-            <a:ext cx="6095520" cy="3428640"/>
-          </a:xfrm>
-          <a:prstGeom prst="rect">
-            <a:avLst/>
-          </a:prstGeom>
-        </p:spPr>
-      </p:sp>
-      <p:sp>
-        <p:nvSpPr>
-          <p:cNvPr id="147" name="PlaceHolder 2"/>
+            <a:ext cx="6095160" cy="3428280"/>
+          </a:xfrm>
+          <a:prstGeom prst="rect">
+            <a:avLst/>
+          </a:prstGeom>
+        </p:spPr>
+      </p:sp>
+      <p:sp>
+        <p:nvSpPr>
+          <p:cNvPr id="145" name="PlaceHolder 2"/>
           <p:cNvSpPr>
             <a:spLocks noGrp="1"/>
           </p:cNvSpPr>
@@ -752,18 +747,18 @@
         <p:spPr>
           <a:xfrm>
             <a:off x="685800" y="4343400"/>
-            <a:ext cx="5486040" cy="4114440"/>
-          </a:xfrm>
-          <a:prstGeom prst="rect">
-            <a:avLst/>
-          </a:prstGeom>
-        </p:spPr>
-        <p:txBody>
-          <a:bodyPr tIns="91440" bIns="91440">
+            <a:ext cx="5485680" cy="4114080"/>
+          </a:xfrm>
+          <a:prstGeom prst="rect">
+            <a:avLst/>
+          </a:prstGeom>
+        </p:spPr>
+        <p:txBody>
+          <a:bodyPr lIns="0" rIns="0" tIns="91440" bIns="91440">
             <a:noAutofit/>
           </a:bodyPr>
           <a:p>
-            <a:pPr>
+            <a:pPr marL="216000" indent="-216000">
               <a:lnSpc>
                 <a:spcPct val="100000"/>
               </a:lnSpc>
@@ -787,7 +782,7 @@
             </a:endParaRPr>
           </a:p>
           <a:p>
-            <a:pPr>
+            <a:pPr marL="216000" indent="-216000">
               <a:lnSpc>
                 <a:spcPct val="100000"/>
               </a:lnSpc>
@@ -811,7 +806,7 @@
             </a:endParaRPr>
           </a:p>
           <a:p>
-            <a:pPr>
+            <a:pPr marL="216000" indent="-216000">
               <a:lnSpc>
                 <a:spcPct val="100000"/>
               </a:lnSpc>
@@ -824,7 +819,7 @@
             </a:endParaRPr>
           </a:p>
           <a:p>
-            <a:pPr>
+            <a:pPr marL="216000" indent="-216000">
               <a:lnSpc>
                 <a:spcPct val="100000"/>
               </a:lnSpc>
@@ -862,7 +857,7 @@
       </p:grpSpPr>
       <p:sp>
         <p:nvSpPr>
-          <p:cNvPr id="148" name="PlaceHolder 1"/>
+          <p:cNvPr id="146" name="PlaceHolder 1"/>
           <p:cNvSpPr>
             <a:spLocks noGrp="1"/>
           </p:cNvSpPr>
@@ -873,16 +868,16 @@
         <p:spPr>
           <a:xfrm>
             <a:off x="380880" y="685800"/>
-            <a:ext cx="6095520" cy="3428640"/>
-          </a:xfrm>
-          <a:prstGeom prst="rect">
-            <a:avLst/>
-          </a:prstGeom>
-        </p:spPr>
-      </p:sp>
-      <p:sp>
-        <p:nvSpPr>
-          <p:cNvPr id="149" name="PlaceHolder 2"/>
+            <a:ext cx="6095160" cy="3428280"/>
+          </a:xfrm>
+          <a:prstGeom prst="rect">
+            <a:avLst/>
+          </a:prstGeom>
+        </p:spPr>
+      </p:sp>
+      <p:sp>
+        <p:nvSpPr>
+          <p:cNvPr id="147" name="PlaceHolder 2"/>
           <p:cNvSpPr>
             <a:spLocks noGrp="1"/>
           </p:cNvSpPr>
@@ -893,18 +888,18 @@
         <p:spPr>
           <a:xfrm>
             <a:off x="685800" y="4343400"/>
-            <a:ext cx="5486040" cy="4114440"/>
-          </a:xfrm>
-          <a:prstGeom prst="rect">
-            <a:avLst/>
-          </a:prstGeom>
-        </p:spPr>
-        <p:txBody>
-          <a:bodyPr tIns="91440" bIns="91440">
+            <a:ext cx="5485680" cy="4114080"/>
+          </a:xfrm>
+          <a:prstGeom prst="rect">
+            <a:avLst/>
+          </a:prstGeom>
+        </p:spPr>
+        <p:txBody>
+          <a:bodyPr lIns="0" rIns="0" tIns="91440" bIns="91440">
             <a:noAutofit/>
           </a:bodyPr>
           <a:p>
-            <a:pPr>
+            <a:pPr marL="216000" indent="-216000">
               <a:lnSpc>
                 <a:spcPct val="100000"/>
               </a:lnSpc>
@@ -928,7 +923,7 @@
             </a:endParaRPr>
           </a:p>
           <a:p>
-            <a:pPr>
+            <a:pPr marL="216000" indent="-216000">
               <a:lnSpc>
                 <a:spcPct val="100000"/>
               </a:lnSpc>
@@ -966,7 +961,7 @@
       </p:grpSpPr>
       <p:sp>
         <p:nvSpPr>
-          <p:cNvPr id="150" name="PlaceHolder 1"/>
+          <p:cNvPr id="148" name="PlaceHolder 1"/>
           <p:cNvSpPr>
             <a:spLocks noGrp="1"/>
           </p:cNvSpPr>
@@ -977,16 +972,16 @@
         <p:spPr>
           <a:xfrm>
             <a:off x="381240" y="685800"/>
-            <a:ext cx="6095520" cy="3428640"/>
-          </a:xfrm>
-          <a:prstGeom prst="rect">
-            <a:avLst/>
-          </a:prstGeom>
-        </p:spPr>
-      </p:sp>
-      <p:sp>
-        <p:nvSpPr>
-          <p:cNvPr id="151" name="PlaceHolder 2"/>
+            <a:ext cx="6095160" cy="3428280"/>
+          </a:xfrm>
+          <a:prstGeom prst="rect">
+            <a:avLst/>
+          </a:prstGeom>
+        </p:spPr>
+      </p:sp>
+      <p:sp>
+        <p:nvSpPr>
+          <p:cNvPr id="149" name="PlaceHolder 2"/>
           <p:cNvSpPr>
             <a:spLocks noGrp="1"/>
           </p:cNvSpPr>
@@ -997,18 +992,18 @@
         <p:spPr>
           <a:xfrm>
             <a:off x="685800" y="4343400"/>
-            <a:ext cx="5486040" cy="4114440"/>
-          </a:xfrm>
-          <a:prstGeom prst="rect">
-            <a:avLst/>
-          </a:prstGeom>
-        </p:spPr>
-        <p:txBody>
-          <a:bodyPr tIns="91440" bIns="91440">
+            <a:ext cx="5485680" cy="4114080"/>
+          </a:xfrm>
+          <a:prstGeom prst="rect">
+            <a:avLst/>
+          </a:prstGeom>
+        </p:spPr>
+        <p:txBody>
+          <a:bodyPr lIns="0" rIns="0" tIns="91440" bIns="91440">
             <a:noAutofit/>
           </a:bodyPr>
           <a:p>
-            <a:pPr>
+            <a:pPr marL="216000" indent="-216000">
               <a:lnSpc>
                 <a:spcPct val="100000"/>
               </a:lnSpc>
@@ -1032,7 +1027,7 @@
             </a:endParaRPr>
           </a:p>
           <a:p>
-            <a:pPr>
+            <a:pPr marL="216000" indent="-216000">
               <a:lnSpc>
                 <a:spcPct val="100000"/>
               </a:lnSpc>
@@ -1045,7 +1040,7 @@
             </a:endParaRPr>
           </a:p>
           <a:p>
-            <a:pPr>
+            <a:pPr marL="216000" indent="-216000">
               <a:lnSpc>
                 <a:spcPct val="100000"/>
               </a:lnSpc>
@@ -1069,7 +1064,7 @@
             </a:endParaRPr>
           </a:p>
           <a:p>
-            <a:pPr>
+            <a:pPr marL="216000" indent="-216000">
               <a:lnSpc>
                 <a:spcPct val="100000"/>
               </a:lnSpc>
@@ -1082,7 +1077,7 @@
             </a:endParaRPr>
           </a:p>
           <a:p>
-            <a:pPr>
+            <a:pPr marL="216000" indent="-216000">
               <a:lnSpc>
                 <a:spcPct val="100000"/>
               </a:lnSpc>
@@ -1120,7 +1115,7 @@
       </p:grpSpPr>
       <p:sp>
         <p:nvSpPr>
-          <p:cNvPr id="130" name="PlaceHolder 1"/>
+          <p:cNvPr id="128" name="PlaceHolder 1"/>
           <p:cNvSpPr>
             <a:spLocks noGrp="1"/>
           </p:cNvSpPr>
@@ -1131,16 +1126,16 @@
         <p:spPr>
           <a:xfrm>
             <a:off x="380880" y="685800"/>
-            <a:ext cx="6095520" cy="3428640"/>
-          </a:xfrm>
-          <a:prstGeom prst="rect">
-            <a:avLst/>
-          </a:prstGeom>
-        </p:spPr>
-      </p:sp>
-      <p:sp>
-        <p:nvSpPr>
-          <p:cNvPr id="131" name="PlaceHolder 2"/>
+            <a:ext cx="6095160" cy="3428280"/>
+          </a:xfrm>
+          <a:prstGeom prst="rect">
+            <a:avLst/>
+          </a:prstGeom>
+        </p:spPr>
+      </p:sp>
+      <p:sp>
+        <p:nvSpPr>
+          <p:cNvPr id="129" name="PlaceHolder 2"/>
           <p:cNvSpPr>
             <a:spLocks noGrp="1"/>
           </p:cNvSpPr>
@@ -1151,18 +1146,18 @@
         <p:spPr>
           <a:xfrm>
             <a:off x="685800" y="4343400"/>
-            <a:ext cx="5486040" cy="4114440"/>
-          </a:xfrm>
-          <a:prstGeom prst="rect">
-            <a:avLst/>
-          </a:prstGeom>
-        </p:spPr>
-        <p:txBody>
-          <a:bodyPr tIns="91440" bIns="91440">
+            <a:ext cx="5485680" cy="4114080"/>
+          </a:xfrm>
+          <a:prstGeom prst="rect">
+            <a:avLst/>
+          </a:prstGeom>
+        </p:spPr>
+        <p:txBody>
+          <a:bodyPr lIns="0" rIns="0" tIns="91440" bIns="91440">
             <a:noAutofit/>
           </a:bodyPr>
           <a:p>
-            <a:pPr>
+            <a:pPr marL="216000" indent="-216000">
               <a:lnSpc>
                 <a:spcPct val="100000"/>
               </a:lnSpc>
@@ -1206,7 +1201,7 @@
       </p:grpSpPr>
       <p:sp>
         <p:nvSpPr>
-          <p:cNvPr id="132" name="PlaceHolder 1"/>
+          <p:cNvPr id="130" name="PlaceHolder 1"/>
           <p:cNvSpPr>
             <a:spLocks noGrp="1"/>
           </p:cNvSpPr>
@@ -1217,16 +1212,16 @@
         <p:spPr>
           <a:xfrm>
             <a:off x="381240" y="685800"/>
-            <a:ext cx="6095520" cy="3428640"/>
-          </a:xfrm>
-          <a:prstGeom prst="rect">
-            <a:avLst/>
-          </a:prstGeom>
-        </p:spPr>
-      </p:sp>
-      <p:sp>
-        <p:nvSpPr>
-          <p:cNvPr id="133" name="PlaceHolder 2"/>
+            <a:ext cx="6095160" cy="3428280"/>
+          </a:xfrm>
+          <a:prstGeom prst="rect">
+            <a:avLst/>
+          </a:prstGeom>
+        </p:spPr>
+      </p:sp>
+      <p:sp>
+        <p:nvSpPr>
+          <p:cNvPr id="131" name="PlaceHolder 2"/>
           <p:cNvSpPr>
             <a:spLocks noGrp="1"/>
           </p:cNvSpPr>
@@ -1237,18 +1232,18 @@
         <p:spPr>
           <a:xfrm>
             <a:off x="685800" y="4343400"/>
-            <a:ext cx="5486040" cy="4114440"/>
-          </a:xfrm>
-          <a:prstGeom prst="rect">
-            <a:avLst/>
-          </a:prstGeom>
-        </p:spPr>
-        <p:txBody>
-          <a:bodyPr tIns="91440" bIns="91440">
+            <a:ext cx="5485680" cy="4114080"/>
+          </a:xfrm>
+          <a:prstGeom prst="rect">
+            <a:avLst/>
+          </a:prstGeom>
+        </p:spPr>
+        <p:txBody>
+          <a:bodyPr lIns="0" rIns="0" tIns="91440" bIns="91440">
             <a:noAutofit/>
           </a:bodyPr>
           <a:p>
-            <a:pPr>
+            <a:pPr marL="216000" indent="-216000">
               <a:lnSpc>
                 <a:spcPct val="100000"/>
               </a:lnSpc>
@@ -1292,7 +1287,7 @@
       </p:grpSpPr>
       <p:sp>
         <p:nvSpPr>
-          <p:cNvPr id="134" name="PlaceHolder 1"/>
+          <p:cNvPr id="132" name="PlaceHolder 1"/>
           <p:cNvSpPr>
             <a:spLocks noGrp="1"/>
           </p:cNvSpPr>
@@ -1303,16 +1298,16 @@
         <p:spPr>
           <a:xfrm>
             <a:off x="381240" y="685800"/>
-            <a:ext cx="6095520" cy="3428640"/>
-          </a:xfrm>
-          <a:prstGeom prst="rect">
-            <a:avLst/>
-          </a:prstGeom>
-        </p:spPr>
-      </p:sp>
-      <p:sp>
-        <p:nvSpPr>
-          <p:cNvPr id="135" name="PlaceHolder 2"/>
+            <a:ext cx="6095160" cy="3428280"/>
+          </a:xfrm>
+          <a:prstGeom prst="rect">
+            <a:avLst/>
+          </a:prstGeom>
+        </p:spPr>
+      </p:sp>
+      <p:sp>
+        <p:nvSpPr>
+          <p:cNvPr id="133" name="PlaceHolder 2"/>
           <p:cNvSpPr>
             <a:spLocks noGrp="1"/>
           </p:cNvSpPr>
@@ -1323,18 +1318,18 @@
         <p:spPr>
           <a:xfrm>
             <a:off x="685800" y="4343400"/>
-            <a:ext cx="5486040" cy="4114440"/>
-          </a:xfrm>
-          <a:prstGeom prst="rect">
-            <a:avLst/>
-          </a:prstGeom>
-        </p:spPr>
-        <p:txBody>
-          <a:bodyPr tIns="91440" bIns="91440">
+            <a:ext cx="5485680" cy="4114080"/>
+          </a:xfrm>
+          <a:prstGeom prst="rect">
+            <a:avLst/>
+          </a:prstGeom>
+        </p:spPr>
+        <p:txBody>
+          <a:bodyPr lIns="0" rIns="0" tIns="91440" bIns="91440">
             <a:noAutofit/>
           </a:bodyPr>
           <a:p>
-            <a:pPr>
+            <a:pPr marL="216000" indent="-216000">
               <a:lnSpc>
                 <a:spcPct val="100000"/>
               </a:lnSpc>
@@ -1378,7 +1373,7 @@
       </p:grpSpPr>
       <p:sp>
         <p:nvSpPr>
-          <p:cNvPr id="136" name="PlaceHolder 1"/>
+          <p:cNvPr id="134" name="PlaceHolder 1"/>
           <p:cNvSpPr>
             <a:spLocks noGrp="1"/>
           </p:cNvSpPr>
@@ -1389,16 +1384,16 @@
         <p:spPr>
           <a:xfrm>
             <a:off x="381240" y="685800"/>
-            <a:ext cx="6095520" cy="3428640"/>
-          </a:xfrm>
-          <a:prstGeom prst="rect">
-            <a:avLst/>
-          </a:prstGeom>
-        </p:spPr>
-      </p:sp>
-      <p:sp>
-        <p:nvSpPr>
-          <p:cNvPr id="137" name="PlaceHolder 2"/>
+            <a:ext cx="6095160" cy="3428280"/>
+          </a:xfrm>
+          <a:prstGeom prst="rect">
+            <a:avLst/>
+          </a:prstGeom>
+        </p:spPr>
+      </p:sp>
+      <p:sp>
+        <p:nvSpPr>
+          <p:cNvPr id="135" name="PlaceHolder 2"/>
           <p:cNvSpPr>
             <a:spLocks noGrp="1"/>
           </p:cNvSpPr>
@@ -1409,18 +1404,18 @@
         <p:spPr>
           <a:xfrm>
             <a:off x="685800" y="4343400"/>
-            <a:ext cx="5486040" cy="4114440"/>
-          </a:xfrm>
-          <a:prstGeom prst="rect">
-            <a:avLst/>
-          </a:prstGeom>
-        </p:spPr>
-        <p:txBody>
-          <a:bodyPr tIns="91440" bIns="91440">
+            <a:ext cx="5485680" cy="4114080"/>
+          </a:xfrm>
+          <a:prstGeom prst="rect">
+            <a:avLst/>
+          </a:prstGeom>
+        </p:spPr>
+        <p:txBody>
+          <a:bodyPr lIns="0" rIns="0" tIns="91440" bIns="91440">
             <a:noAutofit/>
           </a:bodyPr>
           <a:p>
-            <a:pPr>
+            <a:pPr marL="216000" indent="-216000">
               <a:lnSpc>
                 <a:spcPct val="100000"/>
               </a:lnSpc>
@@ -1442,7 +1437,7 @@
             </a:endParaRPr>
           </a:p>
           <a:p>
-            <a:pPr>
+            <a:pPr marL="216000" indent="-216000">
               <a:lnSpc>
                 <a:spcPct val="100000"/>
               </a:lnSpc>
@@ -1480,7 +1475,7 @@
       </p:grpSpPr>
       <p:sp>
         <p:nvSpPr>
-          <p:cNvPr id="138" name="PlaceHolder 1"/>
+          <p:cNvPr id="136" name="PlaceHolder 1"/>
           <p:cNvSpPr>
             <a:spLocks noGrp="1"/>
           </p:cNvSpPr>
@@ -1491,16 +1486,16 @@
         <p:spPr>
           <a:xfrm>
             <a:off x="381240" y="685800"/>
-            <a:ext cx="6095520" cy="3428640"/>
-          </a:xfrm>
-          <a:prstGeom prst="rect">
-            <a:avLst/>
-          </a:prstGeom>
-        </p:spPr>
-      </p:sp>
-      <p:sp>
-        <p:nvSpPr>
-          <p:cNvPr id="139" name="PlaceHolder 2"/>
+            <a:ext cx="6095160" cy="3428280"/>
+          </a:xfrm>
+          <a:prstGeom prst="rect">
+            <a:avLst/>
+          </a:prstGeom>
+        </p:spPr>
+      </p:sp>
+      <p:sp>
+        <p:nvSpPr>
+          <p:cNvPr id="137" name="PlaceHolder 2"/>
           <p:cNvSpPr>
             <a:spLocks noGrp="1"/>
           </p:cNvSpPr>
@@ -1511,18 +1506,18 @@
         <p:spPr>
           <a:xfrm>
             <a:off x="685800" y="4343400"/>
-            <a:ext cx="5486040" cy="4114440"/>
-          </a:xfrm>
-          <a:prstGeom prst="rect">
-            <a:avLst/>
-          </a:prstGeom>
-        </p:spPr>
-        <p:txBody>
-          <a:bodyPr tIns="91440" bIns="91440">
+            <a:ext cx="5485680" cy="4114080"/>
+          </a:xfrm>
+          <a:prstGeom prst="rect">
+            <a:avLst/>
+          </a:prstGeom>
+        </p:spPr>
+        <p:txBody>
+          <a:bodyPr lIns="0" rIns="0" tIns="91440" bIns="91440">
             <a:noAutofit/>
           </a:bodyPr>
           <a:p>
-            <a:pPr>
+            <a:pPr marL="216000" indent="-216000">
               <a:lnSpc>
                 <a:spcPct val="115000"/>
               </a:lnSpc>
@@ -1546,7 +1541,7 @@
             </a:endParaRPr>
           </a:p>
           <a:p>
-            <a:pPr>
+            <a:pPr marL="216000" indent="-216000">
               <a:lnSpc>
                 <a:spcPct val="115000"/>
               </a:lnSpc>
@@ -1571,7 +1566,7 @@
             </a:endParaRPr>
           </a:p>
           <a:p>
-            <a:pPr>
+            <a:pPr marL="216000" indent="-216000">
               <a:lnSpc>
                 <a:spcPct val="115000"/>
               </a:lnSpc>
@@ -1625,7 +1620,7 @@
       </p:grpSpPr>
       <p:sp>
         <p:nvSpPr>
-          <p:cNvPr id="140" name="PlaceHolder 1"/>
+          <p:cNvPr id="138" name="PlaceHolder 1"/>
           <p:cNvSpPr>
             <a:spLocks noGrp="1"/>
           </p:cNvSpPr>
@@ -1636,16 +1631,16 @@
         <p:spPr>
           <a:xfrm>
             <a:off x="381240" y="685800"/>
-            <a:ext cx="6095520" cy="3428640"/>
-          </a:xfrm>
-          <a:prstGeom prst="rect">
-            <a:avLst/>
-          </a:prstGeom>
-        </p:spPr>
-      </p:sp>
-      <p:sp>
-        <p:nvSpPr>
-          <p:cNvPr id="141" name="PlaceHolder 2"/>
+            <a:ext cx="6095160" cy="3428280"/>
+          </a:xfrm>
+          <a:prstGeom prst="rect">
+            <a:avLst/>
+          </a:prstGeom>
+        </p:spPr>
+      </p:sp>
+      <p:sp>
+        <p:nvSpPr>
+          <p:cNvPr id="139" name="PlaceHolder 2"/>
           <p:cNvSpPr>
             <a:spLocks noGrp="1"/>
           </p:cNvSpPr>
@@ -1656,18 +1651,18 @@
         <p:spPr>
           <a:xfrm>
             <a:off x="685800" y="4343400"/>
-            <a:ext cx="5486040" cy="4114440"/>
-          </a:xfrm>
-          <a:prstGeom prst="rect">
-            <a:avLst/>
-          </a:prstGeom>
-        </p:spPr>
-        <p:txBody>
-          <a:bodyPr tIns="91440" bIns="91440">
+            <a:ext cx="5485680" cy="4114080"/>
+          </a:xfrm>
+          <a:prstGeom prst="rect">
+            <a:avLst/>
+          </a:prstGeom>
+        </p:spPr>
+        <p:txBody>
+          <a:bodyPr lIns="0" rIns="0" tIns="91440" bIns="91440">
             <a:noAutofit/>
           </a:bodyPr>
           <a:p>
-            <a:pPr>
+            <a:pPr marL="216000" indent="-216000">
               <a:lnSpc>
                 <a:spcPct val="100000"/>
               </a:lnSpc>
@@ -1733,7 +1728,7 @@
       </p:grpSpPr>
       <p:sp>
         <p:nvSpPr>
-          <p:cNvPr id="27" name="PlaceHolder 1"/>
+          <p:cNvPr id="26" name="PlaceHolder 1"/>
           <p:cNvSpPr>
             <a:spLocks noGrp="1"/>
           </p:cNvSpPr>
@@ -1744,7 +1739,7 @@
         <p:spPr>
           <a:xfrm>
             <a:off x="388080" y="457920"/>
-            <a:ext cx="8367840" cy="685800"/>
+            <a:ext cx="8367480" cy="685440"/>
           </a:xfrm>
           <a:prstGeom prst="rect">
             <a:avLst/>
@@ -1755,18 +1750,16 @@
             <a:noAutofit/>
           </a:bodyPr>
           <a:p>
-            <a:endParaRPr b="0" lang="en-MY" sz="1400" spc="-1" strike="noStrike">
-              <a:solidFill>
-                <a:srgbClr val="000000"/>
-              </a:solidFill>
-              <a:latin typeface="Arial"/>
-            </a:endParaRPr>
-          </a:p>
-        </p:txBody>
-      </p:sp>
-      <p:sp>
-        <p:nvSpPr>
-          <p:cNvPr id="28" name="PlaceHolder 2"/>
+            <a:pPr algn="ctr"/>
+            <a:endParaRPr b="0" lang="en-MY" sz="4400" spc="-1" strike="noStrike">
+              <a:latin typeface="Arial"/>
+            </a:endParaRPr>
+          </a:p>
+        </p:txBody>
+      </p:sp>
+      <p:sp>
+        <p:nvSpPr>
+          <p:cNvPr id="27" name="PlaceHolder 2"/>
           <p:cNvSpPr>
             <a:spLocks noGrp="1"/>
           </p:cNvSpPr>
@@ -1777,7 +1770,7 @@
         <p:spPr>
           <a:xfrm>
             <a:off x="388080" y="1489680"/>
-            <a:ext cx="8367840" cy="1468440"/>
+            <a:ext cx="8367480" cy="1468080"/>
           </a:xfrm>
           <a:prstGeom prst="rect">
             <a:avLst/>
@@ -1788,18 +1781,15 @@
             <a:normAutofit/>
           </a:bodyPr>
           <a:p>
-            <a:endParaRPr b="0" lang="en-MY" sz="1400" spc="-1" strike="noStrike">
-              <a:solidFill>
-                <a:srgbClr val="000000"/>
-              </a:solidFill>
-              <a:latin typeface="Arial"/>
-            </a:endParaRPr>
-          </a:p>
-        </p:txBody>
-      </p:sp>
-      <p:sp>
-        <p:nvSpPr>
-          <p:cNvPr id="29" name="PlaceHolder 3"/>
+            <a:endParaRPr b="0" lang="en-MY" sz="3200" spc="-1" strike="noStrike">
+              <a:latin typeface="Arial"/>
+            </a:endParaRPr>
+          </a:p>
+        </p:txBody>
+      </p:sp>
+      <p:sp>
+        <p:nvSpPr>
+          <p:cNvPr id="28" name="PlaceHolder 3"/>
           <p:cNvSpPr>
             <a:spLocks noGrp="1"/>
           </p:cNvSpPr>
@@ -1809,8 +1799,8 @@
         </p:nvSpPr>
         <p:spPr>
           <a:xfrm>
-            <a:off x="388080" y="3098160"/>
-            <a:ext cx="8367840" cy="1468440"/>
+            <a:off x="388080" y="3097800"/>
+            <a:ext cx="8367480" cy="1468080"/>
           </a:xfrm>
           <a:prstGeom prst="rect">
             <a:avLst/>
@@ -1821,10 +1811,7 @@
             <a:normAutofit/>
           </a:bodyPr>
           <a:p>
-            <a:endParaRPr b="0" lang="en-MY" sz="1400" spc="-1" strike="noStrike">
-              <a:solidFill>
-                <a:srgbClr val="000000"/>
-              </a:solidFill>
+            <a:endParaRPr b="0" lang="en-MY" sz="3200" spc="-1" strike="noStrike">
               <a:latin typeface="Arial"/>
             </a:endParaRPr>
           </a:p>
@@ -1854,7 +1841,7 @@
       </p:grpSpPr>
       <p:sp>
         <p:nvSpPr>
-          <p:cNvPr id="30" name="PlaceHolder 1"/>
+          <p:cNvPr id="29" name="PlaceHolder 1"/>
           <p:cNvSpPr>
             <a:spLocks noGrp="1"/>
           </p:cNvSpPr>
@@ -1865,7 +1852,7 @@
         <p:spPr>
           <a:xfrm>
             <a:off x="388080" y="457920"/>
-            <a:ext cx="8367840" cy="685800"/>
+            <a:ext cx="8367480" cy="685440"/>
           </a:xfrm>
           <a:prstGeom prst="rect">
             <a:avLst/>
@@ -1876,18 +1863,16 @@
             <a:noAutofit/>
           </a:bodyPr>
           <a:p>
-            <a:endParaRPr b="0" lang="en-MY" sz="1400" spc="-1" strike="noStrike">
-              <a:solidFill>
-                <a:srgbClr val="000000"/>
-              </a:solidFill>
-              <a:latin typeface="Arial"/>
-            </a:endParaRPr>
-          </a:p>
-        </p:txBody>
-      </p:sp>
-      <p:sp>
-        <p:nvSpPr>
-          <p:cNvPr id="31" name="PlaceHolder 2"/>
+            <a:pPr algn="ctr"/>
+            <a:endParaRPr b="0" lang="en-MY" sz="4400" spc="-1" strike="noStrike">
+              <a:latin typeface="Arial"/>
+            </a:endParaRPr>
+          </a:p>
+        </p:txBody>
+      </p:sp>
+      <p:sp>
+        <p:nvSpPr>
+          <p:cNvPr id="30" name="PlaceHolder 2"/>
           <p:cNvSpPr>
             <a:spLocks noGrp="1"/>
           </p:cNvSpPr>
@@ -1898,7 +1883,7 @@
         <p:spPr>
           <a:xfrm>
             <a:off x="388080" y="1489680"/>
-            <a:ext cx="4083480" cy="1468440"/>
+            <a:ext cx="4083120" cy="1468080"/>
           </a:xfrm>
           <a:prstGeom prst="rect">
             <a:avLst/>
@@ -1909,18 +1894,15 @@
             <a:normAutofit/>
           </a:bodyPr>
           <a:p>
-            <a:endParaRPr b="0" lang="en-MY" sz="1400" spc="-1" strike="noStrike">
-              <a:solidFill>
-                <a:srgbClr val="000000"/>
-              </a:solidFill>
-              <a:latin typeface="Arial"/>
-            </a:endParaRPr>
-          </a:p>
-        </p:txBody>
-      </p:sp>
-      <p:sp>
-        <p:nvSpPr>
-          <p:cNvPr id="32" name="PlaceHolder 3"/>
+            <a:endParaRPr b="0" lang="en-MY" sz="3200" spc="-1" strike="noStrike">
+              <a:latin typeface="Arial"/>
+            </a:endParaRPr>
+          </a:p>
+        </p:txBody>
+      </p:sp>
+      <p:sp>
+        <p:nvSpPr>
+          <p:cNvPr id="31" name="PlaceHolder 3"/>
           <p:cNvSpPr>
             <a:spLocks noGrp="1"/>
           </p:cNvSpPr>
@@ -1930,8 +1912,8 @@
         </p:nvSpPr>
         <p:spPr>
           <a:xfrm>
-            <a:off x="4676040" y="1489680"/>
-            <a:ext cx="4083480" cy="1468440"/>
+            <a:off x="4675680" y="1489680"/>
+            <a:ext cx="4083120" cy="1468080"/>
           </a:xfrm>
           <a:prstGeom prst="rect">
             <a:avLst/>
@@ -1942,18 +1924,15 @@
             <a:normAutofit/>
           </a:bodyPr>
           <a:p>
-            <a:endParaRPr b="0" lang="en-MY" sz="1400" spc="-1" strike="noStrike">
-              <a:solidFill>
-                <a:srgbClr val="000000"/>
-              </a:solidFill>
-              <a:latin typeface="Arial"/>
-            </a:endParaRPr>
-          </a:p>
-        </p:txBody>
-      </p:sp>
-      <p:sp>
-        <p:nvSpPr>
-          <p:cNvPr id="33" name="PlaceHolder 4"/>
+            <a:endParaRPr b="0" lang="en-MY" sz="3200" spc="-1" strike="noStrike">
+              <a:latin typeface="Arial"/>
+            </a:endParaRPr>
+          </a:p>
+        </p:txBody>
+      </p:sp>
+      <p:sp>
+        <p:nvSpPr>
+          <p:cNvPr id="32" name="PlaceHolder 4"/>
           <p:cNvSpPr>
             <a:spLocks noGrp="1"/>
           </p:cNvSpPr>
@@ -1963,8 +1942,8 @@
         </p:nvSpPr>
         <p:spPr>
           <a:xfrm>
-            <a:off x="388080" y="3098160"/>
-            <a:ext cx="4083480" cy="1468440"/>
+            <a:off x="388080" y="3097800"/>
+            <a:ext cx="4083120" cy="1468080"/>
           </a:xfrm>
           <a:prstGeom prst="rect">
             <a:avLst/>
@@ -1975,18 +1954,15 @@
             <a:normAutofit/>
           </a:bodyPr>
           <a:p>
-            <a:endParaRPr b="0" lang="en-MY" sz="1400" spc="-1" strike="noStrike">
-              <a:solidFill>
-                <a:srgbClr val="000000"/>
-              </a:solidFill>
-              <a:latin typeface="Arial"/>
-            </a:endParaRPr>
-          </a:p>
-        </p:txBody>
-      </p:sp>
-      <p:sp>
-        <p:nvSpPr>
-          <p:cNvPr id="34" name="PlaceHolder 5"/>
+            <a:endParaRPr b="0" lang="en-MY" sz="3200" spc="-1" strike="noStrike">
+              <a:latin typeface="Arial"/>
+            </a:endParaRPr>
+          </a:p>
+        </p:txBody>
+      </p:sp>
+      <p:sp>
+        <p:nvSpPr>
+          <p:cNvPr id="33" name="PlaceHolder 5"/>
           <p:cNvSpPr>
             <a:spLocks noGrp="1"/>
           </p:cNvSpPr>
@@ -1996,8 +1972,8 @@
         </p:nvSpPr>
         <p:spPr>
           <a:xfrm>
-            <a:off x="4676040" y="3098160"/>
-            <a:ext cx="4083480" cy="1468440"/>
+            <a:off x="4675680" y="3097800"/>
+            <a:ext cx="4083120" cy="1468080"/>
           </a:xfrm>
           <a:prstGeom prst="rect">
             <a:avLst/>
@@ -2008,10 +1984,7 @@
             <a:normAutofit/>
           </a:bodyPr>
           <a:p>
-            <a:endParaRPr b="0" lang="en-MY" sz="1400" spc="-1" strike="noStrike">
-              <a:solidFill>
-                <a:srgbClr val="000000"/>
-              </a:solidFill>
+            <a:endParaRPr b="0" lang="en-MY" sz="3200" spc="-1" strike="noStrike">
               <a:latin typeface="Arial"/>
             </a:endParaRPr>
           </a:p>
@@ -2041,7 +2014,7 @@
       </p:grpSpPr>
       <p:sp>
         <p:nvSpPr>
-          <p:cNvPr id="35" name="PlaceHolder 1"/>
+          <p:cNvPr id="34" name="PlaceHolder 1"/>
           <p:cNvSpPr>
             <a:spLocks noGrp="1"/>
           </p:cNvSpPr>
@@ -2052,7 +2025,7 @@
         <p:spPr>
           <a:xfrm>
             <a:off x="388080" y="457920"/>
-            <a:ext cx="8367840" cy="685800"/>
+            <a:ext cx="8367480" cy="685440"/>
           </a:xfrm>
           <a:prstGeom prst="rect">
             <a:avLst/>
@@ -2063,18 +2036,16 @@
             <a:noAutofit/>
           </a:bodyPr>
           <a:p>
-            <a:endParaRPr b="0" lang="en-MY" sz="1400" spc="-1" strike="noStrike">
-              <a:solidFill>
-                <a:srgbClr val="000000"/>
-              </a:solidFill>
-              <a:latin typeface="Arial"/>
-            </a:endParaRPr>
-          </a:p>
-        </p:txBody>
-      </p:sp>
-      <p:sp>
-        <p:nvSpPr>
-          <p:cNvPr id="36" name="PlaceHolder 2"/>
+            <a:pPr algn="ctr"/>
+            <a:endParaRPr b="0" lang="en-MY" sz="4400" spc="-1" strike="noStrike">
+              <a:latin typeface="Arial"/>
+            </a:endParaRPr>
+          </a:p>
+        </p:txBody>
+      </p:sp>
+      <p:sp>
+        <p:nvSpPr>
+          <p:cNvPr id="35" name="PlaceHolder 2"/>
           <p:cNvSpPr>
             <a:spLocks noGrp="1"/>
           </p:cNvSpPr>
@@ -2085,7 +2056,7 @@
         <p:spPr>
           <a:xfrm>
             <a:off x="388080" y="1489680"/>
-            <a:ext cx="2694240" cy="1468440"/>
+            <a:ext cx="2694240" cy="1468080"/>
           </a:xfrm>
           <a:prstGeom prst="rect">
             <a:avLst/>
@@ -2096,18 +2067,15 @@
             <a:normAutofit/>
           </a:bodyPr>
           <a:p>
-            <a:endParaRPr b="0" lang="en-MY" sz="1400" spc="-1" strike="noStrike">
-              <a:solidFill>
-                <a:srgbClr val="000000"/>
-              </a:solidFill>
-              <a:latin typeface="Arial"/>
-            </a:endParaRPr>
-          </a:p>
-        </p:txBody>
-      </p:sp>
-      <p:sp>
-        <p:nvSpPr>
-          <p:cNvPr id="37" name="PlaceHolder 3"/>
+            <a:endParaRPr b="0" lang="en-MY" sz="3200" spc="-1" strike="noStrike">
+              <a:latin typeface="Arial"/>
+            </a:endParaRPr>
+          </a:p>
+        </p:txBody>
+      </p:sp>
+      <p:sp>
+        <p:nvSpPr>
+          <p:cNvPr id="36" name="PlaceHolder 3"/>
           <p:cNvSpPr>
             <a:spLocks noGrp="1"/>
           </p:cNvSpPr>
@@ -2118,7 +2086,7 @@
         <p:spPr>
           <a:xfrm>
             <a:off x="3217320" y="1489680"/>
-            <a:ext cx="2694240" cy="1468440"/>
+            <a:ext cx="2694240" cy="1468080"/>
           </a:xfrm>
           <a:prstGeom prst="rect">
             <a:avLst/>
@@ -2129,18 +2097,15 @@
             <a:normAutofit/>
           </a:bodyPr>
           <a:p>
-            <a:endParaRPr b="0" lang="en-MY" sz="1400" spc="-1" strike="noStrike">
-              <a:solidFill>
-                <a:srgbClr val="000000"/>
-              </a:solidFill>
-              <a:latin typeface="Arial"/>
-            </a:endParaRPr>
-          </a:p>
-        </p:txBody>
-      </p:sp>
-      <p:sp>
-        <p:nvSpPr>
-          <p:cNvPr id="38" name="PlaceHolder 4"/>
+            <a:endParaRPr b="0" lang="en-MY" sz="3200" spc="-1" strike="noStrike">
+              <a:latin typeface="Arial"/>
+            </a:endParaRPr>
+          </a:p>
+        </p:txBody>
+      </p:sp>
+      <p:sp>
+        <p:nvSpPr>
+          <p:cNvPr id="37" name="PlaceHolder 4"/>
           <p:cNvSpPr>
             <a:spLocks noGrp="1"/>
           </p:cNvSpPr>
@@ -2151,7 +2116,7 @@
         <p:spPr>
           <a:xfrm>
             <a:off x="6046920" y="1489680"/>
-            <a:ext cx="2694240" cy="1468440"/>
+            <a:ext cx="2694240" cy="1468080"/>
           </a:xfrm>
           <a:prstGeom prst="rect">
             <a:avLst/>
@@ -2162,18 +2127,15 @@
             <a:normAutofit/>
           </a:bodyPr>
           <a:p>
-            <a:endParaRPr b="0" lang="en-MY" sz="1400" spc="-1" strike="noStrike">
-              <a:solidFill>
-                <a:srgbClr val="000000"/>
-              </a:solidFill>
-              <a:latin typeface="Arial"/>
-            </a:endParaRPr>
-          </a:p>
-        </p:txBody>
-      </p:sp>
-      <p:sp>
-        <p:nvSpPr>
-          <p:cNvPr id="39" name="PlaceHolder 5"/>
+            <a:endParaRPr b="0" lang="en-MY" sz="3200" spc="-1" strike="noStrike">
+              <a:latin typeface="Arial"/>
+            </a:endParaRPr>
+          </a:p>
+        </p:txBody>
+      </p:sp>
+      <p:sp>
+        <p:nvSpPr>
+          <p:cNvPr id="38" name="PlaceHolder 5"/>
           <p:cNvSpPr>
             <a:spLocks noGrp="1"/>
           </p:cNvSpPr>
@@ -2183,8 +2145,8 @@
         </p:nvSpPr>
         <p:spPr>
           <a:xfrm>
-            <a:off x="388080" y="3098160"/>
-            <a:ext cx="2694240" cy="1468440"/>
+            <a:off x="388080" y="3097800"/>
+            <a:ext cx="2694240" cy="1468080"/>
           </a:xfrm>
           <a:prstGeom prst="rect">
             <a:avLst/>
@@ -2195,18 +2157,15 @@
             <a:normAutofit/>
           </a:bodyPr>
           <a:p>
-            <a:endParaRPr b="0" lang="en-MY" sz="1400" spc="-1" strike="noStrike">
-              <a:solidFill>
-                <a:srgbClr val="000000"/>
-              </a:solidFill>
-              <a:latin typeface="Arial"/>
-            </a:endParaRPr>
-          </a:p>
-        </p:txBody>
-      </p:sp>
-      <p:sp>
-        <p:nvSpPr>
-          <p:cNvPr id="40" name="PlaceHolder 6"/>
+            <a:endParaRPr b="0" lang="en-MY" sz="3200" spc="-1" strike="noStrike">
+              <a:latin typeface="Arial"/>
+            </a:endParaRPr>
+          </a:p>
+        </p:txBody>
+      </p:sp>
+      <p:sp>
+        <p:nvSpPr>
+          <p:cNvPr id="39" name="PlaceHolder 6"/>
           <p:cNvSpPr>
             <a:spLocks noGrp="1"/>
           </p:cNvSpPr>
@@ -2216,8 +2175,8 @@
         </p:nvSpPr>
         <p:spPr>
           <a:xfrm>
-            <a:off x="3217320" y="3098160"/>
-            <a:ext cx="2694240" cy="1468440"/>
+            <a:off x="3217320" y="3097800"/>
+            <a:ext cx="2694240" cy="1468080"/>
           </a:xfrm>
           <a:prstGeom prst="rect">
             <a:avLst/>
@@ -2228,18 +2187,15 @@
             <a:normAutofit/>
           </a:bodyPr>
           <a:p>
-            <a:endParaRPr b="0" lang="en-MY" sz="1400" spc="-1" strike="noStrike">
-              <a:solidFill>
-                <a:srgbClr val="000000"/>
-              </a:solidFill>
-              <a:latin typeface="Arial"/>
-            </a:endParaRPr>
-          </a:p>
-        </p:txBody>
-      </p:sp>
-      <p:sp>
-        <p:nvSpPr>
-          <p:cNvPr id="41" name="PlaceHolder 7"/>
+            <a:endParaRPr b="0" lang="en-MY" sz="3200" spc="-1" strike="noStrike">
+              <a:latin typeface="Arial"/>
+            </a:endParaRPr>
+          </a:p>
+        </p:txBody>
+      </p:sp>
+      <p:sp>
+        <p:nvSpPr>
+          <p:cNvPr id="40" name="PlaceHolder 7"/>
           <p:cNvSpPr>
             <a:spLocks noGrp="1"/>
           </p:cNvSpPr>
@@ -2249,8 +2205,8 @@
         </p:nvSpPr>
         <p:spPr>
           <a:xfrm>
-            <a:off x="6046920" y="3098160"/>
-            <a:ext cx="2694240" cy="1468440"/>
+            <a:off x="6046920" y="3097800"/>
+            <a:ext cx="2694240" cy="1468080"/>
           </a:xfrm>
           <a:prstGeom prst="rect">
             <a:avLst/>
@@ -2261,10 +2217,7 @@
             <a:normAutofit/>
           </a:bodyPr>
           <a:p>
-            <a:endParaRPr b="0" lang="en-MY" sz="1400" spc="-1" strike="noStrike">
-              <a:solidFill>
-                <a:srgbClr val="000000"/>
-              </a:solidFill>
+            <a:endParaRPr b="0" lang="en-MY" sz="3200" spc="-1" strike="noStrike">
               <a:latin typeface="Arial"/>
             </a:endParaRPr>
           </a:p>
@@ -2316,7 +2269,7 @@
       </p:grpSpPr>
       <p:sp>
         <p:nvSpPr>
-          <p:cNvPr id="46" name="PlaceHolder 1"/>
+          <p:cNvPr id="44" name="PlaceHolder 1"/>
           <p:cNvSpPr>
             <a:spLocks noGrp="1"/>
           </p:cNvSpPr>
@@ -2327,7 +2280,7 @@
         <p:spPr>
           <a:xfrm>
             <a:off x="388080" y="457920"/>
-            <a:ext cx="8367840" cy="685800"/>
+            <a:ext cx="8367480" cy="685440"/>
           </a:xfrm>
           <a:prstGeom prst="rect">
             <a:avLst/>
@@ -2338,18 +2291,16 @@
             <a:noAutofit/>
           </a:bodyPr>
           <a:p>
-            <a:endParaRPr b="0" lang="en-MY" sz="1400" spc="-1" strike="noStrike">
-              <a:solidFill>
-                <a:srgbClr val="000000"/>
-              </a:solidFill>
-              <a:latin typeface="Arial"/>
-            </a:endParaRPr>
-          </a:p>
-        </p:txBody>
-      </p:sp>
-      <p:sp>
-        <p:nvSpPr>
-          <p:cNvPr id="47" name="PlaceHolder 2"/>
+            <a:pPr algn="ctr"/>
+            <a:endParaRPr b="0" lang="en-MY" sz="4400" spc="-1" strike="noStrike">
+              <a:latin typeface="Arial"/>
+            </a:endParaRPr>
+          </a:p>
+        </p:txBody>
+      </p:sp>
+      <p:sp>
+        <p:nvSpPr>
+          <p:cNvPr id="45" name="PlaceHolder 2"/>
           <p:cNvSpPr>
             <a:spLocks noGrp="1"/>
           </p:cNvSpPr>
@@ -2360,7 +2311,7 @@
         <p:spPr>
           <a:xfrm>
             <a:off x="388080" y="1489680"/>
-            <a:ext cx="8367840" cy="3078720"/>
+            <a:ext cx="8367480" cy="3078360"/>
           </a:xfrm>
           <a:prstGeom prst="rect">
             <a:avLst/>
@@ -2402,7 +2353,7 @@
       </p:grpSpPr>
       <p:sp>
         <p:nvSpPr>
-          <p:cNvPr id="48" name="PlaceHolder 1"/>
+          <p:cNvPr id="46" name="PlaceHolder 1"/>
           <p:cNvSpPr>
             <a:spLocks noGrp="1"/>
           </p:cNvSpPr>
@@ -2413,7 +2364,7 @@
         <p:spPr>
           <a:xfrm>
             <a:off x="388080" y="457920"/>
-            <a:ext cx="8367840" cy="685800"/>
+            <a:ext cx="8367480" cy="685440"/>
           </a:xfrm>
           <a:prstGeom prst="rect">
             <a:avLst/>
@@ -2424,18 +2375,16 @@
             <a:noAutofit/>
           </a:bodyPr>
           <a:p>
-            <a:endParaRPr b="0" lang="en-MY" sz="1400" spc="-1" strike="noStrike">
-              <a:solidFill>
-                <a:srgbClr val="000000"/>
-              </a:solidFill>
-              <a:latin typeface="Arial"/>
-            </a:endParaRPr>
-          </a:p>
-        </p:txBody>
-      </p:sp>
-      <p:sp>
-        <p:nvSpPr>
-          <p:cNvPr id="49" name="PlaceHolder 2"/>
+            <a:pPr algn="ctr"/>
+            <a:endParaRPr b="0" lang="en-MY" sz="4400" spc="-1" strike="noStrike">
+              <a:latin typeface="Arial"/>
+            </a:endParaRPr>
+          </a:p>
+        </p:txBody>
+      </p:sp>
+      <p:sp>
+        <p:nvSpPr>
+          <p:cNvPr id="47" name="PlaceHolder 2"/>
           <p:cNvSpPr>
             <a:spLocks noGrp="1"/>
           </p:cNvSpPr>
@@ -2446,7 +2395,7 @@
         <p:spPr>
           <a:xfrm>
             <a:off x="388080" y="1489680"/>
-            <a:ext cx="8367840" cy="3078720"/>
+            <a:ext cx="8367480" cy="3078360"/>
           </a:xfrm>
           <a:prstGeom prst="rect">
             <a:avLst/>
@@ -2457,10 +2406,7 @@
             <a:normAutofit/>
           </a:bodyPr>
           <a:p>
-            <a:endParaRPr b="0" lang="en-MY" sz="1400" spc="-1" strike="noStrike">
-              <a:solidFill>
-                <a:srgbClr val="000000"/>
-              </a:solidFill>
+            <a:endParaRPr b="0" lang="en-MY" sz="3200" spc="-1" strike="noStrike">
               <a:latin typeface="Arial"/>
             </a:endParaRPr>
           </a:p>
@@ -2490,7 +2436,7 @@
       </p:grpSpPr>
       <p:sp>
         <p:nvSpPr>
-          <p:cNvPr id="50" name="PlaceHolder 1"/>
+          <p:cNvPr id="48" name="PlaceHolder 1"/>
           <p:cNvSpPr>
             <a:spLocks noGrp="1"/>
           </p:cNvSpPr>
@@ -2501,7 +2447,7 @@
         <p:spPr>
           <a:xfrm>
             <a:off x="388080" y="457920"/>
-            <a:ext cx="8367840" cy="685800"/>
+            <a:ext cx="8367480" cy="685440"/>
           </a:xfrm>
           <a:prstGeom prst="rect">
             <a:avLst/>
@@ -2512,18 +2458,16 @@
             <a:noAutofit/>
           </a:bodyPr>
           <a:p>
-            <a:endParaRPr b="0" lang="en-MY" sz="1400" spc="-1" strike="noStrike">
-              <a:solidFill>
-                <a:srgbClr val="000000"/>
-              </a:solidFill>
-              <a:latin typeface="Arial"/>
-            </a:endParaRPr>
-          </a:p>
-        </p:txBody>
-      </p:sp>
-      <p:sp>
-        <p:nvSpPr>
-          <p:cNvPr id="51" name="PlaceHolder 2"/>
+            <a:pPr algn="ctr"/>
+            <a:endParaRPr b="0" lang="en-MY" sz="4400" spc="-1" strike="noStrike">
+              <a:latin typeface="Arial"/>
+            </a:endParaRPr>
+          </a:p>
+        </p:txBody>
+      </p:sp>
+      <p:sp>
+        <p:nvSpPr>
+          <p:cNvPr id="49" name="PlaceHolder 2"/>
           <p:cNvSpPr>
             <a:spLocks noGrp="1"/>
           </p:cNvSpPr>
@@ -2534,7 +2478,7 @@
         <p:spPr>
           <a:xfrm>
             <a:off x="388080" y="1489680"/>
-            <a:ext cx="4083480" cy="3078720"/>
+            <a:ext cx="4083120" cy="3078360"/>
           </a:xfrm>
           <a:prstGeom prst="rect">
             <a:avLst/>
@@ -2545,18 +2489,15 @@
             <a:normAutofit/>
           </a:bodyPr>
           <a:p>
-            <a:endParaRPr b="0" lang="en-MY" sz="1400" spc="-1" strike="noStrike">
-              <a:solidFill>
-                <a:srgbClr val="000000"/>
-              </a:solidFill>
-              <a:latin typeface="Arial"/>
-            </a:endParaRPr>
-          </a:p>
-        </p:txBody>
-      </p:sp>
-      <p:sp>
-        <p:nvSpPr>
-          <p:cNvPr id="52" name="PlaceHolder 3"/>
+            <a:endParaRPr b="0" lang="en-MY" sz="3200" spc="-1" strike="noStrike">
+              <a:latin typeface="Arial"/>
+            </a:endParaRPr>
+          </a:p>
+        </p:txBody>
+      </p:sp>
+      <p:sp>
+        <p:nvSpPr>
+          <p:cNvPr id="50" name="PlaceHolder 3"/>
           <p:cNvSpPr>
             <a:spLocks noGrp="1"/>
           </p:cNvSpPr>
@@ -2566,8 +2507,8 @@
         </p:nvSpPr>
         <p:spPr>
           <a:xfrm>
-            <a:off x="4676040" y="1489680"/>
-            <a:ext cx="4083480" cy="3078720"/>
+            <a:off x="4675680" y="1489680"/>
+            <a:ext cx="4083120" cy="3078360"/>
           </a:xfrm>
           <a:prstGeom prst="rect">
             <a:avLst/>
@@ -2578,10 +2519,7 @@
             <a:normAutofit/>
           </a:bodyPr>
           <a:p>
-            <a:endParaRPr b="0" lang="en-MY" sz="1400" spc="-1" strike="noStrike">
-              <a:solidFill>
-                <a:srgbClr val="000000"/>
-              </a:solidFill>
+            <a:endParaRPr b="0" lang="en-MY" sz="3200" spc="-1" strike="noStrike">
               <a:latin typeface="Arial"/>
             </a:endParaRPr>
           </a:p>
@@ -2611,7 +2549,7 @@
       </p:grpSpPr>
       <p:sp>
         <p:nvSpPr>
-          <p:cNvPr id="53" name="PlaceHolder 1"/>
+          <p:cNvPr id="51" name="PlaceHolder 1"/>
           <p:cNvSpPr>
             <a:spLocks noGrp="1"/>
           </p:cNvSpPr>
@@ -2622,7 +2560,7 @@
         <p:spPr>
           <a:xfrm>
             <a:off x="388080" y="457920"/>
-            <a:ext cx="8367840" cy="685800"/>
+            <a:ext cx="8367480" cy="685440"/>
           </a:xfrm>
           <a:prstGeom prst="rect">
             <a:avLst/>
@@ -2633,10 +2571,8 @@
             <a:noAutofit/>
           </a:bodyPr>
           <a:p>
-            <a:endParaRPr b="0" lang="en-MY" sz="1400" spc="-1" strike="noStrike">
-              <a:solidFill>
-                <a:srgbClr val="000000"/>
-              </a:solidFill>
+            <a:pPr algn="ctr"/>
+            <a:endParaRPr b="0" lang="en-MY" sz="4400" spc="-1" strike="noStrike">
               <a:latin typeface="Arial"/>
             </a:endParaRPr>
           </a:p>
@@ -2666,7 +2602,7 @@
       </p:grpSpPr>
       <p:sp>
         <p:nvSpPr>
-          <p:cNvPr id="54" name="PlaceHolder 1"/>
+          <p:cNvPr id="52" name="PlaceHolder 1"/>
           <p:cNvSpPr>
             <a:spLocks noGrp="1"/>
           </p:cNvSpPr>
@@ -2677,7 +2613,7 @@
         <p:spPr>
           <a:xfrm>
             <a:off x="388080" y="457920"/>
-            <a:ext cx="8367840" cy="3180240"/>
+            <a:ext cx="8367480" cy="3178440"/>
           </a:xfrm>
           <a:prstGeom prst="rect">
             <a:avLst/>
@@ -2719,7 +2655,7 @@
       </p:grpSpPr>
       <p:sp>
         <p:nvSpPr>
-          <p:cNvPr id="55" name="PlaceHolder 1"/>
+          <p:cNvPr id="53" name="PlaceHolder 1"/>
           <p:cNvSpPr>
             <a:spLocks noGrp="1"/>
           </p:cNvSpPr>
@@ -2730,7 +2666,7 @@
         <p:spPr>
           <a:xfrm>
             <a:off x="388080" y="457920"/>
-            <a:ext cx="8367840" cy="685800"/>
+            <a:ext cx="8367480" cy="685440"/>
           </a:xfrm>
           <a:prstGeom prst="rect">
             <a:avLst/>
@@ -2741,18 +2677,16 @@
             <a:noAutofit/>
           </a:bodyPr>
           <a:p>
-            <a:endParaRPr b="0" lang="en-MY" sz="1400" spc="-1" strike="noStrike">
-              <a:solidFill>
-                <a:srgbClr val="000000"/>
-              </a:solidFill>
-              <a:latin typeface="Arial"/>
-            </a:endParaRPr>
-          </a:p>
-        </p:txBody>
-      </p:sp>
-      <p:sp>
-        <p:nvSpPr>
-          <p:cNvPr id="56" name="PlaceHolder 2"/>
+            <a:pPr algn="ctr"/>
+            <a:endParaRPr b="0" lang="en-MY" sz="4400" spc="-1" strike="noStrike">
+              <a:latin typeface="Arial"/>
+            </a:endParaRPr>
+          </a:p>
+        </p:txBody>
+      </p:sp>
+      <p:sp>
+        <p:nvSpPr>
+          <p:cNvPr id="54" name="PlaceHolder 2"/>
           <p:cNvSpPr>
             <a:spLocks noGrp="1"/>
           </p:cNvSpPr>
@@ -2763,7 +2697,7 @@
         <p:spPr>
           <a:xfrm>
             <a:off x="388080" y="1489680"/>
-            <a:ext cx="4083480" cy="1468440"/>
+            <a:ext cx="4083120" cy="1468080"/>
           </a:xfrm>
           <a:prstGeom prst="rect">
             <a:avLst/>
@@ -2774,18 +2708,15 @@
             <a:normAutofit/>
           </a:bodyPr>
           <a:p>
-            <a:endParaRPr b="0" lang="en-MY" sz="1400" spc="-1" strike="noStrike">
-              <a:solidFill>
-                <a:srgbClr val="000000"/>
-              </a:solidFill>
-              <a:latin typeface="Arial"/>
-            </a:endParaRPr>
-          </a:p>
-        </p:txBody>
-      </p:sp>
-      <p:sp>
-        <p:nvSpPr>
-          <p:cNvPr id="57" name="PlaceHolder 3"/>
+            <a:endParaRPr b="0" lang="en-MY" sz="3200" spc="-1" strike="noStrike">
+              <a:latin typeface="Arial"/>
+            </a:endParaRPr>
+          </a:p>
+        </p:txBody>
+      </p:sp>
+      <p:sp>
+        <p:nvSpPr>
+          <p:cNvPr id="55" name="PlaceHolder 3"/>
           <p:cNvSpPr>
             <a:spLocks noGrp="1"/>
           </p:cNvSpPr>
@@ -2795,8 +2726,8 @@
         </p:nvSpPr>
         <p:spPr>
           <a:xfrm>
-            <a:off x="4676040" y="1489680"/>
-            <a:ext cx="4083480" cy="3078720"/>
+            <a:off x="4675680" y="1489680"/>
+            <a:ext cx="4083120" cy="3078360"/>
           </a:xfrm>
           <a:prstGeom prst="rect">
             <a:avLst/>
@@ -2807,18 +2738,15 @@
             <a:normAutofit/>
           </a:bodyPr>
           <a:p>
-            <a:endParaRPr b="0" lang="en-MY" sz="1400" spc="-1" strike="noStrike">
-              <a:solidFill>
-                <a:srgbClr val="000000"/>
-              </a:solidFill>
-              <a:latin typeface="Arial"/>
-            </a:endParaRPr>
-          </a:p>
-        </p:txBody>
-      </p:sp>
-      <p:sp>
-        <p:nvSpPr>
-          <p:cNvPr id="58" name="PlaceHolder 4"/>
+            <a:endParaRPr b="0" lang="en-MY" sz="3200" spc="-1" strike="noStrike">
+              <a:latin typeface="Arial"/>
+            </a:endParaRPr>
+          </a:p>
+        </p:txBody>
+      </p:sp>
+      <p:sp>
+        <p:nvSpPr>
+          <p:cNvPr id="56" name="PlaceHolder 4"/>
           <p:cNvSpPr>
             <a:spLocks noGrp="1"/>
           </p:cNvSpPr>
@@ -2828,8 +2756,8 @@
         </p:nvSpPr>
         <p:spPr>
           <a:xfrm>
-            <a:off x="388080" y="3098160"/>
-            <a:ext cx="4083480" cy="1468440"/>
+            <a:off x="388080" y="3097800"/>
+            <a:ext cx="4083120" cy="1468080"/>
           </a:xfrm>
           <a:prstGeom prst="rect">
             <a:avLst/>
@@ -2840,10 +2768,7 @@
             <a:normAutofit/>
           </a:bodyPr>
           <a:p>
-            <a:endParaRPr b="0" lang="en-MY" sz="1400" spc="-1" strike="noStrike">
-              <a:solidFill>
-                <a:srgbClr val="000000"/>
-              </a:solidFill>
+            <a:endParaRPr b="0" lang="en-MY" sz="3200" spc="-1" strike="noStrike">
               <a:latin typeface="Arial"/>
             </a:endParaRPr>
           </a:p>
@@ -2873,7 +2798,7 @@
       </p:grpSpPr>
       <p:sp>
         <p:nvSpPr>
-          <p:cNvPr id="6" name="PlaceHolder 1"/>
+          <p:cNvPr id="5" name="PlaceHolder 1"/>
           <p:cNvSpPr>
             <a:spLocks noGrp="1"/>
           </p:cNvSpPr>
@@ -2884,7 +2809,7 @@
         <p:spPr>
           <a:xfrm>
             <a:off x="388080" y="457920"/>
-            <a:ext cx="8367840" cy="685800"/>
+            <a:ext cx="8367480" cy="685440"/>
           </a:xfrm>
           <a:prstGeom prst="rect">
             <a:avLst/>
@@ -2895,18 +2820,16 @@
             <a:noAutofit/>
           </a:bodyPr>
           <a:p>
-            <a:endParaRPr b="0" lang="en-MY" sz="1400" spc="-1" strike="noStrike">
-              <a:solidFill>
-                <a:srgbClr val="000000"/>
-              </a:solidFill>
-              <a:latin typeface="Arial"/>
-            </a:endParaRPr>
-          </a:p>
-        </p:txBody>
-      </p:sp>
-      <p:sp>
-        <p:nvSpPr>
-          <p:cNvPr id="7" name="PlaceHolder 2"/>
+            <a:pPr algn="ctr"/>
+            <a:endParaRPr b="0" lang="en-MY" sz="4400" spc="-1" strike="noStrike">
+              <a:latin typeface="Arial"/>
+            </a:endParaRPr>
+          </a:p>
+        </p:txBody>
+      </p:sp>
+      <p:sp>
+        <p:nvSpPr>
+          <p:cNvPr id="6" name="PlaceHolder 2"/>
           <p:cNvSpPr>
             <a:spLocks noGrp="1"/>
           </p:cNvSpPr>
@@ -2917,7 +2840,7 @@
         <p:spPr>
           <a:xfrm>
             <a:off x="388080" y="1489680"/>
-            <a:ext cx="8367840" cy="3078720"/>
+            <a:ext cx="8367480" cy="3078360"/>
           </a:xfrm>
           <a:prstGeom prst="rect">
             <a:avLst/>
@@ -2959,7 +2882,7 @@
       </p:grpSpPr>
       <p:sp>
         <p:nvSpPr>
-          <p:cNvPr id="59" name="PlaceHolder 1"/>
+          <p:cNvPr id="57" name="PlaceHolder 1"/>
           <p:cNvSpPr>
             <a:spLocks noGrp="1"/>
           </p:cNvSpPr>
@@ -2970,7 +2893,7 @@
         <p:spPr>
           <a:xfrm>
             <a:off x="388080" y="457920"/>
-            <a:ext cx="8367840" cy="685800"/>
+            <a:ext cx="8367480" cy="685440"/>
           </a:xfrm>
           <a:prstGeom prst="rect">
             <a:avLst/>
@@ -2981,18 +2904,16 @@
             <a:noAutofit/>
           </a:bodyPr>
           <a:p>
-            <a:endParaRPr b="0" lang="en-MY" sz="1400" spc="-1" strike="noStrike">
-              <a:solidFill>
-                <a:srgbClr val="000000"/>
-              </a:solidFill>
-              <a:latin typeface="Arial"/>
-            </a:endParaRPr>
-          </a:p>
-        </p:txBody>
-      </p:sp>
-      <p:sp>
-        <p:nvSpPr>
-          <p:cNvPr id="60" name="PlaceHolder 2"/>
+            <a:pPr algn="ctr"/>
+            <a:endParaRPr b="0" lang="en-MY" sz="4400" spc="-1" strike="noStrike">
+              <a:latin typeface="Arial"/>
+            </a:endParaRPr>
+          </a:p>
+        </p:txBody>
+      </p:sp>
+      <p:sp>
+        <p:nvSpPr>
+          <p:cNvPr id="58" name="PlaceHolder 2"/>
           <p:cNvSpPr>
             <a:spLocks noGrp="1"/>
           </p:cNvSpPr>
@@ -3003,7 +2924,7 @@
         <p:spPr>
           <a:xfrm>
             <a:off x="388080" y="1489680"/>
-            <a:ext cx="4083480" cy="3078720"/>
+            <a:ext cx="4083120" cy="3078360"/>
           </a:xfrm>
           <a:prstGeom prst="rect">
             <a:avLst/>
@@ -3014,18 +2935,15 @@
             <a:normAutofit/>
           </a:bodyPr>
           <a:p>
-            <a:endParaRPr b="0" lang="en-MY" sz="1400" spc="-1" strike="noStrike">
-              <a:solidFill>
-                <a:srgbClr val="000000"/>
-              </a:solidFill>
-              <a:latin typeface="Arial"/>
-            </a:endParaRPr>
-          </a:p>
-        </p:txBody>
-      </p:sp>
-      <p:sp>
-        <p:nvSpPr>
-          <p:cNvPr id="61" name="PlaceHolder 3"/>
+            <a:endParaRPr b="0" lang="en-MY" sz="3200" spc="-1" strike="noStrike">
+              <a:latin typeface="Arial"/>
+            </a:endParaRPr>
+          </a:p>
+        </p:txBody>
+      </p:sp>
+      <p:sp>
+        <p:nvSpPr>
+          <p:cNvPr id="59" name="PlaceHolder 3"/>
           <p:cNvSpPr>
             <a:spLocks noGrp="1"/>
           </p:cNvSpPr>
@@ -3035,8 +2953,8 @@
         </p:nvSpPr>
         <p:spPr>
           <a:xfrm>
-            <a:off x="4676040" y="1489680"/>
-            <a:ext cx="4083480" cy="1468440"/>
+            <a:off x="4675680" y="1489680"/>
+            <a:ext cx="4083120" cy="1468080"/>
           </a:xfrm>
           <a:prstGeom prst="rect">
             <a:avLst/>
@@ -3047,18 +2965,15 @@
             <a:normAutofit/>
           </a:bodyPr>
           <a:p>
-            <a:endParaRPr b="0" lang="en-MY" sz="1400" spc="-1" strike="noStrike">
-              <a:solidFill>
-                <a:srgbClr val="000000"/>
-              </a:solidFill>
-              <a:latin typeface="Arial"/>
-            </a:endParaRPr>
-          </a:p>
-        </p:txBody>
-      </p:sp>
-      <p:sp>
-        <p:nvSpPr>
-          <p:cNvPr id="62" name="PlaceHolder 4"/>
+            <a:endParaRPr b="0" lang="en-MY" sz="3200" spc="-1" strike="noStrike">
+              <a:latin typeface="Arial"/>
+            </a:endParaRPr>
+          </a:p>
+        </p:txBody>
+      </p:sp>
+      <p:sp>
+        <p:nvSpPr>
+          <p:cNvPr id="60" name="PlaceHolder 4"/>
           <p:cNvSpPr>
             <a:spLocks noGrp="1"/>
           </p:cNvSpPr>
@@ -3068,8 +2983,8 @@
         </p:nvSpPr>
         <p:spPr>
           <a:xfrm>
-            <a:off x="4676040" y="3098160"/>
-            <a:ext cx="4083480" cy="1468440"/>
+            <a:off x="4675680" y="3097800"/>
+            <a:ext cx="4083120" cy="1468080"/>
           </a:xfrm>
           <a:prstGeom prst="rect">
             <a:avLst/>
@@ -3080,10 +2995,7 @@
             <a:normAutofit/>
           </a:bodyPr>
           <a:p>
-            <a:endParaRPr b="0" lang="en-MY" sz="1400" spc="-1" strike="noStrike">
-              <a:solidFill>
-                <a:srgbClr val="000000"/>
-              </a:solidFill>
+            <a:endParaRPr b="0" lang="en-MY" sz="3200" spc="-1" strike="noStrike">
               <a:latin typeface="Arial"/>
             </a:endParaRPr>
           </a:p>
@@ -3113,7 +3025,7 @@
       </p:grpSpPr>
       <p:sp>
         <p:nvSpPr>
-          <p:cNvPr id="63" name="PlaceHolder 1"/>
+          <p:cNvPr id="61" name="PlaceHolder 1"/>
           <p:cNvSpPr>
             <a:spLocks noGrp="1"/>
           </p:cNvSpPr>
@@ -3124,7 +3036,7 @@
         <p:spPr>
           <a:xfrm>
             <a:off x="388080" y="457920"/>
-            <a:ext cx="8367840" cy="685800"/>
+            <a:ext cx="8367480" cy="685440"/>
           </a:xfrm>
           <a:prstGeom prst="rect">
             <a:avLst/>
@@ -3135,18 +3047,16 @@
             <a:noAutofit/>
           </a:bodyPr>
           <a:p>
-            <a:endParaRPr b="0" lang="en-MY" sz="1400" spc="-1" strike="noStrike">
-              <a:solidFill>
-                <a:srgbClr val="000000"/>
-              </a:solidFill>
-              <a:latin typeface="Arial"/>
-            </a:endParaRPr>
-          </a:p>
-        </p:txBody>
-      </p:sp>
-      <p:sp>
-        <p:nvSpPr>
-          <p:cNvPr id="64" name="PlaceHolder 2"/>
+            <a:pPr algn="ctr"/>
+            <a:endParaRPr b="0" lang="en-MY" sz="4400" spc="-1" strike="noStrike">
+              <a:latin typeface="Arial"/>
+            </a:endParaRPr>
+          </a:p>
+        </p:txBody>
+      </p:sp>
+      <p:sp>
+        <p:nvSpPr>
+          <p:cNvPr id="62" name="PlaceHolder 2"/>
           <p:cNvSpPr>
             <a:spLocks noGrp="1"/>
           </p:cNvSpPr>
@@ -3157,7 +3067,7 @@
         <p:spPr>
           <a:xfrm>
             <a:off x="388080" y="1489680"/>
-            <a:ext cx="4083480" cy="1468440"/>
+            <a:ext cx="4083120" cy="1468080"/>
           </a:xfrm>
           <a:prstGeom prst="rect">
             <a:avLst/>
@@ -3168,18 +3078,15 @@
             <a:normAutofit/>
           </a:bodyPr>
           <a:p>
-            <a:endParaRPr b="0" lang="en-MY" sz="1400" spc="-1" strike="noStrike">
-              <a:solidFill>
-                <a:srgbClr val="000000"/>
-              </a:solidFill>
-              <a:latin typeface="Arial"/>
-            </a:endParaRPr>
-          </a:p>
-        </p:txBody>
-      </p:sp>
-      <p:sp>
-        <p:nvSpPr>
-          <p:cNvPr id="65" name="PlaceHolder 3"/>
+            <a:endParaRPr b="0" lang="en-MY" sz="3200" spc="-1" strike="noStrike">
+              <a:latin typeface="Arial"/>
+            </a:endParaRPr>
+          </a:p>
+        </p:txBody>
+      </p:sp>
+      <p:sp>
+        <p:nvSpPr>
+          <p:cNvPr id="63" name="PlaceHolder 3"/>
           <p:cNvSpPr>
             <a:spLocks noGrp="1"/>
           </p:cNvSpPr>
@@ -3189,8 +3096,8 @@
         </p:nvSpPr>
         <p:spPr>
           <a:xfrm>
-            <a:off x="4676040" y="1489680"/>
-            <a:ext cx="4083480" cy="1468440"/>
+            <a:off x="4675680" y="1489680"/>
+            <a:ext cx="4083120" cy="1468080"/>
           </a:xfrm>
           <a:prstGeom prst="rect">
             <a:avLst/>
@@ -3201,18 +3108,15 @@
             <a:normAutofit/>
           </a:bodyPr>
           <a:p>
-            <a:endParaRPr b="0" lang="en-MY" sz="1400" spc="-1" strike="noStrike">
-              <a:solidFill>
-                <a:srgbClr val="000000"/>
-              </a:solidFill>
-              <a:latin typeface="Arial"/>
-            </a:endParaRPr>
-          </a:p>
-        </p:txBody>
-      </p:sp>
-      <p:sp>
-        <p:nvSpPr>
-          <p:cNvPr id="66" name="PlaceHolder 4"/>
+            <a:endParaRPr b="0" lang="en-MY" sz="3200" spc="-1" strike="noStrike">
+              <a:latin typeface="Arial"/>
+            </a:endParaRPr>
+          </a:p>
+        </p:txBody>
+      </p:sp>
+      <p:sp>
+        <p:nvSpPr>
+          <p:cNvPr id="64" name="PlaceHolder 4"/>
           <p:cNvSpPr>
             <a:spLocks noGrp="1"/>
           </p:cNvSpPr>
@@ -3222,8 +3126,8 @@
         </p:nvSpPr>
         <p:spPr>
           <a:xfrm>
-            <a:off x="388080" y="3098160"/>
-            <a:ext cx="8367840" cy="1468440"/>
+            <a:off x="388080" y="3097800"/>
+            <a:ext cx="8367480" cy="1468080"/>
           </a:xfrm>
           <a:prstGeom prst="rect">
             <a:avLst/>
@@ -3234,10 +3138,7 @@
             <a:normAutofit/>
           </a:bodyPr>
           <a:p>
-            <a:endParaRPr b="0" lang="en-MY" sz="1400" spc="-1" strike="noStrike">
-              <a:solidFill>
-                <a:srgbClr val="000000"/>
-              </a:solidFill>
+            <a:endParaRPr b="0" lang="en-MY" sz="3200" spc="-1" strike="noStrike">
               <a:latin typeface="Arial"/>
             </a:endParaRPr>
           </a:p>
@@ -3267,7 +3168,7 @@
       </p:grpSpPr>
       <p:sp>
         <p:nvSpPr>
-          <p:cNvPr id="67" name="PlaceHolder 1"/>
+          <p:cNvPr id="65" name="PlaceHolder 1"/>
           <p:cNvSpPr>
             <a:spLocks noGrp="1"/>
           </p:cNvSpPr>
@@ -3278,7 +3179,7 @@
         <p:spPr>
           <a:xfrm>
             <a:off x="388080" y="457920"/>
-            <a:ext cx="8367840" cy="685800"/>
+            <a:ext cx="8367480" cy="685440"/>
           </a:xfrm>
           <a:prstGeom prst="rect">
             <a:avLst/>
@@ -3289,18 +3190,16 @@
             <a:noAutofit/>
           </a:bodyPr>
           <a:p>
-            <a:endParaRPr b="0" lang="en-MY" sz="1400" spc="-1" strike="noStrike">
-              <a:solidFill>
-                <a:srgbClr val="000000"/>
-              </a:solidFill>
-              <a:latin typeface="Arial"/>
-            </a:endParaRPr>
-          </a:p>
-        </p:txBody>
-      </p:sp>
-      <p:sp>
-        <p:nvSpPr>
-          <p:cNvPr id="68" name="PlaceHolder 2"/>
+            <a:pPr algn="ctr"/>
+            <a:endParaRPr b="0" lang="en-MY" sz="4400" spc="-1" strike="noStrike">
+              <a:latin typeface="Arial"/>
+            </a:endParaRPr>
+          </a:p>
+        </p:txBody>
+      </p:sp>
+      <p:sp>
+        <p:nvSpPr>
+          <p:cNvPr id="66" name="PlaceHolder 2"/>
           <p:cNvSpPr>
             <a:spLocks noGrp="1"/>
           </p:cNvSpPr>
@@ -3311,7 +3210,7 @@
         <p:spPr>
           <a:xfrm>
             <a:off x="388080" y="1489680"/>
-            <a:ext cx="8367840" cy="1468440"/>
+            <a:ext cx="8367480" cy="1468080"/>
           </a:xfrm>
           <a:prstGeom prst="rect">
             <a:avLst/>
@@ -3322,18 +3221,15 @@
             <a:normAutofit/>
           </a:bodyPr>
           <a:p>
-            <a:endParaRPr b="0" lang="en-MY" sz="1400" spc="-1" strike="noStrike">
-              <a:solidFill>
-                <a:srgbClr val="000000"/>
-              </a:solidFill>
-              <a:latin typeface="Arial"/>
-            </a:endParaRPr>
-          </a:p>
-        </p:txBody>
-      </p:sp>
-      <p:sp>
-        <p:nvSpPr>
-          <p:cNvPr id="69" name="PlaceHolder 3"/>
+            <a:endParaRPr b="0" lang="en-MY" sz="3200" spc="-1" strike="noStrike">
+              <a:latin typeface="Arial"/>
+            </a:endParaRPr>
+          </a:p>
+        </p:txBody>
+      </p:sp>
+      <p:sp>
+        <p:nvSpPr>
+          <p:cNvPr id="67" name="PlaceHolder 3"/>
           <p:cNvSpPr>
             <a:spLocks noGrp="1"/>
           </p:cNvSpPr>
@@ -3343,8 +3239,8 @@
         </p:nvSpPr>
         <p:spPr>
           <a:xfrm>
-            <a:off x="388080" y="3098160"/>
-            <a:ext cx="8367840" cy="1468440"/>
+            <a:off x="388080" y="3097800"/>
+            <a:ext cx="8367480" cy="1468080"/>
           </a:xfrm>
           <a:prstGeom prst="rect">
             <a:avLst/>
@@ -3355,10 +3251,7 @@
             <a:normAutofit/>
           </a:bodyPr>
           <a:p>
-            <a:endParaRPr b="0" lang="en-MY" sz="1400" spc="-1" strike="noStrike">
-              <a:solidFill>
-                <a:srgbClr val="000000"/>
-              </a:solidFill>
+            <a:endParaRPr b="0" lang="en-MY" sz="3200" spc="-1" strike="noStrike">
               <a:latin typeface="Arial"/>
             </a:endParaRPr>
           </a:p>
@@ -3388,7 +3281,7 @@
       </p:grpSpPr>
       <p:sp>
         <p:nvSpPr>
-          <p:cNvPr id="70" name="PlaceHolder 1"/>
+          <p:cNvPr id="68" name="PlaceHolder 1"/>
           <p:cNvSpPr>
             <a:spLocks noGrp="1"/>
           </p:cNvSpPr>
@@ -3399,7 +3292,7 @@
         <p:spPr>
           <a:xfrm>
             <a:off x="388080" y="457920"/>
-            <a:ext cx="8367840" cy="685800"/>
+            <a:ext cx="8367480" cy="685440"/>
           </a:xfrm>
           <a:prstGeom prst="rect">
             <a:avLst/>
@@ -3410,18 +3303,16 @@
             <a:noAutofit/>
           </a:bodyPr>
           <a:p>
-            <a:endParaRPr b="0" lang="en-MY" sz="1400" spc="-1" strike="noStrike">
-              <a:solidFill>
-                <a:srgbClr val="000000"/>
-              </a:solidFill>
-              <a:latin typeface="Arial"/>
-            </a:endParaRPr>
-          </a:p>
-        </p:txBody>
-      </p:sp>
-      <p:sp>
-        <p:nvSpPr>
-          <p:cNvPr id="71" name="PlaceHolder 2"/>
+            <a:pPr algn="ctr"/>
+            <a:endParaRPr b="0" lang="en-MY" sz="4400" spc="-1" strike="noStrike">
+              <a:latin typeface="Arial"/>
+            </a:endParaRPr>
+          </a:p>
+        </p:txBody>
+      </p:sp>
+      <p:sp>
+        <p:nvSpPr>
+          <p:cNvPr id="69" name="PlaceHolder 2"/>
           <p:cNvSpPr>
             <a:spLocks noGrp="1"/>
           </p:cNvSpPr>
@@ -3432,7 +3323,7 @@
         <p:spPr>
           <a:xfrm>
             <a:off x="388080" y="1489680"/>
-            <a:ext cx="4083480" cy="1468440"/>
+            <a:ext cx="4083120" cy="1468080"/>
           </a:xfrm>
           <a:prstGeom prst="rect">
             <a:avLst/>
@@ -3443,18 +3334,15 @@
             <a:normAutofit/>
           </a:bodyPr>
           <a:p>
-            <a:endParaRPr b="0" lang="en-MY" sz="1400" spc="-1" strike="noStrike">
-              <a:solidFill>
-                <a:srgbClr val="000000"/>
-              </a:solidFill>
-              <a:latin typeface="Arial"/>
-            </a:endParaRPr>
-          </a:p>
-        </p:txBody>
-      </p:sp>
-      <p:sp>
-        <p:nvSpPr>
-          <p:cNvPr id="72" name="PlaceHolder 3"/>
+            <a:endParaRPr b="0" lang="en-MY" sz="3200" spc="-1" strike="noStrike">
+              <a:latin typeface="Arial"/>
+            </a:endParaRPr>
+          </a:p>
+        </p:txBody>
+      </p:sp>
+      <p:sp>
+        <p:nvSpPr>
+          <p:cNvPr id="70" name="PlaceHolder 3"/>
           <p:cNvSpPr>
             <a:spLocks noGrp="1"/>
           </p:cNvSpPr>
@@ -3464,8 +3352,8 @@
         </p:nvSpPr>
         <p:spPr>
           <a:xfrm>
-            <a:off x="4676040" y="1489680"/>
-            <a:ext cx="4083480" cy="1468440"/>
+            <a:off x="4675680" y="1489680"/>
+            <a:ext cx="4083120" cy="1468080"/>
           </a:xfrm>
           <a:prstGeom prst="rect">
             <a:avLst/>
@@ -3476,18 +3364,15 @@
             <a:normAutofit/>
           </a:bodyPr>
           <a:p>
-            <a:endParaRPr b="0" lang="en-MY" sz="1400" spc="-1" strike="noStrike">
-              <a:solidFill>
-                <a:srgbClr val="000000"/>
-              </a:solidFill>
-              <a:latin typeface="Arial"/>
-            </a:endParaRPr>
-          </a:p>
-        </p:txBody>
-      </p:sp>
-      <p:sp>
-        <p:nvSpPr>
-          <p:cNvPr id="73" name="PlaceHolder 4"/>
+            <a:endParaRPr b="0" lang="en-MY" sz="3200" spc="-1" strike="noStrike">
+              <a:latin typeface="Arial"/>
+            </a:endParaRPr>
+          </a:p>
+        </p:txBody>
+      </p:sp>
+      <p:sp>
+        <p:nvSpPr>
+          <p:cNvPr id="71" name="PlaceHolder 4"/>
           <p:cNvSpPr>
             <a:spLocks noGrp="1"/>
           </p:cNvSpPr>
@@ -3497,8 +3382,8 @@
         </p:nvSpPr>
         <p:spPr>
           <a:xfrm>
-            <a:off x="388080" y="3098160"/>
-            <a:ext cx="4083480" cy="1468440"/>
+            <a:off x="388080" y="3097800"/>
+            <a:ext cx="4083120" cy="1468080"/>
           </a:xfrm>
           <a:prstGeom prst="rect">
             <a:avLst/>
@@ -3509,18 +3394,15 @@
             <a:normAutofit/>
           </a:bodyPr>
           <a:p>
-            <a:endParaRPr b="0" lang="en-MY" sz="1400" spc="-1" strike="noStrike">
-              <a:solidFill>
-                <a:srgbClr val="000000"/>
-              </a:solidFill>
-              <a:latin typeface="Arial"/>
-            </a:endParaRPr>
-          </a:p>
-        </p:txBody>
-      </p:sp>
-      <p:sp>
-        <p:nvSpPr>
-          <p:cNvPr id="74" name="PlaceHolder 5"/>
+            <a:endParaRPr b="0" lang="en-MY" sz="3200" spc="-1" strike="noStrike">
+              <a:latin typeface="Arial"/>
+            </a:endParaRPr>
+          </a:p>
+        </p:txBody>
+      </p:sp>
+      <p:sp>
+        <p:nvSpPr>
+          <p:cNvPr id="72" name="PlaceHolder 5"/>
           <p:cNvSpPr>
             <a:spLocks noGrp="1"/>
           </p:cNvSpPr>
@@ -3530,8 +3412,8 @@
         </p:nvSpPr>
         <p:spPr>
           <a:xfrm>
-            <a:off x="4676040" y="3098160"/>
-            <a:ext cx="4083480" cy="1468440"/>
+            <a:off x="4675680" y="3097800"/>
+            <a:ext cx="4083120" cy="1468080"/>
           </a:xfrm>
           <a:prstGeom prst="rect">
             <a:avLst/>
@@ -3542,10 +3424,7 @@
             <a:normAutofit/>
           </a:bodyPr>
           <a:p>
-            <a:endParaRPr b="0" lang="en-MY" sz="1400" spc="-1" strike="noStrike">
-              <a:solidFill>
-                <a:srgbClr val="000000"/>
-              </a:solidFill>
+            <a:endParaRPr b="0" lang="en-MY" sz="3200" spc="-1" strike="noStrike">
               <a:latin typeface="Arial"/>
             </a:endParaRPr>
           </a:p>
@@ -3575,7 +3454,7 @@
       </p:grpSpPr>
       <p:sp>
         <p:nvSpPr>
-          <p:cNvPr id="75" name="PlaceHolder 1"/>
+          <p:cNvPr id="73" name="PlaceHolder 1"/>
           <p:cNvSpPr>
             <a:spLocks noGrp="1"/>
           </p:cNvSpPr>
@@ -3586,7 +3465,7 @@
         <p:spPr>
           <a:xfrm>
             <a:off x="388080" y="457920"/>
-            <a:ext cx="8367840" cy="685800"/>
+            <a:ext cx="8367480" cy="685440"/>
           </a:xfrm>
           <a:prstGeom prst="rect">
             <a:avLst/>
@@ -3597,18 +3476,16 @@
             <a:noAutofit/>
           </a:bodyPr>
           <a:p>
-            <a:endParaRPr b="0" lang="en-MY" sz="1400" spc="-1" strike="noStrike">
-              <a:solidFill>
-                <a:srgbClr val="000000"/>
-              </a:solidFill>
-              <a:latin typeface="Arial"/>
-            </a:endParaRPr>
-          </a:p>
-        </p:txBody>
-      </p:sp>
-      <p:sp>
-        <p:nvSpPr>
-          <p:cNvPr id="76" name="PlaceHolder 2"/>
+            <a:pPr algn="ctr"/>
+            <a:endParaRPr b="0" lang="en-MY" sz="4400" spc="-1" strike="noStrike">
+              <a:latin typeface="Arial"/>
+            </a:endParaRPr>
+          </a:p>
+        </p:txBody>
+      </p:sp>
+      <p:sp>
+        <p:nvSpPr>
+          <p:cNvPr id="74" name="PlaceHolder 2"/>
           <p:cNvSpPr>
             <a:spLocks noGrp="1"/>
           </p:cNvSpPr>
@@ -3619,7 +3496,7 @@
         <p:spPr>
           <a:xfrm>
             <a:off x="388080" y="1489680"/>
-            <a:ext cx="2694240" cy="1468440"/>
+            <a:ext cx="2694240" cy="1468080"/>
           </a:xfrm>
           <a:prstGeom prst="rect">
             <a:avLst/>
@@ -3630,18 +3507,15 @@
             <a:normAutofit/>
           </a:bodyPr>
           <a:p>
-            <a:endParaRPr b="0" lang="en-MY" sz="1400" spc="-1" strike="noStrike">
-              <a:solidFill>
-                <a:srgbClr val="000000"/>
-              </a:solidFill>
-              <a:latin typeface="Arial"/>
-            </a:endParaRPr>
-          </a:p>
-        </p:txBody>
-      </p:sp>
-      <p:sp>
-        <p:nvSpPr>
-          <p:cNvPr id="77" name="PlaceHolder 3"/>
+            <a:endParaRPr b="0" lang="en-MY" sz="3200" spc="-1" strike="noStrike">
+              <a:latin typeface="Arial"/>
+            </a:endParaRPr>
+          </a:p>
+        </p:txBody>
+      </p:sp>
+      <p:sp>
+        <p:nvSpPr>
+          <p:cNvPr id="75" name="PlaceHolder 3"/>
           <p:cNvSpPr>
             <a:spLocks noGrp="1"/>
           </p:cNvSpPr>
@@ -3652,7 +3526,7 @@
         <p:spPr>
           <a:xfrm>
             <a:off x="3217320" y="1489680"/>
-            <a:ext cx="2694240" cy="1468440"/>
+            <a:ext cx="2694240" cy="1468080"/>
           </a:xfrm>
           <a:prstGeom prst="rect">
             <a:avLst/>
@@ -3663,18 +3537,15 @@
             <a:normAutofit/>
           </a:bodyPr>
           <a:p>
-            <a:endParaRPr b="0" lang="en-MY" sz="1400" spc="-1" strike="noStrike">
-              <a:solidFill>
-                <a:srgbClr val="000000"/>
-              </a:solidFill>
-              <a:latin typeface="Arial"/>
-            </a:endParaRPr>
-          </a:p>
-        </p:txBody>
-      </p:sp>
-      <p:sp>
-        <p:nvSpPr>
-          <p:cNvPr id="78" name="PlaceHolder 4"/>
+            <a:endParaRPr b="0" lang="en-MY" sz="3200" spc="-1" strike="noStrike">
+              <a:latin typeface="Arial"/>
+            </a:endParaRPr>
+          </a:p>
+        </p:txBody>
+      </p:sp>
+      <p:sp>
+        <p:nvSpPr>
+          <p:cNvPr id="76" name="PlaceHolder 4"/>
           <p:cNvSpPr>
             <a:spLocks noGrp="1"/>
           </p:cNvSpPr>
@@ -3685,7 +3556,7 @@
         <p:spPr>
           <a:xfrm>
             <a:off x="6046920" y="1489680"/>
-            <a:ext cx="2694240" cy="1468440"/>
+            <a:ext cx="2694240" cy="1468080"/>
           </a:xfrm>
           <a:prstGeom prst="rect">
             <a:avLst/>
@@ -3696,18 +3567,15 @@
             <a:normAutofit/>
           </a:bodyPr>
           <a:p>
-            <a:endParaRPr b="0" lang="en-MY" sz="1400" spc="-1" strike="noStrike">
-              <a:solidFill>
-                <a:srgbClr val="000000"/>
-              </a:solidFill>
-              <a:latin typeface="Arial"/>
-            </a:endParaRPr>
-          </a:p>
-        </p:txBody>
-      </p:sp>
-      <p:sp>
-        <p:nvSpPr>
-          <p:cNvPr id="79" name="PlaceHolder 5"/>
+            <a:endParaRPr b="0" lang="en-MY" sz="3200" spc="-1" strike="noStrike">
+              <a:latin typeface="Arial"/>
+            </a:endParaRPr>
+          </a:p>
+        </p:txBody>
+      </p:sp>
+      <p:sp>
+        <p:nvSpPr>
+          <p:cNvPr id="77" name="PlaceHolder 5"/>
           <p:cNvSpPr>
             <a:spLocks noGrp="1"/>
           </p:cNvSpPr>
@@ -3717,8 +3585,8 @@
         </p:nvSpPr>
         <p:spPr>
           <a:xfrm>
-            <a:off x="388080" y="3098160"/>
-            <a:ext cx="2694240" cy="1468440"/>
+            <a:off x="388080" y="3097800"/>
+            <a:ext cx="2694240" cy="1468080"/>
           </a:xfrm>
           <a:prstGeom prst="rect">
             <a:avLst/>
@@ -3729,18 +3597,15 @@
             <a:normAutofit/>
           </a:bodyPr>
           <a:p>
-            <a:endParaRPr b="0" lang="en-MY" sz="1400" spc="-1" strike="noStrike">
-              <a:solidFill>
-                <a:srgbClr val="000000"/>
-              </a:solidFill>
-              <a:latin typeface="Arial"/>
-            </a:endParaRPr>
-          </a:p>
-        </p:txBody>
-      </p:sp>
-      <p:sp>
-        <p:nvSpPr>
-          <p:cNvPr id="80" name="PlaceHolder 6"/>
+            <a:endParaRPr b="0" lang="en-MY" sz="3200" spc="-1" strike="noStrike">
+              <a:latin typeface="Arial"/>
+            </a:endParaRPr>
+          </a:p>
+        </p:txBody>
+      </p:sp>
+      <p:sp>
+        <p:nvSpPr>
+          <p:cNvPr id="78" name="PlaceHolder 6"/>
           <p:cNvSpPr>
             <a:spLocks noGrp="1"/>
           </p:cNvSpPr>
@@ -3750,8 +3615,8 @@
         </p:nvSpPr>
         <p:spPr>
           <a:xfrm>
-            <a:off x="3217320" y="3098160"/>
-            <a:ext cx="2694240" cy="1468440"/>
+            <a:off x="3217320" y="3097800"/>
+            <a:ext cx="2694240" cy="1468080"/>
           </a:xfrm>
           <a:prstGeom prst="rect">
             <a:avLst/>
@@ -3762,18 +3627,15 @@
             <a:normAutofit/>
           </a:bodyPr>
           <a:p>
-            <a:endParaRPr b="0" lang="en-MY" sz="1400" spc="-1" strike="noStrike">
-              <a:solidFill>
-                <a:srgbClr val="000000"/>
-              </a:solidFill>
-              <a:latin typeface="Arial"/>
-            </a:endParaRPr>
-          </a:p>
-        </p:txBody>
-      </p:sp>
-      <p:sp>
-        <p:nvSpPr>
-          <p:cNvPr id="81" name="PlaceHolder 7"/>
+            <a:endParaRPr b="0" lang="en-MY" sz="3200" spc="-1" strike="noStrike">
+              <a:latin typeface="Arial"/>
+            </a:endParaRPr>
+          </a:p>
+        </p:txBody>
+      </p:sp>
+      <p:sp>
+        <p:nvSpPr>
+          <p:cNvPr id="79" name="PlaceHolder 7"/>
           <p:cNvSpPr>
             <a:spLocks noGrp="1"/>
           </p:cNvSpPr>
@@ -3783,8 +3645,8 @@
         </p:nvSpPr>
         <p:spPr>
           <a:xfrm>
-            <a:off x="6046920" y="3098160"/>
-            <a:ext cx="2694240" cy="1468440"/>
+            <a:off x="6046920" y="3097800"/>
+            <a:ext cx="2694240" cy="1468080"/>
           </a:xfrm>
           <a:prstGeom prst="rect">
             <a:avLst/>
@@ -3795,10 +3657,7 @@
             <a:normAutofit/>
           </a:bodyPr>
           <a:p>
-            <a:endParaRPr b="0" lang="en-MY" sz="1400" spc="-1" strike="noStrike">
-              <a:solidFill>
-                <a:srgbClr val="000000"/>
-              </a:solidFill>
+            <a:endParaRPr b="0" lang="en-MY" sz="3200" spc="-1" strike="noStrike">
               <a:latin typeface="Arial"/>
             </a:endParaRPr>
           </a:p>
@@ -3828,7 +3687,7 @@
       </p:grpSpPr>
       <p:sp>
         <p:nvSpPr>
-          <p:cNvPr id="8" name="PlaceHolder 1"/>
+          <p:cNvPr id="7" name="PlaceHolder 1"/>
           <p:cNvSpPr>
             <a:spLocks noGrp="1"/>
           </p:cNvSpPr>
@@ -3839,7 +3698,7 @@
         <p:spPr>
           <a:xfrm>
             <a:off x="388080" y="457920"/>
-            <a:ext cx="8367840" cy="685800"/>
+            <a:ext cx="8367480" cy="685440"/>
           </a:xfrm>
           <a:prstGeom prst="rect">
             <a:avLst/>
@@ -3850,18 +3709,16 @@
             <a:noAutofit/>
           </a:bodyPr>
           <a:p>
-            <a:endParaRPr b="0" lang="en-MY" sz="1400" spc="-1" strike="noStrike">
-              <a:solidFill>
-                <a:srgbClr val="000000"/>
-              </a:solidFill>
-              <a:latin typeface="Arial"/>
-            </a:endParaRPr>
-          </a:p>
-        </p:txBody>
-      </p:sp>
-      <p:sp>
-        <p:nvSpPr>
-          <p:cNvPr id="9" name="PlaceHolder 2"/>
+            <a:pPr algn="ctr"/>
+            <a:endParaRPr b="0" lang="en-MY" sz="4400" spc="-1" strike="noStrike">
+              <a:latin typeface="Arial"/>
+            </a:endParaRPr>
+          </a:p>
+        </p:txBody>
+      </p:sp>
+      <p:sp>
+        <p:nvSpPr>
+          <p:cNvPr id="8" name="PlaceHolder 2"/>
           <p:cNvSpPr>
             <a:spLocks noGrp="1"/>
           </p:cNvSpPr>
@@ -3872,7 +3729,7 @@
         <p:spPr>
           <a:xfrm>
             <a:off x="388080" y="1489680"/>
-            <a:ext cx="8367840" cy="3078720"/>
+            <a:ext cx="8367480" cy="3078360"/>
           </a:xfrm>
           <a:prstGeom prst="rect">
             <a:avLst/>
@@ -3883,10 +3740,7 @@
             <a:normAutofit/>
           </a:bodyPr>
           <a:p>
-            <a:endParaRPr b="0" lang="en-MY" sz="1400" spc="-1" strike="noStrike">
-              <a:solidFill>
-                <a:srgbClr val="000000"/>
-              </a:solidFill>
+            <a:endParaRPr b="0" lang="en-MY" sz="3200" spc="-1" strike="noStrike">
               <a:latin typeface="Arial"/>
             </a:endParaRPr>
           </a:p>
@@ -3916,7 +3770,7 @@
       </p:grpSpPr>
       <p:sp>
         <p:nvSpPr>
-          <p:cNvPr id="10" name="PlaceHolder 1"/>
+          <p:cNvPr id="9" name="PlaceHolder 1"/>
           <p:cNvSpPr>
             <a:spLocks noGrp="1"/>
           </p:cNvSpPr>
@@ -3927,7 +3781,7 @@
         <p:spPr>
           <a:xfrm>
             <a:off x="388080" y="457920"/>
-            <a:ext cx="8367840" cy="685800"/>
+            <a:ext cx="8367480" cy="685440"/>
           </a:xfrm>
           <a:prstGeom prst="rect">
             <a:avLst/>
@@ -3938,18 +3792,16 @@
             <a:noAutofit/>
           </a:bodyPr>
           <a:p>
-            <a:endParaRPr b="0" lang="en-MY" sz="1400" spc="-1" strike="noStrike">
-              <a:solidFill>
-                <a:srgbClr val="000000"/>
-              </a:solidFill>
-              <a:latin typeface="Arial"/>
-            </a:endParaRPr>
-          </a:p>
-        </p:txBody>
-      </p:sp>
-      <p:sp>
-        <p:nvSpPr>
-          <p:cNvPr id="11" name="PlaceHolder 2"/>
+            <a:pPr algn="ctr"/>
+            <a:endParaRPr b="0" lang="en-MY" sz="4400" spc="-1" strike="noStrike">
+              <a:latin typeface="Arial"/>
+            </a:endParaRPr>
+          </a:p>
+        </p:txBody>
+      </p:sp>
+      <p:sp>
+        <p:nvSpPr>
+          <p:cNvPr id="10" name="PlaceHolder 2"/>
           <p:cNvSpPr>
             <a:spLocks noGrp="1"/>
           </p:cNvSpPr>
@@ -3960,7 +3812,7 @@
         <p:spPr>
           <a:xfrm>
             <a:off x="388080" y="1489680"/>
-            <a:ext cx="4083480" cy="3078720"/>
+            <a:ext cx="4083120" cy="3078360"/>
           </a:xfrm>
           <a:prstGeom prst="rect">
             <a:avLst/>
@@ -3971,18 +3823,15 @@
             <a:normAutofit/>
           </a:bodyPr>
           <a:p>
-            <a:endParaRPr b="0" lang="en-MY" sz="1400" spc="-1" strike="noStrike">
-              <a:solidFill>
-                <a:srgbClr val="000000"/>
-              </a:solidFill>
-              <a:latin typeface="Arial"/>
-            </a:endParaRPr>
-          </a:p>
-        </p:txBody>
-      </p:sp>
-      <p:sp>
-        <p:nvSpPr>
-          <p:cNvPr id="12" name="PlaceHolder 3"/>
+            <a:endParaRPr b="0" lang="en-MY" sz="3200" spc="-1" strike="noStrike">
+              <a:latin typeface="Arial"/>
+            </a:endParaRPr>
+          </a:p>
+        </p:txBody>
+      </p:sp>
+      <p:sp>
+        <p:nvSpPr>
+          <p:cNvPr id="11" name="PlaceHolder 3"/>
           <p:cNvSpPr>
             <a:spLocks noGrp="1"/>
           </p:cNvSpPr>
@@ -3992,8 +3841,8 @@
         </p:nvSpPr>
         <p:spPr>
           <a:xfrm>
-            <a:off x="4676040" y="1489680"/>
-            <a:ext cx="4083480" cy="3078720"/>
+            <a:off x="4675680" y="1489680"/>
+            <a:ext cx="4083120" cy="3078360"/>
           </a:xfrm>
           <a:prstGeom prst="rect">
             <a:avLst/>
@@ -4004,10 +3853,7 @@
             <a:normAutofit/>
           </a:bodyPr>
           <a:p>
-            <a:endParaRPr b="0" lang="en-MY" sz="1400" spc="-1" strike="noStrike">
-              <a:solidFill>
-                <a:srgbClr val="000000"/>
-              </a:solidFill>
+            <a:endParaRPr b="0" lang="en-MY" sz="3200" spc="-1" strike="noStrike">
               <a:latin typeface="Arial"/>
             </a:endParaRPr>
           </a:p>
@@ -4037,7 +3883,7 @@
       </p:grpSpPr>
       <p:sp>
         <p:nvSpPr>
-          <p:cNvPr id="13" name="PlaceHolder 1"/>
+          <p:cNvPr id="12" name="PlaceHolder 1"/>
           <p:cNvSpPr>
             <a:spLocks noGrp="1"/>
           </p:cNvSpPr>
@@ -4048,7 +3894,7 @@
         <p:spPr>
           <a:xfrm>
             <a:off x="388080" y="457920"/>
-            <a:ext cx="8367840" cy="685800"/>
+            <a:ext cx="8367480" cy="685440"/>
           </a:xfrm>
           <a:prstGeom prst="rect">
             <a:avLst/>
@@ -4059,10 +3905,8 @@
             <a:noAutofit/>
           </a:bodyPr>
           <a:p>
-            <a:endParaRPr b="0" lang="en-MY" sz="1400" spc="-1" strike="noStrike">
-              <a:solidFill>
-                <a:srgbClr val="000000"/>
-              </a:solidFill>
+            <a:pPr algn="ctr"/>
+            <a:endParaRPr b="0" lang="en-MY" sz="4400" spc="-1" strike="noStrike">
               <a:latin typeface="Arial"/>
             </a:endParaRPr>
           </a:p>
@@ -4092,7 +3936,7 @@
       </p:grpSpPr>
       <p:sp>
         <p:nvSpPr>
-          <p:cNvPr id="14" name="PlaceHolder 1"/>
+          <p:cNvPr id="13" name="PlaceHolder 1"/>
           <p:cNvSpPr>
             <a:spLocks noGrp="1"/>
           </p:cNvSpPr>
@@ -4103,7 +3947,7 @@
         <p:spPr>
           <a:xfrm>
             <a:off x="388080" y="457920"/>
-            <a:ext cx="8367840" cy="3180240"/>
+            <a:ext cx="8367480" cy="3178440"/>
           </a:xfrm>
           <a:prstGeom prst="rect">
             <a:avLst/>
@@ -4145,7 +3989,7 @@
       </p:grpSpPr>
       <p:sp>
         <p:nvSpPr>
-          <p:cNvPr id="15" name="PlaceHolder 1"/>
+          <p:cNvPr id="14" name="PlaceHolder 1"/>
           <p:cNvSpPr>
             <a:spLocks noGrp="1"/>
           </p:cNvSpPr>
@@ -4156,7 +4000,7 @@
         <p:spPr>
           <a:xfrm>
             <a:off x="388080" y="457920"/>
-            <a:ext cx="8367840" cy="685800"/>
+            <a:ext cx="8367480" cy="685440"/>
           </a:xfrm>
           <a:prstGeom prst="rect">
             <a:avLst/>
@@ -4167,18 +4011,16 @@
             <a:noAutofit/>
           </a:bodyPr>
           <a:p>
-            <a:endParaRPr b="0" lang="en-MY" sz="1400" spc="-1" strike="noStrike">
-              <a:solidFill>
-                <a:srgbClr val="000000"/>
-              </a:solidFill>
-              <a:latin typeface="Arial"/>
-            </a:endParaRPr>
-          </a:p>
-        </p:txBody>
-      </p:sp>
-      <p:sp>
-        <p:nvSpPr>
-          <p:cNvPr id="16" name="PlaceHolder 2"/>
+            <a:pPr algn="ctr"/>
+            <a:endParaRPr b="0" lang="en-MY" sz="4400" spc="-1" strike="noStrike">
+              <a:latin typeface="Arial"/>
+            </a:endParaRPr>
+          </a:p>
+        </p:txBody>
+      </p:sp>
+      <p:sp>
+        <p:nvSpPr>
+          <p:cNvPr id="15" name="PlaceHolder 2"/>
           <p:cNvSpPr>
             <a:spLocks noGrp="1"/>
           </p:cNvSpPr>
@@ -4189,7 +4031,7 @@
         <p:spPr>
           <a:xfrm>
             <a:off x="388080" y="1489680"/>
-            <a:ext cx="4083480" cy="1468440"/>
+            <a:ext cx="4083120" cy="1468080"/>
           </a:xfrm>
           <a:prstGeom prst="rect">
             <a:avLst/>
@@ -4200,18 +4042,15 @@
             <a:normAutofit/>
           </a:bodyPr>
           <a:p>
-            <a:endParaRPr b="0" lang="en-MY" sz="1400" spc="-1" strike="noStrike">
-              <a:solidFill>
-                <a:srgbClr val="000000"/>
-              </a:solidFill>
-              <a:latin typeface="Arial"/>
-            </a:endParaRPr>
-          </a:p>
-        </p:txBody>
-      </p:sp>
-      <p:sp>
-        <p:nvSpPr>
-          <p:cNvPr id="17" name="PlaceHolder 3"/>
+            <a:endParaRPr b="0" lang="en-MY" sz="3200" spc="-1" strike="noStrike">
+              <a:latin typeface="Arial"/>
+            </a:endParaRPr>
+          </a:p>
+        </p:txBody>
+      </p:sp>
+      <p:sp>
+        <p:nvSpPr>
+          <p:cNvPr id="16" name="PlaceHolder 3"/>
           <p:cNvSpPr>
             <a:spLocks noGrp="1"/>
           </p:cNvSpPr>
@@ -4221,8 +4060,8 @@
         </p:nvSpPr>
         <p:spPr>
           <a:xfrm>
-            <a:off x="4676040" y="1489680"/>
-            <a:ext cx="4083480" cy="3078720"/>
+            <a:off x="4675680" y="1489680"/>
+            <a:ext cx="4083120" cy="3078360"/>
           </a:xfrm>
           <a:prstGeom prst="rect">
             <a:avLst/>
@@ -4233,18 +4072,15 @@
             <a:normAutofit/>
           </a:bodyPr>
           <a:p>
-            <a:endParaRPr b="0" lang="en-MY" sz="1400" spc="-1" strike="noStrike">
-              <a:solidFill>
-                <a:srgbClr val="000000"/>
-              </a:solidFill>
-              <a:latin typeface="Arial"/>
-            </a:endParaRPr>
-          </a:p>
-        </p:txBody>
-      </p:sp>
-      <p:sp>
-        <p:nvSpPr>
-          <p:cNvPr id="18" name="PlaceHolder 4"/>
+            <a:endParaRPr b="0" lang="en-MY" sz="3200" spc="-1" strike="noStrike">
+              <a:latin typeface="Arial"/>
+            </a:endParaRPr>
+          </a:p>
+        </p:txBody>
+      </p:sp>
+      <p:sp>
+        <p:nvSpPr>
+          <p:cNvPr id="17" name="PlaceHolder 4"/>
           <p:cNvSpPr>
             <a:spLocks noGrp="1"/>
           </p:cNvSpPr>
@@ -4254,8 +4090,8 @@
         </p:nvSpPr>
         <p:spPr>
           <a:xfrm>
-            <a:off x="388080" y="3098160"/>
-            <a:ext cx="4083480" cy="1468440"/>
+            <a:off x="388080" y="3097800"/>
+            <a:ext cx="4083120" cy="1468080"/>
           </a:xfrm>
           <a:prstGeom prst="rect">
             <a:avLst/>
@@ -4266,10 +4102,7 @@
             <a:normAutofit/>
           </a:bodyPr>
           <a:p>
-            <a:endParaRPr b="0" lang="en-MY" sz="1400" spc="-1" strike="noStrike">
-              <a:solidFill>
-                <a:srgbClr val="000000"/>
-              </a:solidFill>
+            <a:endParaRPr b="0" lang="en-MY" sz="3200" spc="-1" strike="noStrike">
               <a:latin typeface="Arial"/>
             </a:endParaRPr>
           </a:p>
@@ -4299,7 +4132,7 @@
       </p:grpSpPr>
       <p:sp>
         <p:nvSpPr>
-          <p:cNvPr id="19" name="PlaceHolder 1"/>
+          <p:cNvPr id="18" name="PlaceHolder 1"/>
           <p:cNvSpPr>
             <a:spLocks noGrp="1"/>
           </p:cNvSpPr>
@@ -4310,7 +4143,7 @@
         <p:spPr>
           <a:xfrm>
             <a:off x="388080" y="457920"/>
-            <a:ext cx="8367840" cy="685800"/>
+            <a:ext cx="8367480" cy="685440"/>
           </a:xfrm>
           <a:prstGeom prst="rect">
             <a:avLst/>
@@ -4321,18 +4154,16 @@
             <a:noAutofit/>
           </a:bodyPr>
           <a:p>
-            <a:endParaRPr b="0" lang="en-MY" sz="1400" spc="-1" strike="noStrike">
-              <a:solidFill>
-                <a:srgbClr val="000000"/>
-              </a:solidFill>
-              <a:latin typeface="Arial"/>
-            </a:endParaRPr>
-          </a:p>
-        </p:txBody>
-      </p:sp>
-      <p:sp>
-        <p:nvSpPr>
-          <p:cNvPr id="20" name="PlaceHolder 2"/>
+            <a:pPr algn="ctr"/>
+            <a:endParaRPr b="0" lang="en-MY" sz="4400" spc="-1" strike="noStrike">
+              <a:latin typeface="Arial"/>
+            </a:endParaRPr>
+          </a:p>
+        </p:txBody>
+      </p:sp>
+      <p:sp>
+        <p:nvSpPr>
+          <p:cNvPr id="19" name="PlaceHolder 2"/>
           <p:cNvSpPr>
             <a:spLocks noGrp="1"/>
           </p:cNvSpPr>
@@ -4343,7 +4174,7 @@
         <p:spPr>
           <a:xfrm>
             <a:off x="388080" y="1489680"/>
-            <a:ext cx="4083480" cy="3078720"/>
+            <a:ext cx="4083120" cy="3078360"/>
           </a:xfrm>
           <a:prstGeom prst="rect">
             <a:avLst/>
@@ -4354,18 +4185,15 @@
             <a:normAutofit/>
           </a:bodyPr>
           <a:p>
-            <a:endParaRPr b="0" lang="en-MY" sz="1400" spc="-1" strike="noStrike">
-              <a:solidFill>
-                <a:srgbClr val="000000"/>
-              </a:solidFill>
-              <a:latin typeface="Arial"/>
-            </a:endParaRPr>
-          </a:p>
-        </p:txBody>
-      </p:sp>
-      <p:sp>
-        <p:nvSpPr>
-          <p:cNvPr id="21" name="PlaceHolder 3"/>
+            <a:endParaRPr b="0" lang="en-MY" sz="3200" spc="-1" strike="noStrike">
+              <a:latin typeface="Arial"/>
+            </a:endParaRPr>
+          </a:p>
+        </p:txBody>
+      </p:sp>
+      <p:sp>
+        <p:nvSpPr>
+          <p:cNvPr id="20" name="PlaceHolder 3"/>
           <p:cNvSpPr>
             <a:spLocks noGrp="1"/>
           </p:cNvSpPr>
@@ -4375,8 +4203,8 @@
         </p:nvSpPr>
         <p:spPr>
           <a:xfrm>
-            <a:off x="4676040" y="1489680"/>
-            <a:ext cx="4083480" cy="1468440"/>
+            <a:off x="4675680" y="1489680"/>
+            <a:ext cx="4083120" cy="1468080"/>
           </a:xfrm>
           <a:prstGeom prst="rect">
             <a:avLst/>
@@ -4387,18 +4215,15 @@
             <a:normAutofit/>
           </a:bodyPr>
           <a:p>
-            <a:endParaRPr b="0" lang="en-MY" sz="1400" spc="-1" strike="noStrike">
-              <a:solidFill>
-                <a:srgbClr val="000000"/>
-              </a:solidFill>
-              <a:latin typeface="Arial"/>
-            </a:endParaRPr>
-          </a:p>
-        </p:txBody>
-      </p:sp>
-      <p:sp>
-        <p:nvSpPr>
-          <p:cNvPr id="22" name="PlaceHolder 4"/>
+            <a:endParaRPr b="0" lang="en-MY" sz="3200" spc="-1" strike="noStrike">
+              <a:latin typeface="Arial"/>
+            </a:endParaRPr>
+          </a:p>
+        </p:txBody>
+      </p:sp>
+      <p:sp>
+        <p:nvSpPr>
+          <p:cNvPr id="21" name="PlaceHolder 4"/>
           <p:cNvSpPr>
             <a:spLocks noGrp="1"/>
           </p:cNvSpPr>
@@ -4408,8 +4233,8 @@
         </p:nvSpPr>
         <p:spPr>
           <a:xfrm>
-            <a:off x="4676040" y="3098160"/>
-            <a:ext cx="4083480" cy="1468440"/>
+            <a:off x="4675680" y="3097800"/>
+            <a:ext cx="4083120" cy="1468080"/>
           </a:xfrm>
           <a:prstGeom prst="rect">
             <a:avLst/>
@@ -4420,10 +4245,7 @@
             <a:normAutofit/>
           </a:bodyPr>
           <a:p>
-            <a:endParaRPr b="0" lang="en-MY" sz="1400" spc="-1" strike="noStrike">
-              <a:solidFill>
-                <a:srgbClr val="000000"/>
-              </a:solidFill>
+            <a:endParaRPr b="0" lang="en-MY" sz="3200" spc="-1" strike="noStrike">
               <a:latin typeface="Arial"/>
             </a:endParaRPr>
           </a:p>
@@ -4453,7 +4275,7 @@
       </p:grpSpPr>
       <p:sp>
         <p:nvSpPr>
-          <p:cNvPr id="23" name="PlaceHolder 1"/>
+          <p:cNvPr id="22" name="PlaceHolder 1"/>
           <p:cNvSpPr>
             <a:spLocks noGrp="1"/>
           </p:cNvSpPr>
@@ -4464,7 +4286,7 @@
         <p:spPr>
           <a:xfrm>
             <a:off x="388080" y="457920"/>
-            <a:ext cx="8367840" cy="685800"/>
+            <a:ext cx="8367480" cy="685440"/>
           </a:xfrm>
           <a:prstGeom prst="rect">
             <a:avLst/>
@@ -4475,18 +4297,16 @@
             <a:noAutofit/>
           </a:bodyPr>
           <a:p>
-            <a:endParaRPr b="0" lang="en-MY" sz="1400" spc="-1" strike="noStrike">
-              <a:solidFill>
-                <a:srgbClr val="000000"/>
-              </a:solidFill>
-              <a:latin typeface="Arial"/>
-            </a:endParaRPr>
-          </a:p>
-        </p:txBody>
-      </p:sp>
-      <p:sp>
-        <p:nvSpPr>
-          <p:cNvPr id="24" name="PlaceHolder 2"/>
+            <a:pPr algn="ctr"/>
+            <a:endParaRPr b="0" lang="en-MY" sz="4400" spc="-1" strike="noStrike">
+              <a:latin typeface="Arial"/>
+            </a:endParaRPr>
+          </a:p>
+        </p:txBody>
+      </p:sp>
+      <p:sp>
+        <p:nvSpPr>
+          <p:cNvPr id="23" name="PlaceHolder 2"/>
           <p:cNvSpPr>
             <a:spLocks noGrp="1"/>
           </p:cNvSpPr>
@@ -4497,7 +4317,7 @@
         <p:spPr>
           <a:xfrm>
             <a:off x="388080" y="1489680"/>
-            <a:ext cx="4083480" cy="1468440"/>
+            <a:ext cx="4083120" cy="1468080"/>
           </a:xfrm>
           <a:prstGeom prst="rect">
             <a:avLst/>
@@ -4508,18 +4328,15 @@
             <a:normAutofit/>
           </a:bodyPr>
           <a:p>
-            <a:endParaRPr b="0" lang="en-MY" sz="1400" spc="-1" strike="noStrike">
-              <a:solidFill>
-                <a:srgbClr val="000000"/>
-              </a:solidFill>
-              <a:latin typeface="Arial"/>
-            </a:endParaRPr>
-          </a:p>
-        </p:txBody>
-      </p:sp>
-      <p:sp>
-        <p:nvSpPr>
-          <p:cNvPr id="25" name="PlaceHolder 3"/>
+            <a:endParaRPr b="0" lang="en-MY" sz="3200" spc="-1" strike="noStrike">
+              <a:latin typeface="Arial"/>
+            </a:endParaRPr>
+          </a:p>
+        </p:txBody>
+      </p:sp>
+      <p:sp>
+        <p:nvSpPr>
+          <p:cNvPr id="24" name="PlaceHolder 3"/>
           <p:cNvSpPr>
             <a:spLocks noGrp="1"/>
           </p:cNvSpPr>
@@ -4529,8 +4346,8 @@
         </p:nvSpPr>
         <p:spPr>
           <a:xfrm>
-            <a:off x="4676040" y="1489680"/>
-            <a:ext cx="4083480" cy="1468440"/>
+            <a:off x="4675680" y="1489680"/>
+            <a:ext cx="4083120" cy="1468080"/>
           </a:xfrm>
           <a:prstGeom prst="rect">
             <a:avLst/>
@@ -4541,18 +4358,15 @@
             <a:normAutofit/>
           </a:bodyPr>
           <a:p>
-            <a:endParaRPr b="0" lang="en-MY" sz="1400" spc="-1" strike="noStrike">
-              <a:solidFill>
-                <a:srgbClr val="000000"/>
-              </a:solidFill>
-              <a:latin typeface="Arial"/>
-            </a:endParaRPr>
-          </a:p>
-        </p:txBody>
-      </p:sp>
-      <p:sp>
-        <p:nvSpPr>
-          <p:cNvPr id="26" name="PlaceHolder 4"/>
+            <a:endParaRPr b="0" lang="en-MY" sz="3200" spc="-1" strike="noStrike">
+              <a:latin typeface="Arial"/>
+            </a:endParaRPr>
+          </a:p>
+        </p:txBody>
+      </p:sp>
+      <p:sp>
+        <p:nvSpPr>
+          <p:cNvPr id="25" name="PlaceHolder 4"/>
           <p:cNvSpPr>
             <a:spLocks noGrp="1"/>
           </p:cNvSpPr>
@@ -4562,8 +4376,8 @@
         </p:nvSpPr>
         <p:spPr>
           <a:xfrm>
-            <a:off x="388080" y="3098160"/>
-            <a:ext cx="8367840" cy="1468440"/>
+            <a:off x="388080" y="3097800"/>
+            <a:ext cx="8367480" cy="1468080"/>
           </a:xfrm>
           <a:prstGeom prst="rect">
             <a:avLst/>
@@ -4574,10 +4388,7 @@
             <a:normAutofit/>
           </a:bodyPr>
           <a:p>
-            <a:endParaRPr b="0" lang="en-MY" sz="1400" spc="-1" strike="noStrike">
-              <a:solidFill>
-                <a:srgbClr val="000000"/>
-              </a:solidFill>
+            <a:endParaRPr b="0" lang="en-MY" sz="3200" spc="-1" strike="noStrike">
               <a:latin typeface="Arial"/>
             </a:endParaRPr>
           </a:p>
@@ -4621,7 +4432,7 @@
         <p:spPr>
           <a:xfrm>
             <a:off x="1524960" y="672480"/>
-            <a:ext cx="1081440" cy="1124640"/>
+            <a:ext cx="1081080" cy="1124280"/>
           </a:xfrm>
           <a:custGeom>
             <a:avLst/>
@@ -4665,8 +4476,8 @@
         </p:nvSpPr>
         <p:spPr>
           <a:xfrm rot="10800000">
-            <a:off x="6537600" y="3343320"/>
-            <a:ext cx="1081440" cy="1124640"/>
+            <a:off x="6537960" y="3343680"/>
+            <a:ext cx="1081080" cy="1124280"/>
           </a:xfrm>
           <a:custGeom>
             <a:avLst/>
@@ -4711,7 +4522,7 @@
         <p:spPr>
           <a:xfrm>
             <a:off x="4359600" y="2817360"/>
-            <a:ext cx="424440" cy="360"/>
+            <a:ext cx="424080" cy="360"/>
           </a:xfrm>
           <a:custGeom>
             <a:avLst/>
@@ -4756,31 +4567,25 @@
         </p:nvSpPr>
         <p:spPr>
           <a:xfrm>
-            <a:off x="1680480" y="1189080"/>
-            <a:ext cx="5783040" cy="1456920"/>
-          </a:xfrm>
-          <a:prstGeom prst="rect">
-            <a:avLst/>
-          </a:prstGeom>
-        </p:spPr>
-        <p:txBody>
-          <a:bodyPr tIns="91440" bIns="91440" anchor="b">
-            <a:normAutofit/>
-          </a:bodyPr>
-          <a:p>
-            <a:r>
-              <a:rPr b="0" lang="en-MY" sz="4000" spc="-1" strike="noStrike">
-                <a:solidFill>
-                  <a:srgbClr val="000000"/>
-                </a:solidFill>
+            <a:off x="388080" y="457920"/>
+            <a:ext cx="8367480" cy="685440"/>
+          </a:xfrm>
+          <a:prstGeom prst="rect">
+            <a:avLst/>
+          </a:prstGeom>
+        </p:spPr>
+        <p:txBody>
+          <a:bodyPr lIns="0" rIns="0" tIns="0" bIns="0" anchor="ctr">
+            <a:noAutofit/>
+          </a:bodyPr>
+          <a:p>
+            <a:r>
+              <a:rPr b="0" lang="en-MY" sz="1800" spc="-1" strike="noStrike">
                 <a:latin typeface="Arial"/>
               </a:rPr>
               <a:t>Click to edit the title text format</a:t>
             </a:r>
-            <a:endParaRPr b="0" lang="en-MY" sz="4000" spc="-1" strike="noStrike">
-              <a:solidFill>
-                <a:srgbClr val="000000"/>
-              </a:solidFill>
+            <a:endParaRPr b="0" lang="en-MY" sz="1800" spc="-1" strike="noStrike">
               <a:latin typeface="Arial"/>
             </a:endParaRPr>
           </a:p>
@@ -4789,54 +4594,6 @@
       <p:sp>
         <p:nvSpPr>
           <p:cNvPr id="4" name="PlaceHolder 2"/>
-          <p:cNvSpPr>
-            <a:spLocks noGrp="1"/>
-          </p:cNvSpPr>
-          <p:nvPr>
-            <p:ph type="sldNum"/>
-          </p:nvPr>
-        </p:nvSpPr>
-        <p:spPr>
-          <a:xfrm>
-            <a:off x="8472600" y="4663080"/>
-            <a:ext cx="548280" cy="393120"/>
-          </a:xfrm>
-          <a:prstGeom prst="rect">
-            <a:avLst/>
-          </a:prstGeom>
-        </p:spPr>
-        <p:txBody>
-          <a:bodyPr tIns="91440" bIns="91440" anchor="ctr">
-            <a:normAutofit/>
-          </a:bodyPr>
-          <a:p>
-            <a:pPr algn="r">
-              <a:lnSpc>
-                <a:spcPct val="100000"/>
-              </a:lnSpc>
-              <a:tabLst>
-                <a:tab algn="l" pos="0"/>
-              </a:tabLst>
-            </a:pPr>
-            <a:fld id="{FBFB79A4-BD3C-4C9B-BABA-0A036AD18ADC}" type="slidenum">
-              <a:rPr b="0" lang="en-GB" sz="1000" spc="-1" strike="noStrike">
-                <a:solidFill>
-                  <a:srgbClr val="ffffff"/>
-                </a:solidFill>
-                <a:latin typeface="Roboto"/>
-                <a:ea typeface="Roboto"/>
-              </a:rPr>
-              <a:t>&lt;number&gt;</a:t>
-            </a:fld>
-            <a:endParaRPr b="0" lang="en-MY" sz="1000" spc="-1" strike="noStrike">
-              <a:latin typeface="Times New Roman"/>
-            </a:endParaRPr>
-          </a:p>
-        </p:txBody>
-      </p:sp>
-      <p:sp>
-        <p:nvSpPr>
-          <p:cNvPr id="5" name="PlaceHolder 3"/>
           <p:cNvSpPr>
             <a:spLocks noGrp="1"/>
           </p:cNvSpPr>
@@ -4870,18 +4627,12 @@
               <a:buChar char=""/>
             </a:pPr>
             <a:r>
-              <a:rPr b="0" lang="en-MY" sz="1400" spc="-1" strike="noStrike">
-                <a:solidFill>
-                  <a:srgbClr val="000000"/>
-                </a:solidFill>
+              <a:rPr b="0" lang="en-MY" sz="3200" spc="-1" strike="noStrike">
                 <a:latin typeface="Arial"/>
               </a:rPr>
               <a:t>Click to edit the outline text format</a:t>
             </a:r>
-            <a:endParaRPr b="0" lang="en-MY" sz="1400" spc="-1" strike="noStrike">
-              <a:solidFill>
-                <a:srgbClr val="000000"/>
-              </a:solidFill>
+            <a:endParaRPr b="0" lang="en-MY" sz="3200" spc="-1" strike="noStrike">
               <a:latin typeface="Arial"/>
             </a:endParaRPr>
           </a:p>
@@ -4898,18 +4649,12 @@
               <a:buChar char=""/>
             </a:pPr>
             <a:r>
-              <a:rPr b="0" lang="en-MY" sz="1400" spc="-1" strike="noStrike">
-                <a:solidFill>
-                  <a:srgbClr val="000000"/>
-                </a:solidFill>
+              <a:rPr b="0" lang="en-MY" sz="2800" spc="-1" strike="noStrike">
                 <a:latin typeface="Arial"/>
               </a:rPr>
               <a:t>Second Outline Level</a:t>
             </a:r>
-            <a:endParaRPr b="0" lang="en-MY" sz="1400" spc="-1" strike="noStrike">
-              <a:solidFill>
-                <a:srgbClr val="000000"/>
-              </a:solidFill>
+            <a:endParaRPr b="0" lang="en-MY" sz="2800" spc="-1" strike="noStrike">
               <a:latin typeface="Arial"/>
             </a:endParaRPr>
           </a:p>
@@ -4926,18 +4671,12 @@
               <a:buChar char=""/>
             </a:pPr>
             <a:r>
-              <a:rPr b="0" lang="en-MY" sz="1400" spc="-1" strike="noStrike">
-                <a:solidFill>
-                  <a:srgbClr val="000000"/>
-                </a:solidFill>
+              <a:rPr b="0" lang="en-MY" sz="2400" spc="-1" strike="noStrike">
                 <a:latin typeface="Arial"/>
               </a:rPr>
               <a:t>Third Outline Level</a:t>
             </a:r>
-            <a:endParaRPr b="0" lang="en-MY" sz="1400" spc="-1" strike="noStrike">
-              <a:solidFill>
-                <a:srgbClr val="000000"/>
-              </a:solidFill>
+            <a:endParaRPr b="0" lang="en-MY" sz="2400" spc="-1" strike="noStrike">
               <a:latin typeface="Arial"/>
             </a:endParaRPr>
           </a:p>
@@ -4954,18 +4693,12 @@
               <a:buChar char=""/>
             </a:pPr>
             <a:r>
-              <a:rPr b="0" lang="en-MY" sz="1400" spc="-1" strike="noStrike">
-                <a:solidFill>
-                  <a:srgbClr val="000000"/>
-                </a:solidFill>
+              <a:rPr b="0" lang="en-MY" sz="2000" spc="-1" strike="noStrike">
                 <a:latin typeface="Arial"/>
               </a:rPr>
               <a:t>Fourth Outline Level</a:t>
             </a:r>
-            <a:endParaRPr b="0" lang="en-MY" sz="1400" spc="-1" strike="noStrike">
-              <a:solidFill>
-                <a:srgbClr val="000000"/>
-              </a:solidFill>
+            <a:endParaRPr b="0" lang="en-MY" sz="2000" spc="-1" strike="noStrike">
               <a:latin typeface="Arial"/>
             </a:endParaRPr>
           </a:p>
@@ -4983,17 +4716,11 @@
             </a:pPr>
             <a:r>
               <a:rPr b="0" lang="en-MY" sz="2000" spc="-1" strike="noStrike">
-                <a:solidFill>
-                  <a:srgbClr val="000000"/>
-                </a:solidFill>
                 <a:latin typeface="Arial"/>
               </a:rPr>
               <a:t>Fifth Outline Level</a:t>
             </a:r>
             <a:endParaRPr b="0" lang="en-MY" sz="2000" spc="-1" strike="noStrike">
-              <a:solidFill>
-                <a:srgbClr val="000000"/>
-              </a:solidFill>
               <a:latin typeface="Arial"/>
             </a:endParaRPr>
           </a:p>
@@ -5011,17 +4738,11 @@
             </a:pPr>
             <a:r>
               <a:rPr b="0" lang="en-MY" sz="2000" spc="-1" strike="noStrike">
-                <a:solidFill>
-                  <a:srgbClr val="000000"/>
-                </a:solidFill>
                 <a:latin typeface="Arial"/>
               </a:rPr>
               <a:t>Sixth Outline Level</a:t>
             </a:r>
             <a:endParaRPr b="0" lang="en-MY" sz="2000" spc="-1" strike="noStrike">
-              <a:solidFill>
-                <a:srgbClr val="000000"/>
-              </a:solidFill>
               <a:latin typeface="Arial"/>
             </a:endParaRPr>
           </a:p>
@@ -5039,17 +4760,11 @@
             </a:pPr>
             <a:r>
               <a:rPr b="0" lang="en-MY" sz="2000" spc="-1" strike="noStrike">
-                <a:solidFill>
-                  <a:srgbClr val="000000"/>
-                </a:solidFill>
                 <a:latin typeface="Arial"/>
               </a:rPr>
               <a:t>Seventh Outline Level</a:t>
             </a:r>
             <a:endParaRPr b="0" lang="en-MY" sz="2000" spc="-1" strike="noStrike">
-              <a:solidFill>
-                <a:srgbClr val="000000"/>
-              </a:solidFill>
               <a:latin typeface="Arial"/>
             </a:endParaRPr>
           </a:p>
@@ -5101,14 +4816,14 @@
       </p:grpSpPr>
       <p:sp>
         <p:nvSpPr>
-          <p:cNvPr id="42" name="Google Shape;21;p4"/>
+          <p:cNvPr id="41" name="Google Shape;21;p4"/>
           <p:cNvSpPr/>
           <p:nvPr/>
         </p:nvSpPr>
         <p:spPr>
           <a:xfrm>
             <a:off x="492480" y="1260360"/>
-            <a:ext cx="424440" cy="360"/>
+            <a:ext cx="424080" cy="360"/>
           </a:xfrm>
           <a:custGeom>
             <a:avLst/>
@@ -5143,7 +4858,7 @@
       </p:sp>
       <p:sp>
         <p:nvSpPr>
-          <p:cNvPr id="43" name="PlaceHolder 1"/>
+          <p:cNvPr id="42" name="PlaceHolder 1"/>
           <p:cNvSpPr>
             <a:spLocks noGrp="1"/>
           </p:cNvSpPr>
@@ -5154,38 +4869,32 @@
         <p:spPr>
           <a:xfrm>
             <a:off x="388080" y="457920"/>
-            <a:ext cx="8367840" cy="685800"/>
-          </a:xfrm>
-          <a:prstGeom prst="rect">
-            <a:avLst/>
-          </a:prstGeom>
-        </p:spPr>
-        <p:txBody>
-          <a:bodyPr tIns="91440" bIns="91440" anchor="b">
-            <a:normAutofit/>
-          </a:bodyPr>
-          <a:p>
-            <a:r>
-              <a:rPr b="0" lang="en-MY" sz="3000" spc="-1" strike="noStrike">
-                <a:solidFill>
-                  <a:srgbClr val="000000"/>
-                </a:solidFill>
+            <a:ext cx="8367480" cy="685440"/>
+          </a:xfrm>
+          <a:prstGeom prst="rect">
+            <a:avLst/>
+          </a:prstGeom>
+        </p:spPr>
+        <p:txBody>
+          <a:bodyPr lIns="0" rIns="0" tIns="0" bIns="0" anchor="ctr">
+            <a:noAutofit/>
+          </a:bodyPr>
+          <a:p>
+            <a:r>
+              <a:rPr b="0" lang="en-MY" sz="1800" spc="-1" strike="noStrike">
                 <a:latin typeface="Arial"/>
               </a:rPr>
               <a:t>Click to edit the title text format</a:t>
             </a:r>
-            <a:endParaRPr b="0" lang="en-MY" sz="3000" spc="-1" strike="noStrike">
-              <a:solidFill>
-                <a:srgbClr val="000000"/>
-              </a:solidFill>
-              <a:latin typeface="Arial"/>
-            </a:endParaRPr>
-          </a:p>
-        </p:txBody>
-      </p:sp>
-      <p:sp>
-        <p:nvSpPr>
-          <p:cNvPr id="44" name="PlaceHolder 2"/>
+            <a:endParaRPr b="0" lang="en-MY" sz="1800" spc="-1" strike="noStrike">
+              <a:latin typeface="Arial"/>
+            </a:endParaRPr>
+          </a:p>
+        </p:txBody>
+      </p:sp>
+      <p:sp>
+        <p:nvSpPr>
+          <p:cNvPr id="43" name="PlaceHolder 2"/>
           <p:cNvSpPr>
             <a:spLocks noGrp="1"/>
           </p:cNvSpPr>
@@ -5196,14 +4905,14 @@
         <p:spPr>
           <a:xfrm>
             <a:off x="388080" y="1489680"/>
-            <a:ext cx="8367840" cy="3078720"/>
-          </a:xfrm>
-          <a:prstGeom prst="rect">
-            <a:avLst/>
-          </a:prstGeom>
-        </p:spPr>
-        <p:txBody>
-          <a:bodyPr tIns="91440" bIns="91440">
+            <a:ext cx="8367480" cy="3078360"/>
+          </a:xfrm>
+          <a:prstGeom prst="rect">
+            <a:avLst/>
+          </a:prstGeom>
+        </p:spPr>
+        <p:txBody>
+          <a:bodyPr lIns="0" rIns="0" tIns="0" bIns="0">
             <a:normAutofit/>
           </a:bodyPr>
           <a:p>
@@ -5220,17 +4929,11 @@
             </a:pPr>
             <a:r>
               <a:rPr b="0" lang="en-MY" sz="1800" spc="-1" strike="noStrike">
-                <a:solidFill>
-                  <a:srgbClr val="000000"/>
-                </a:solidFill>
                 <a:latin typeface="Arial"/>
               </a:rPr>
               <a:t>Click to edit the outline text format</a:t>
             </a:r>
             <a:endParaRPr b="0" lang="en-MY" sz="1800" spc="-1" strike="noStrike">
-              <a:solidFill>
-                <a:srgbClr val="000000"/>
-              </a:solidFill>
               <a:latin typeface="Arial"/>
             </a:endParaRPr>
           </a:p>
@@ -5248,17 +4951,11 @@
             </a:pPr>
             <a:r>
               <a:rPr b="0" lang="en-MY" sz="1800" spc="-1" strike="noStrike">
-                <a:solidFill>
-                  <a:srgbClr val="000000"/>
-                </a:solidFill>
                 <a:latin typeface="Arial"/>
               </a:rPr>
               <a:t>Second Outline Level</a:t>
             </a:r>
             <a:endParaRPr b="0" lang="en-MY" sz="1800" spc="-1" strike="noStrike">
-              <a:solidFill>
-                <a:srgbClr val="000000"/>
-              </a:solidFill>
               <a:latin typeface="Arial"/>
             </a:endParaRPr>
           </a:p>
@@ -5276,17 +4973,11 @@
             </a:pPr>
             <a:r>
               <a:rPr b="0" lang="en-MY" sz="1800" spc="-1" strike="noStrike">
-                <a:solidFill>
-                  <a:srgbClr val="000000"/>
-                </a:solidFill>
                 <a:latin typeface="Arial"/>
               </a:rPr>
               <a:t>Third Outline Level</a:t>
             </a:r>
             <a:endParaRPr b="0" lang="en-MY" sz="1800" spc="-1" strike="noStrike">
-              <a:solidFill>
-                <a:srgbClr val="000000"/>
-              </a:solidFill>
               <a:latin typeface="Arial"/>
             </a:endParaRPr>
           </a:p>
@@ -5304,17 +4995,11 @@
             </a:pPr>
             <a:r>
               <a:rPr b="0" lang="en-MY" sz="1800" spc="-1" strike="noStrike">
-                <a:solidFill>
-                  <a:srgbClr val="000000"/>
-                </a:solidFill>
                 <a:latin typeface="Arial"/>
               </a:rPr>
               <a:t>Fourth Outline Level</a:t>
             </a:r>
             <a:endParaRPr b="0" lang="en-MY" sz="1800" spc="-1" strike="noStrike">
-              <a:solidFill>
-                <a:srgbClr val="000000"/>
-              </a:solidFill>
               <a:latin typeface="Arial"/>
             </a:endParaRPr>
           </a:p>
@@ -5332,17 +5017,11 @@
             </a:pPr>
             <a:r>
               <a:rPr b="0" lang="en-MY" sz="1800" spc="-1" strike="noStrike">
-                <a:solidFill>
-                  <a:srgbClr val="000000"/>
-                </a:solidFill>
                 <a:latin typeface="Arial"/>
               </a:rPr>
               <a:t>Fifth Outline Level</a:t>
             </a:r>
             <a:endParaRPr b="0" lang="en-MY" sz="1800" spc="-1" strike="noStrike">
-              <a:solidFill>
-                <a:srgbClr val="000000"/>
-              </a:solidFill>
               <a:latin typeface="Arial"/>
             </a:endParaRPr>
           </a:p>
@@ -5360,17 +5039,11 @@
             </a:pPr>
             <a:r>
               <a:rPr b="0" lang="en-MY" sz="1800" spc="-1" strike="noStrike">
-                <a:solidFill>
-                  <a:srgbClr val="000000"/>
-                </a:solidFill>
                 <a:latin typeface="Arial"/>
               </a:rPr>
               <a:t>Sixth Outline Level</a:t>
             </a:r>
             <a:endParaRPr b="0" lang="en-MY" sz="1800" spc="-1" strike="noStrike">
-              <a:solidFill>
-                <a:srgbClr val="000000"/>
-              </a:solidFill>
               <a:latin typeface="Arial"/>
             </a:endParaRPr>
           </a:p>
@@ -5388,66 +5061,12 @@
             </a:pPr>
             <a:r>
               <a:rPr b="0" lang="en-MY" sz="1800" spc="-1" strike="noStrike">
-                <a:solidFill>
-                  <a:srgbClr val="000000"/>
-                </a:solidFill>
                 <a:latin typeface="Arial"/>
               </a:rPr>
               <a:t>Seventh Outline Level</a:t>
             </a:r>
             <a:endParaRPr b="0" lang="en-MY" sz="1800" spc="-1" strike="noStrike">
-              <a:solidFill>
-                <a:srgbClr val="000000"/>
-              </a:solidFill>
-              <a:latin typeface="Arial"/>
-            </a:endParaRPr>
-          </a:p>
-        </p:txBody>
-      </p:sp>
-      <p:sp>
-        <p:nvSpPr>
-          <p:cNvPr id="45" name="PlaceHolder 3"/>
-          <p:cNvSpPr>
-            <a:spLocks noGrp="1"/>
-          </p:cNvSpPr>
-          <p:nvPr>
-            <p:ph type="sldNum"/>
-          </p:nvPr>
-        </p:nvSpPr>
-        <p:spPr>
-          <a:xfrm>
-            <a:off x="8472600" y="4663080"/>
-            <a:ext cx="548280" cy="393120"/>
-          </a:xfrm>
-          <a:prstGeom prst="rect">
-            <a:avLst/>
-          </a:prstGeom>
-        </p:spPr>
-        <p:txBody>
-          <a:bodyPr tIns="91440" bIns="91440" anchor="ctr">
-            <a:normAutofit/>
-          </a:bodyPr>
-          <a:p>
-            <a:pPr algn="r">
-              <a:lnSpc>
-                <a:spcPct val="100000"/>
-              </a:lnSpc>
-              <a:tabLst>
-                <a:tab algn="l" pos="0"/>
-              </a:tabLst>
-            </a:pPr>
-            <a:fld id="{D1A95DF3-8B06-4579-9AC6-10F92EDBF4E4}" type="slidenum">
-              <a:rPr b="0" lang="en-GB" sz="1000" spc="-1" strike="noStrike">
-                <a:solidFill>
-                  <a:srgbClr val="ffffff"/>
-                </a:solidFill>
-                <a:latin typeface="Roboto"/>
-                <a:ea typeface="Roboto"/>
-              </a:rPr>
-              <a:t>&lt;number&gt;</a:t>
-            </a:fld>
-            <a:endParaRPr b="0" lang="en-MY" sz="1000" spc="-1" strike="noStrike">
-              <a:latin typeface="Times New Roman"/>
+              <a:latin typeface="Arial"/>
             </a:endParaRPr>
           </a:p>
         </p:txBody>
@@ -5491,14 +5110,14 @@
       </p:grpSpPr>
       <p:sp>
         <p:nvSpPr>
-          <p:cNvPr id="88" name="Google Shape;63;p13"/>
-          <p:cNvSpPr txBox="1"/>
+          <p:cNvPr id="86" name="Google Shape;63;p13"/>
+          <p:cNvSpPr/>
           <p:nvPr/>
         </p:nvSpPr>
         <p:spPr>
           <a:xfrm>
             <a:off x="1680480" y="1189080"/>
-            <a:ext cx="5783040" cy="1456920"/>
+            <a:ext cx="5782680" cy="1456560"/>
           </a:xfrm>
           <a:prstGeom prst="rect">
             <a:avLst/>
@@ -5508,8 +5127,14 @@
             <a:noFill/>
           </a:ln>
         </p:spPr>
-        <p:txBody>
-          <a:bodyPr tIns="91440" bIns="91440" anchor="b">
+        <p:style>
+          <a:lnRef idx="0"/>
+          <a:fillRef idx="0"/>
+          <a:effectRef idx="0"/>
+          <a:fontRef idx="minor"/>
+        </p:style>
+        <p:txBody>
+          <a:bodyPr lIns="90000" rIns="90000" tIns="91440" bIns="91440" anchor="b">
             <a:normAutofit/>
           </a:bodyPr>
           <a:p>
@@ -5532,24 +5157,21 @@
               <a:t>Datatype and Data Structure </a:t>
             </a:r>
             <a:endParaRPr b="0" lang="en-MY" sz="4000" spc="-1" strike="noStrike">
-              <a:solidFill>
-                <a:srgbClr val="000000"/>
-              </a:solidFill>
-              <a:latin typeface="Arial"/>
-            </a:endParaRPr>
-          </a:p>
-        </p:txBody>
-      </p:sp>
-      <p:sp>
-        <p:nvSpPr>
-          <p:cNvPr id="89" name="Google Shape;64;p13"/>
-          <p:cNvSpPr txBox="1"/>
+              <a:latin typeface="Arial"/>
+            </a:endParaRPr>
+          </a:p>
+        </p:txBody>
+      </p:sp>
+      <p:sp>
+        <p:nvSpPr>
+          <p:cNvPr id="87" name="Google Shape;64;p13"/>
+          <p:cNvSpPr/>
           <p:nvPr/>
         </p:nvSpPr>
         <p:spPr>
           <a:xfrm>
             <a:off x="1680480" y="3049560"/>
-            <a:ext cx="5783040" cy="908640"/>
+            <a:ext cx="5782680" cy="908280"/>
           </a:xfrm>
           <a:prstGeom prst="rect">
             <a:avLst/>
@@ -5559,17 +5181,12 @@
             <a:noFill/>
           </a:ln>
         </p:spPr>
-        <p:txBody>
-          <a:bodyPr tIns="91440" bIns="91440">
-            <a:normAutofit/>
-          </a:bodyPr>
-          <a:p>
-            <a:pPr algn="ctr"/>
-            <a:endParaRPr b="0" lang="en-MY" sz="3200" spc="-1" strike="noStrike">
-              <a:latin typeface="Arial"/>
-            </a:endParaRPr>
-          </a:p>
-        </p:txBody>
+        <p:style>
+          <a:lnRef idx="0"/>
+          <a:fillRef idx="0"/>
+          <a:effectRef idx="0"/>
+          <a:fontRef idx="minor"/>
+        </p:style>
       </p:sp>
     </p:spTree>
   </p:cSld>
@@ -5603,14 +5220,14 @@
       </p:grpSpPr>
       <p:sp>
         <p:nvSpPr>
-          <p:cNvPr id="109" name="Google Shape;120;p22"/>
-          <p:cNvSpPr txBox="1"/>
+          <p:cNvPr id="107" name="Google Shape;120;p22"/>
+          <p:cNvSpPr/>
           <p:nvPr/>
         </p:nvSpPr>
         <p:spPr>
           <a:xfrm>
             <a:off x="388080" y="457920"/>
-            <a:ext cx="8367840" cy="685800"/>
+            <a:ext cx="8367480" cy="685440"/>
           </a:xfrm>
           <a:prstGeom prst="rect">
             <a:avLst/>
@@ -5620,8 +5237,14 @@
             <a:noFill/>
           </a:ln>
         </p:spPr>
-        <p:txBody>
-          <a:bodyPr tIns="91440" bIns="91440" anchor="b">
+        <p:style>
+          <a:lnRef idx="0"/>
+          <a:fillRef idx="0"/>
+          <a:effectRef idx="0"/>
+          <a:fontRef idx="minor"/>
+        </p:style>
+        <p:txBody>
+          <a:bodyPr lIns="90000" rIns="90000" tIns="91440" bIns="91440" anchor="b">
             <a:normAutofit/>
           </a:bodyPr>
           <a:p>
@@ -5644,24 +5267,21 @@
               <a:t>Vectors</a:t>
             </a:r>
             <a:endParaRPr b="0" lang="en-MY" sz="3000" spc="-1" strike="noStrike">
-              <a:solidFill>
-                <a:srgbClr val="000000"/>
-              </a:solidFill>
-              <a:latin typeface="Arial"/>
-            </a:endParaRPr>
-          </a:p>
-        </p:txBody>
-      </p:sp>
-      <p:sp>
-        <p:nvSpPr>
-          <p:cNvPr id="110" name="Google Shape;121;p22"/>
-          <p:cNvSpPr txBox="1"/>
+              <a:latin typeface="Arial"/>
+            </a:endParaRPr>
+          </a:p>
+        </p:txBody>
+      </p:sp>
+      <p:sp>
+        <p:nvSpPr>
+          <p:cNvPr id="108" name="Google Shape;121;p22"/>
+          <p:cNvSpPr/>
           <p:nvPr/>
         </p:nvSpPr>
         <p:spPr>
           <a:xfrm>
             <a:off x="388080" y="1489680"/>
-            <a:ext cx="8367840" cy="3078720"/>
+            <a:ext cx="8367480" cy="3078360"/>
           </a:xfrm>
           <a:prstGeom prst="rect">
             <a:avLst/>
@@ -5671,8 +5291,14 @@
             <a:noFill/>
           </a:ln>
         </p:spPr>
-        <p:txBody>
-          <a:bodyPr tIns="91440" bIns="91440">
+        <p:style>
+          <a:lnRef idx="0"/>
+          <a:fillRef idx="0"/>
+          <a:effectRef idx="0"/>
+          <a:fontRef idx="minor"/>
+        </p:style>
+        <p:txBody>
+          <a:bodyPr lIns="90000" rIns="90000" tIns="91440" bIns="91440">
             <a:normAutofit/>
           </a:bodyPr>
           <a:p>
@@ -5695,9 +5321,6 @@
               <a:t>A vector is just a set of objects of the same type. You can create logical, character, numeric, complex or even factor vectors, among others. </a:t>
             </a:r>
             <a:endParaRPr b="0" lang="en-MY" sz="1800" spc="-1" strike="noStrike">
-              <a:solidFill>
-                <a:srgbClr val="000000"/>
-              </a:solidFill>
               <a:latin typeface="Arial"/>
             </a:endParaRPr>
           </a:p>
@@ -5714,9 +5337,6 @@
               </a:tabLst>
             </a:pPr>
             <a:endParaRPr b="0" lang="en-MY" sz="1800" spc="-1" strike="noStrike">
-              <a:solidFill>
-                <a:srgbClr val="000000"/>
-              </a:solidFill>
               <a:latin typeface="Arial"/>
             </a:endParaRPr>
           </a:p>
@@ -5743,9 +5363,6 @@
               <a:t>Vector &lt;- c(1,2,3,7)</a:t>
             </a:r>
             <a:endParaRPr b="0" lang="en-MY" sz="1800" spc="-1" strike="noStrike">
-              <a:solidFill>
-                <a:srgbClr val="000000"/>
-              </a:solidFill>
               <a:latin typeface="Arial"/>
             </a:endParaRPr>
           </a:p>
@@ -5775,9 +5392,6 @@
               <a:t>Vector &lt;- c(“Hello”,”How are you”,”good morning”)</a:t>
             </a:r>
             <a:endParaRPr b="0" lang="en-MY" sz="1800" spc="-1" strike="noStrike">
-              <a:solidFill>
-                <a:srgbClr val="000000"/>
-              </a:solidFill>
               <a:latin typeface="Arial"/>
             </a:endParaRPr>
           </a:p>
@@ -5815,14 +5429,14 @@
       </p:grpSpPr>
       <p:sp>
         <p:nvSpPr>
-          <p:cNvPr id="111" name="Google Shape;126;p23"/>
-          <p:cNvSpPr txBox="1"/>
+          <p:cNvPr id="109" name="Google Shape;126;p23"/>
+          <p:cNvSpPr/>
           <p:nvPr/>
         </p:nvSpPr>
         <p:spPr>
           <a:xfrm>
             <a:off x="388080" y="457920"/>
-            <a:ext cx="8367840" cy="685800"/>
+            <a:ext cx="8367480" cy="685440"/>
           </a:xfrm>
           <a:prstGeom prst="rect">
             <a:avLst/>
@@ -5832,8 +5446,14 @@
             <a:noFill/>
           </a:ln>
         </p:spPr>
-        <p:txBody>
-          <a:bodyPr tIns="91440" bIns="91440" anchor="b">
+        <p:style>
+          <a:lnRef idx="0"/>
+          <a:fillRef idx="0"/>
+          <a:effectRef idx="0"/>
+          <a:fontRef idx="minor"/>
+        </p:style>
+        <p:txBody>
+          <a:bodyPr lIns="90000" rIns="90000" tIns="91440" bIns="91440" anchor="b">
             <a:normAutofit/>
           </a:bodyPr>
           <a:p>
@@ -5856,24 +5476,21 @@
               <a:t>Matrices</a:t>
             </a:r>
             <a:endParaRPr b="0" lang="en-MY" sz="3000" spc="-1" strike="noStrike">
-              <a:solidFill>
-                <a:srgbClr val="000000"/>
-              </a:solidFill>
-              <a:latin typeface="Arial"/>
-            </a:endParaRPr>
-          </a:p>
-        </p:txBody>
-      </p:sp>
-      <p:sp>
-        <p:nvSpPr>
-          <p:cNvPr id="112" name="Google Shape;127;p23"/>
-          <p:cNvSpPr txBox="1"/>
+              <a:latin typeface="Arial"/>
+            </a:endParaRPr>
+          </a:p>
+        </p:txBody>
+      </p:sp>
+      <p:sp>
+        <p:nvSpPr>
+          <p:cNvPr id="110" name="Google Shape;127;p23"/>
+          <p:cNvSpPr/>
           <p:nvPr/>
         </p:nvSpPr>
         <p:spPr>
           <a:xfrm>
             <a:off x="388080" y="1489680"/>
-            <a:ext cx="8367840" cy="3078720"/>
+            <a:ext cx="8367480" cy="3078360"/>
           </a:xfrm>
           <a:prstGeom prst="rect">
             <a:avLst/>
@@ -5883,8 +5500,14 @@
             <a:noFill/>
           </a:ln>
         </p:spPr>
-        <p:txBody>
-          <a:bodyPr tIns="91440" bIns="91440">
+        <p:style>
+          <a:lnRef idx="0"/>
+          <a:fillRef idx="0"/>
+          <a:effectRef idx="0"/>
+          <a:fontRef idx="minor"/>
+        </p:style>
+        <p:txBody>
+          <a:bodyPr lIns="90000" rIns="90000" tIns="91440" bIns="91440">
             <a:normAutofit/>
           </a:bodyPr>
           <a:p>
@@ -5907,9 +5530,6 @@
               <a:t>In R, a matrix is a collection of elements of the same data type (numeric, character, or logical) arranged into a fixed number of rows and columns. </a:t>
             </a:r>
             <a:endParaRPr b="0" lang="en-MY" sz="1800" spc="-1" strike="noStrike">
-              <a:solidFill>
-                <a:srgbClr val="000000"/>
-              </a:solidFill>
               <a:latin typeface="Arial"/>
             </a:endParaRPr>
           </a:p>
@@ -5936,9 +5556,6 @@
               <a:t>Since you are only working with rows and columns, a matrix is called two-dimensional.</a:t>
             </a:r>
             <a:endParaRPr b="0" lang="en-MY" sz="1800" spc="-1" strike="noStrike">
-              <a:solidFill>
-                <a:srgbClr val="000000"/>
-              </a:solidFill>
               <a:latin typeface="Arial"/>
             </a:endParaRPr>
           </a:p>
@@ -5955,9 +5572,6 @@
               </a:tabLst>
             </a:pPr>
             <a:endParaRPr b="0" lang="en-MY" sz="1800" spc="-1" strike="noStrike">
-              <a:solidFill>
-                <a:srgbClr val="000000"/>
-              </a:solidFill>
               <a:latin typeface="Arial"/>
             </a:endParaRPr>
           </a:p>
@@ -5987,9 +5601,6 @@
               <a:t>Matrix &lt;- as.matrix(rnorm(1000), nrow=10)</a:t>
             </a:r>
             <a:endParaRPr b="0" lang="en-MY" sz="1800" spc="-1" strike="noStrike">
-              <a:solidFill>
-                <a:srgbClr val="000000"/>
-              </a:solidFill>
               <a:latin typeface="Arial"/>
             </a:endParaRPr>
           </a:p>
@@ -6027,14 +5638,14 @@
       </p:grpSpPr>
       <p:sp>
         <p:nvSpPr>
-          <p:cNvPr id="113" name="Google Shape;132;p24"/>
-          <p:cNvSpPr txBox="1"/>
+          <p:cNvPr id="111" name="Google Shape;132;p24"/>
+          <p:cNvSpPr/>
           <p:nvPr/>
         </p:nvSpPr>
         <p:spPr>
           <a:xfrm>
             <a:off x="388080" y="457920"/>
-            <a:ext cx="8367840" cy="685800"/>
+            <a:ext cx="8367480" cy="685440"/>
           </a:xfrm>
           <a:prstGeom prst="rect">
             <a:avLst/>
@@ -6044,8 +5655,14 @@
             <a:noFill/>
           </a:ln>
         </p:spPr>
-        <p:txBody>
-          <a:bodyPr tIns="91440" bIns="91440" anchor="b">
+        <p:style>
+          <a:lnRef idx="0"/>
+          <a:fillRef idx="0"/>
+          <a:effectRef idx="0"/>
+          <a:fontRef idx="minor"/>
+        </p:style>
+        <p:txBody>
+          <a:bodyPr lIns="90000" rIns="90000" tIns="91440" bIns="91440" anchor="b">
             <a:normAutofit/>
           </a:bodyPr>
           <a:p>
@@ -6068,24 +5685,21 @@
               <a:t>Lists</a:t>
             </a:r>
             <a:endParaRPr b="0" lang="en-MY" sz="3000" spc="-1" strike="noStrike">
-              <a:solidFill>
-                <a:srgbClr val="000000"/>
-              </a:solidFill>
-              <a:latin typeface="Arial"/>
-            </a:endParaRPr>
-          </a:p>
-        </p:txBody>
-      </p:sp>
-      <p:sp>
-        <p:nvSpPr>
-          <p:cNvPr id="114" name="Google Shape;133;p24"/>
-          <p:cNvSpPr txBox="1"/>
+              <a:latin typeface="Arial"/>
+            </a:endParaRPr>
+          </a:p>
+        </p:txBody>
+      </p:sp>
+      <p:sp>
+        <p:nvSpPr>
+          <p:cNvPr id="112" name="Google Shape;133;p24"/>
+          <p:cNvSpPr/>
           <p:nvPr/>
         </p:nvSpPr>
         <p:spPr>
           <a:xfrm>
             <a:off x="388080" y="1489680"/>
-            <a:ext cx="8367840" cy="3078720"/>
+            <a:ext cx="8367480" cy="3078360"/>
           </a:xfrm>
           <a:prstGeom prst="rect">
             <a:avLst/>
@@ -6095,8 +5709,14 @@
             <a:noFill/>
           </a:ln>
         </p:spPr>
-        <p:txBody>
-          <a:bodyPr tIns="91440" bIns="91440">
+        <p:style>
+          <a:lnRef idx="0"/>
+          <a:fillRef idx="0"/>
+          <a:effectRef idx="0"/>
+          <a:fontRef idx="minor"/>
+        </p:style>
+        <p:txBody>
+          <a:bodyPr lIns="90000" rIns="90000" tIns="91440" bIns="91440">
             <a:normAutofit/>
           </a:bodyPr>
           <a:p>
@@ -6119,9 +5739,6 @@
               <a:t>Lists are the R objects which contain elements of different types like − numbers, strings, vectors and another list inside it. A list can also contain a matrix or a function as its elements. List is created using list() function.</a:t>
             </a:r>
             <a:endParaRPr b="0" lang="en-MY" sz="1800" spc="-1" strike="noStrike">
-              <a:solidFill>
-                <a:srgbClr val="000000"/>
-              </a:solidFill>
               <a:latin typeface="Arial"/>
             </a:endParaRPr>
           </a:p>
@@ -6138,9 +5755,6 @@
               </a:tabLst>
             </a:pPr>
             <a:endParaRPr b="0" lang="en-MY" sz="1800" spc="-1" strike="noStrike">
-              <a:solidFill>
-                <a:srgbClr val="000000"/>
-              </a:solidFill>
               <a:latin typeface="Arial"/>
             </a:endParaRPr>
           </a:p>
@@ -6167,14 +5781,11 @@
               <a:t>list_data &lt;- list("Red", "White", c(1,2,3), TRUE, 22.4)</a:t>
             </a:r>
             <a:endParaRPr b="0" lang="en-MY" sz="1800" spc="-1" strike="noStrike">
-              <a:solidFill>
-                <a:srgbClr val="000000"/>
-              </a:solidFill>
-              <a:latin typeface="Arial"/>
-            </a:endParaRPr>
-          </a:p>
-          <a:p>
-            <a:pPr marL="457200" indent="-342720">
+              <a:latin typeface="Arial"/>
+            </a:endParaRPr>
+          </a:p>
+          <a:p>
+            <a:pPr marL="457200" indent="-342360">
               <a:lnSpc>
                 <a:spcPct val="115000"/>
               </a:lnSpc>
@@ -6201,9 +5812,6 @@
               <a:t>List object can also consain other list,  which itself contain another list</a:t>
             </a:r>
             <a:endParaRPr b="0" lang="en-MY" sz="1800" spc="-1" strike="noStrike">
-              <a:solidFill>
-                <a:srgbClr val="000000"/>
-              </a:solidFill>
               <a:latin typeface="Arial"/>
             </a:endParaRPr>
           </a:p>
@@ -6223,9 +5831,6 @@
               </a:tabLst>
             </a:pPr>
             <a:endParaRPr b="0" lang="en-MY" sz="1800" spc="-1" strike="noStrike">
-              <a:solidFill>
-                <a:srgbClr val="000000"/>
-              </a:solidFill>
               <a:latin typeface="Arial"/>
             </a:endParaRPr>
           </a:p>
@@ -6263,14 +5868,14 @@
       </p:grpSpPr>
       <p:sp>
         <p:nvSpPr>
-          <p:cNvPr id="115" name="Google Shape;138;p25"/>
-          <p:cNvSpPr txBox="1"/>
+          <p:cNvPr id="113" name="Google Shape;138;p25"/>
+          <p:cNvSpPr/>
           <p:nvPr/>
         </p:nvSpPr>
         <p:spPr>
           <a:xfrm>
             <a:off x="388080" y="457920"/>
-            <a:ext cx="8367840" cy="685800"/>
+            <a:ext cx="8367480" cy="685440"/>
           </a:xfrm>
           <a:prstGeom prst="rect">
             <a:avLst/>
@@ -6280,8 +5885,14 @@
             <a:noFill/>
           </a:ln>
         </p:spPr>
-        <p:txBody>
-          <a:bodyPr tIns="91440" bIns="91440" anchor="b">
+        <p:style>
+          <a:lnRef idx="0"/>
+          <a:fillRef idx="0"/>
+          <a:effectRef idx="0"/>
+          <a:fontRef idx="minor"/>
+        </p:style>
+        <p:txBody>
+          <a:bodyPr lIns="90000" rIns="90000" tIns="91440" bIns="91440" anchor="b">
             <a:normAutofit/>
           </a:bodyPr>
           <a:p>
@@ -6304,24 +5915,21 @@
               <a:t>DataFrames</a:t>
             </a:r>
             <a:endParaRPr b="0" lang="en-MY" sz="3000" spc="-1" strike="noStrike">
-              <a:solidFill>
-                <a:srgbClr val="000000"/>
-              </a:solidFill>
-              <a:latin typeface="Arial"/>
-            </a:endParaRPr>
-          </a:p>
-        </p:txBody>
-      </p:sp>
-      <p:sp>
-        <p:nvSpPr>
-          <p:cNvPr id="116" name="Google Shape;139;p25"/>
-          <p:cNvSpPr txBox="1"/>
+              <a:latin typeface="Arial"/>
+            </a:endParaRPr>
+          </a:p>
+        </p:txBody>
+      </p:sp>
+      <p:sp>
+        <p:nvSpPr>
+          <p:cNvPr id="114" name="Google Shape;139;p25"/>
+          <p:cNvSpPr/>
           <p:nvPr/>
         </p:nvSpPr>
         <p:spPr>
           <a:xfrm>
             <a:off x="388080" y="1489680"/>
-            <a:ext cx="8367840" cy="3078720"/>
+            <a:ext cx="8367480" cy="3078360"/>
           </a:xfrm>
           <a:prstGeom prst="rect">
             <a:avLst/>
@@ -6331,8 +5939,14 @@
             <a:noFill/>
           </a:ln>
         </p:spPr>
-        <p:txBody>
-          <a:bodyPr tIns="91440" bIns="91440">
+        <p:style>
+          <a:lnRef idx="0"/>
+          <a:fillRef idx="0"/>
+          <a:effectRef idx="0"/>
+          <a:fontRef idx="minor"/>
+        </p:style>
+        <p:txBody>
+          <a:bodyPr lIns="90000" rIns="90000" tIns="91440" bIns="91440">
             <a:normAutofit/>
           </a:bodyPr>
           <a:p>
@@ -6355,9 +5969,6 @@
               <a:t>Data frame is the de-facto data type for most data science projects, as it's organized in tabular format.</a:t>
             </a:r>
             <a:endParaRPr b="0" lang="en-MY" sz="1800" spc="-1" strike="noStrike">
-              <a:solidFill>
-                <a:srgbClr val="000000"/>
-              </a:solidFill>
               <a:latin typeface="Arial"/>
             </a:endParaRPr>
           </a:p>
@@ -6384,9 +5995,6 @@
               <a:t>A data frame has the variables of a data set as columns and the observations as rows.</a:t>
             </a:r>
             <a:endParaRPr b="0" lang="en-MY" sz="1800" spc="-1" strike="noStrike">
-              <a:solidFill>
-                <a:srgbClr val="000000"/>
-              </a:solidFill>
               <a:latin typeface="Arial"/>
             </a:endParaRPr>
           </a:p>
@@ -6403,9 +6011,6 @@
               </a:tabLst>
             </a:pPr>
             <a:endParaRPr b="0" lang="en-MY" sz="1800" spc="-1" strike="noStrike">
-              <a:solidFill>
-                <a:srgbClr val="000000"/>
-              </a:solidFill>
               <a:latin typeface="Arial"/>
             </a:endParaRPr>
           </a:p>
@@ -6432,9 +6037,6 @@
               <a:t>Iris &lt;- as.data.frame(iris) </a:t>
             </a:r>
             <a:endParaRPr b="0" lang="en-MY" sz="1800" spc="-1" strike="noStrike">
-              <a:solidFill>
-                <a:srgbClr val="000000"/>
-              </a:solidFill>
               <a:latin typeface="Arial"/>
             </a:endParaRPr>
           </a:p>
@@ -6454,9 +6056,6 @@
               </a:tabLst>
             </a:pPr>
             <a:endParaRPr b="0" lang="en-MY" sz="1800" spc="-1" strike="noStrike">
-              <a:solidFill>
-                <a:srgbClr val="000000"/>
-              </a:solidFill>
               <a:latin typeface="Arial"/>
             </a:endParaRPr>
           </a:p>
@@ -6464,7 +6063,7 @@
       </p:sp>
       <p:pic>
         <p:nvPicPr>
-          <p:cNvPr id="117" name="Google Shape;140;p25" descr=""/>
+          <p:cNvPr id="115" name="Google Shape;140;p25" descr=""/>
           <p:cNvPicPr/>
           <p:nvPr/>
         </p:nvPicPr>
@@ -6475,7 +6074,7 @@
         <p:spPr>
           <a:xfrm>
             <a:off x="3278520" y="2993040"/>
-            <a:ext cx="5632560" cy="1958400"/>
+            <a:ext cx="5632200" cy="1958040"/>
           </a:xfrm>
           <a:prstGeom prst="rect">
             <a:avLst/>
@@ -6517,14 +6116,14 @@
       </p:grpSpPr>
       <p:sp>
         <p:nvSpPr>
-          <p:cNvPr id="118" name="Google Shape;145;p26"/>
-          <p:cNvSpPr txBox="1"/>
+          <p:cNvPr id="116" name="Google Shape;145;p26"/>
+          <p:cNvSpPr/>
           <p:nvPr/>
         </p:nvSpPr>
         <p:spPr>
           <a:xfrm>
             <a:off x="388080" y="457920"/>
-            <a:ext cx="8367840" cy="685800"/>
+            <a:ext cx="8367480" cy="685440"/>
           </a:xfrm>
           <a:prstGeom prst="rect">
             <a:avLst/>
@@ -6534,8 +6133,14 @@
             <a:noFill/>
           </a:ln>
         </p:spPr>
-        <p:txBody>
-          <a:bodyPr tIns="91440" bIns="91440" anchor="b">
+        <p:style>
+          <a:lnRef idx="0"/>
+          <a:fillRef idx="0"/>
+          <a:effectRef idx="0"/>
+          <a:fontRef idx="minor"/>
+        </p:style>
+        <p:txBody>
+          <a:bodyPr lIns="90000" rIns="90000" tIns="91440" bIns="91440" anchor="b">
             <a:normAutofit/>
           </a:bodyPr>
           <a:p>
@@ -6558,24 +6163,21 @@
               <a:t>Tibbles</a:t>
             </a:r>
             <a:endParaRPr b="0" lang="en-MY" sz="3000" spc="-1" strike="noStrike">
-              <a:solidFill>
-                <a:srgbClr val="000000"/>
-              </a:solidFill>
-              <a:latin typeface="Arial"/>
-            </a:endParaRPr>
-          </a:p>
-        </p:txBody>
-      </p:sp>
-      <p:sp>
-        <p:nvSpPr>
-          <p:cNvPr id="119" name="Google Shape;146;p26"/>
-          <p:cNvSpPr txBox="1"/>
+              <a:latin typeface="Arial"/>
+            </a:endParaRPr>
+          </a:p>
+        </p:txBody>
+      </p:sp>
+      <p:sp>
+        <p:nvSpPr>
+          <p:cNvPr id="117" name="Google Shape;146;p26"/>
+          <p:cNvSpPr/>
           <p:nvPr/>
         </p:nvSpPr>
         <p:spPr>
           <a:xfrm>
             <a:off x="388080" y="1489680"/>
-            <a:ext cx="8367840" cy="3078720"/>
+            <a:ext cx="8367480" cy="3078360"/>
           </a:xfrm>
           <a:prstGeom prst="rect">
             <a:avLst/>
@@ -6585,8 +6187,14 @@
             <a:noFill/>
           </a:ln>
         </p:spPr>
-        <p:txBody>
-          <a:bodyPr tIns="91440" bIns="91440">
+        <p:style>
+          <a:lnRef idx="0"/>
+          <a:fillRef idx="0"/>
+          <a:effectRef idx="0"/>
+          <a:fontRef idx="minor"/>
+        </p:style>
+        <p:txBody>
+          <a:bodyPr lIns="90000" rIns="90000" tIns="91440" bIns="91440">
             <a:normAutofit fontScale="85000"/>
           </a:bodyPr>
           <a:p>
@@ -6609,14 +6217,11 @@
               <a:t>A tibble is a special type of data frame with some additional properties. </a:t>
             </a:r>
             <a:endParaRPr b="0" lang="en-MY" sz="1800" spc="-1" strike="noStrike">
-              <a:solidFill>
-                <a:srgbClr val="000000"/>
-              </a:solidFill>
-              <a:latin typeface="Arial"/>
-            </a:endParaRPr>
-          </a:p>
-          <a:p>
-            <a:pPr marL="457200" indent="-342720">
+              <a:latin typeface="Arial"/>
+            </a:endParaRPr>
+          </a:p>
+          <a:p>
+            <a:pPr marL="457200" indent="-342360">
               <a:lnSpc>
                 <a:spcPct val="115000"/>
               </a:lnSpc>
@@ -6643,14 +6248,11 @@
               <a:t>Tibbles work with column names that are not syntactically valid variable names.</a:t>
             </a:r>
             <a:endParaRPr b="0" lang="en-MY" sz="1800" spc="-1" strike="noStrike">
-              <a:solidFill>
-                <a:srgbClr val="000000"/>
-              </a:solidFill>
-              <a:latin typeface="Arial"/>
-            </a:endParaRPr>
-          </a:p>
-          <a:p>
-            <a:pPr marL="457200" indent="-342720">
+              <a:latin typeface="Arial"/>
+            </a:endParaRPr>
+          </a:p>
+          <a:p>
+            <a:pPr marL="457200" indent="-342360">
               <a:lnSpc>
                 <a:spcPct val="115000"/>
               </a:lnSpc>
@@ -6674,14 +6276,11 @@
               <a:t>Tibbles prevent partial matching of arguments</a:t>
             </a:r>
             <a:endParaRPr b="0" lang="en-MY" sz="1800" spc="-1" strike="noStrike">
-              <a:solidFill>
-                <a:srgbClr val="000000"/>
-              </a:solidFill>
-              <a:latin typeface="Arial"/>
-            </a:endParaRPr>
-          </a:p>
-          <a:p>
-            <a:pPr marL="457200" indent="-342720">
+              <a:latin typeface="Arial"/>
+            </a:endParaRPr>
+          </a:p>
+          <a:p>
+            <a:pPr marL="457200" indent="-342360">
               <a:lnSpc>
                 <a:spcPct val="115000"/>
               </a:lnSpc>
@@ -6705,9 +6304,6 @@
               <a:t>Tibbles prevent dimension dropping</a:t>
             </a:r>
             <a:endParaRPr b="0" lang="en-MY" sz="1800" spc="-1" strike="noStrike">
-              <a:solidFill>
-                <a:srgbClr val="000000"/>
-              </a:solidFill>
               <a:latin typeface="Arial"/>
             </a:endParaRPr>
           </a:p>
@@ -6724,14 +6320,11 @@
               </a:tabLst>
             </a:pPr>
             <a:endParaRPr b="0" lang="en-MY" sz="1800" spc="-1" strike="noStrike">
-              <a:solidFill>
-                <a:srgbClr val="000000"/>
-              </a:solidFill>
-              <a:latin typeface="Arial"/>
-            </a:endParaRPr>
-          </a:p>
-          <a:p>
-            <a:pPr marL="457200" indent="-342720">
+              <a:latin typeface="Arial"/>
+            </a:endParaRPr>
+          </a:p>
+          <a:p>
+            <a:pPr marL="457200" indent="-342360">
               <a:lnSpc>
                 <a:spcPct val="115000"/>
               </a:lnSpc>
@@ -6758,9 +6351,6 @@
               <a:t>Some call it a better and improved dataframe, but can be confusing to use at first </a:t>
             </a:r>
             <a:endParaRPr b="0" lang="en-MY" sz="1800" spc="-1" strike="noStrike">
-              <a:solidFill>
-                <a:srgbClr val="000000"/>
-              </a:solidFill>
               <a:latin typeface="Arial"/>
             </a:endParaRPr>
           </a:p>
@@ -6798,14 +6388,14 @@
       </p:grpSpPr>
       <p:sp>
         <p:nvSpPr>
-          <p:cNvPr id="120" name="Google Shape;151;p27"/>
-          <p:cNvSpPr txBox="1"/>
+          <p:cNvPr id="118" name="Google Shape;151;p27"/>
+          <p:cNvSpPr/>
           <p:nvPr/>
         </p:nvSpPr>
         <p:spPr>
           <a:xfrm>
             <a:off x="388080" y="457920"/>
-            <a:ext cx="8367840" cy="685800"/>
+            <a:ext cx="8367480" cy="685440"/>
           </a:xfrm>
           <a:prstGeom prst="rect">
             <a:avLst/>
@@ -6815,8 +6405,14 @@
             <a:noFill/>
           </a:ln>
         </p:spPr>
-        <p:txBody>
-          <a:bodyPr tIns="91440" bIns="91440" anchor="b">
+        <p:style>
+          <a:lnRef idx="0"/>
+          <a:fillRef idx="0"/>
+          <a:effectRef idx="0"/>
+          <a:fontRef idx="minor"/>
+        </p:style>
+        <p:txBody>
+          <a:bodyPr lIns="90000" rIns="90000" tIns="91440" bIns="91440" anchor="b">
             <a:normAutofit/>
           </a:bodyPr>
           <a:p>
@@ -6839,24 +6435,21 @@
               <a:t>So let’s us stick with data-frame for now</a:t>
             </a:r>
             <a:endParaRPr b="0" lang="en-MY" sz="3000" spc="-1" strike="noStrike">
-              <a:solidFill>
-                <a:srgbClr val="000000"/>
-              </a:solidFill>
-              <a:latin typeface="Arial"/>
-            </a:endParaRPr>
-          </a:p>
-        </p:txBody>
-      </p:sp>
-      <p:sp>
-        <p:nvSpPr>
-          <p:cNvPr id="121" name="Google Shape;152;p27"/>
-          <p:cNvSpPr txBox="1"/>
+              <a:latin typeface="Arial"/>
+            </a:endParaRPr>
+          </a:p>
+        </p:txBody>
+      </p:sp>
+      <p:sp>
+        <p:nvSpPr>
+          <p:cNvPr id="119" name="Google Shape;152;p27"/>
+          <p:cNvSpPr/>
           <p:nvPr/>
         </p:nvSpPr>
         <p:spPr>
           <a:xfrm>
             <a:off x="388080" y="1489680"/>
-            <a:ext cx="8367840" cy="3078720"/>
+            <a:ext cx="8367480" cy="3078360"/>
           </a:xfrm>
           <a:prstGeom prst="rect">
             <a:avLst/>
@@ -6866,19 +6459,12 @@
             <a:noFill/>
           </a:ln>
         </p:spPr>
-        <p:txBody>
-          <a:bodyPr tIns="91440" bIns="91440">
-            <a:normAutofit/>
-          </a:bodyPr>
-          <a:p>
-            <a:endParaRPr b="0" lang="en-MY" sz="1400" spc="-1" strike="noStrike">
-              <a:solidFill>
-                <a:srgbClr val="000000"/>
-              </a:solidFill>
-              <a:latin typeface="Arial"/>
-            </a:endParaRPr>
-          </a:p>
-        </p:txBody>
+        <p:style>
+          <a:lnRef idx="0"/>
+          <a:fillRef idx="0"/>
+          <a:effectRef idx="0"/>
+          <a:fontRef idx="minor"/>
+        </p:style>
       </p:sp>
     </p:spTree>
   </p:cSld>
@@ -6912,14 +6498,14 @@
       </p:grpSpPr>
       <p:sp>
         <p:nvSpPr>
-          <p:cNvPr id="122" name="Google Shape;157;p28"/>
-          <p:cNvSpPr txBox="1"/>
+          <p:cNvPr id="120" name="Google Shape;157;p28"/>
+          <p:cNvSpPr/>
           <p:nvPr/>
         </p:nvSpPr>
         <p:spPr>
           <a:xfrm>
             <a:off x="388080" y="457920"/>
-            <a:ext cx="8367840" cy="685800"/>
+            <a:ext cx="8367480" cy="685440"/>
           </a:xfrm>
           <a:prstGeom prst="rect">
             <a:avLst/>
@@ -6929,8 +6515,14 @@
             <a:noFill/>
           </a:ln>
         </p:spPr>
-        <p:txBody>
-          <a:bodyPr tIns="91440" bIns="91440" anchor="b">
+        <p:style>
+          <a:lnRef idx="0"/>
+          <a:fillRef idx="0"/>
+          <a:effectRef idx="0"/>
+          <a:fontRef idx="minor"/>
+        </p:style>
+        <p:txBody>
+          <a:bodyPr lIns="90000" rIns="90000" tIns="91440" bIns="91440" anchor="b">
             <a:normAutofit/>
           </a:bodyPr>
           <a:p>
@@ -6953,24 +6545,21 @@
               <a:t>How would you know the class? </a:t>
             </a:r>
             <a:endParaRPr b="0" lang="en-MY" sz="3000" spc="-1" strike="noStrike">
-              <a:solidFill>
-                <a:srgbClr val="000000"/>
-              </a:solidFill>
-              <a:latin typeface="Arial"/>
-            </a:endParaRPr>
-          </a:p>
-        </p:txBody>
-      </p:sp>
-      <p:sp>
-        <p:nvSpPr>
-          <p:cNvPr id="123" name="Google Shape;158;p28"/>
-          <p:cNvSpPr txBox="1"/>
+              <a:latin typeface="Arial"/>
+            </a:endParaRPr>
+          </a:p>
+        </p:txBody>
+      </p:sp>
+      <p:sp>
+        <p:nvSpPr>
+          <p:cNvPr id="121" name="Google Shape;158;p28"/>
+          <p:cNvSpPr/>
           <p:nvPr/>
         </p:nvSpPr>
         <p:spPr>
           <a:xfrm>
             <a:off x="439560" y="1541520"/>
-            <a:ext cx="8367840" cy="3078720"/>
+            <a:ext cx="8367480" cy="3078360"/>
           </a:xfrm>
           <a:prstGeom prst="rect">
             <a:avLst/>
@@ -6980,8 +6569,14 @@
             <a:noFill/>
           </a:ln>
         </p:spPr>
-        <p:txBody>
-          <a:bodyPr tIns="91440" bIns="91440">
+        <p:style>
+          <a:lnRef idx="0"/>
+          <a:fillRef idx="0"/>
+          <a:effectRef idx="0"/>
+          <a:fontRef idx="minor"/>
+        </p:style>
+        <p:txBody>
+          <a:bodyPr lIns="90000" rIns="90000" tIns="91440" bIns="91440">
             <a:normAutofit fontScale="91000"/>
           </a:bodyPr>
           <a:p>
@@ -7004,9 +6599,6 @@
               <a:t>Use the class() command, or the typeof()</a:t>
             </a:r>
             <a:endParaRPr b="0" lang="en-MY" sz="1800" spc="-1" strike="noStrike">
-              <a:solidFill>
-                <a:srgbClr val="000000"/>
-              </a:solidFill>
               <a:latin typeface="Arial"/>
             </a:endParaRPr>
           </a:p>
@@ -7023,9 +6615,6 @@
               </a:tabLst>
             </a:pPr>
             <a:endParaRPr b="0" lang="en-MY" sz="1800" spc="-1" strike="noStrike">
-              <a:solidFill>
-                <a:srgbClr val="000000"/>
-              </a:solidFill>
               <a:latin typeface="Arial"/>
             </a:endParaRPr>
           </a:p>
@@ -7052,9 +6641,6 @@
               <a:t>&gt; typeof(flights)</a:t>
             </a:r>
             <a:endParaRPr b="0" lang="en-MY" sz="1800" spc="-1" strike="noStrike">
-              <a:solidFill>
-                <a:srgbClr val="000000"/>
-              </a:solidFill>
               <a:latin typeface="Arial"/>
             </a:endParaRPr>
           </a:p>
@@ -7081,9 +6667,6 @@
               <a:t>[1] "list"</a:t>
             </a:r>
             <a:endParaRPr b="0" lang="en-MY" sz="1800" spc="-1" strike="noStrike">
-              <a:solidFill>
-                <a:srgbClr val="000000"/>
-              </a:solidFill>
               <a:latin typeface="Arial"/>
             </a:endParaRPr>
           </a:p>
@@ -7100,9 +6683,6 @@
               </a:tabLst>
             </a:pPr>
             <a:endParaRPr b="0" lang="en-MY" sz="1800" spc="-1" strike="noStrike">
-              <a:solidFill>
-                <a:srgbClr val="000000"/>
-              </a:solidFill>
               <a:latin typeface="Arial"/>
             </a:endParaRPr>
           </a:p>
@@ -7129,9 +6709,6 @@
               <a:t>&gt; class(flights)</a:t>
             </a:r>
             <a:endParaRPr b="0" lang="en-MY" sz="1800" spc="-1" strike="noStrike">
-              <a:solidFill>
-                <a:srgbClr val="000000"/>
-              </a:solidFill>
               <a:latin typeface="Arial"/>
             </a:endParaRPr>
           </a:p>
@@ -7161,9 +6738,6 @@
               <a:t>[1] "data.frame"</a:t>
             </a:r>
             <a:endParaRPr b="0" lang="en-MY" sz="1800" spc="-1" strike="noStrike">
-              <a:solidFill>
-                <a:srgbClr val="000000"/>
-              </a:solidFill>
               <a:latin typeface="Arial"/>
             </a:endParaRPr>
           </a:p>
@@ -7201,14 +6775,14 @@
       </p:grpSpPr>
       <p:sp>
         <p:nvSpPr>
-          <p:cNvPr id="124" name="Google Shape;163;p29"/>
-          <p:cNvSpPr txBox="1"/>
+          <p:cNvPr id="122" name="Google Shape;163;p29"/>
+          <p:cNvSpPr/>
           <p:nvPr/>
         </p:nvSpPr>
         <p:spPr>
           <a:xfrm>
             <a:off x="388080" y="457920"/>
-            <a:ext cx="8367840" cy="685800"/>
+            <a:ext cx="8367480" cy="685440"/>
           </a:xfrm>
           <a:prstGeom prst="rect">
             <a:avLst/>
@@ -7218,8 +6792,14 @@
             <a:noFill/>
           </a:ln>
         </p:spPr>
-        <p:txBody>
-          <a:bodyPr tIns="91440" bIns="91440" anchor="b">
+        <p:style>
+          <a:lnRef idx="0"/>
+          <a:fillRef idx="0"/>
+          <a:effectRef idx="0"/>
+          <a:fontRef idx="minor"/>
+        </p:style>
+        <p:txBody>
+          <a:bodyPr lIns="90000" rIns="90000" tIns="91440" bIns="91440" anchor="b">
             <a:normAutofit fontScale="42000"/>
           </a:bodyPr>
           <a:p>
@@ -7242,9 +6822,6 @@
               <a:t>S3, S4 Object in R (Object Oriented Programming)</a:t>
             </a:r>
             <a:endParaRPr b="0" lang="en-MY" sz="3000" spc="-1" strike="noStrike">
-              <a:solidFill>
-                <a:srgbClr val="000000"/>
-              </a:solidFill>
               <a:latin typeface="Arial"/>
             </a:endParaRPr>
           </a:p>
@@ -7252,19 +6829,19 @@
       </p:sp>
       <p:pic>
         <p:nvPicPr>
-          <p:cNvPr id="125" name="Google Shape;164;p29" descr=""/>
+          <p:cNvPr id="123" name="Google Shape;164;p29" descr=""/>
           <p:cNvPicPr/>
           <p:nvPr/>
         </p:nvPicPr>
         <p:blipFill>
           <a:blip r:embed="rId1"/>
-          <a:srcRect l="0" t="16818" r="35075" b="0"/>
+          <a:srcRect l="0" t="16818" r="35079" b="0"/>
           <a:stretch/>
         </p:blipFill>
         <p:spPr>
           <a:xfrm>
             <a:off x="1743480" y="1489680"/>
-            <a:ext cx="5656320" cy="3519720"/>
+            <a:ext cx="5655960" cy="3519360"/>
           </a:xfrm>
           <a:prstGeom prst="rect">
             <a:avLst/>
@@ -7306,14 +6883,14 @@
       </p:grpSpPr>
       <p:sp>
         <p:nvSpPr>
-          <p:cNvPr id="126" name="Google Shape;181;p32"/>
-          <p:cNvSpPr txBox="1"/>
+          <p:cNvPr id="124" name="Google Shape;181;p32"/>
+          <p:cNvSpPr/>
           <p:nvPr/>
         </p:nvSpPr>
         <p:spPr>
           <a:xfrm>
             <a:off x="388080" y="457920"/>
-            <a:ext cx="8367840" cy="685800"/>
+            <a:ext cx="8367480" cy="685440"/>
           </a:xfrm>
           <a:prstGeom prst="rect">
             <a:avLst/>
@@ -7323,8 +6900,14 @@
             <a:noFill/>
           </a:ln>
         </p:spPr>
-        <p:txBody>
-          <a:bodyPr tIns="91440" bIns="91440" anchor="b">
+        <p:style>
+          <a:lnRef idx="0"/>
+          <a:fillRef idx="0"/>
+          <a:effectRef idx="0"/>
+          <a:fontRef idx="minor"/>
+        </p:style>
+        <p:txBody>
+          <a:bodyPr lIns="90000" rIns="90000" tIns="91440" bIns="91440" anchor="b">
             <a:normAutofit/>
           </a:bodyPr>
           <a:p>
@@ -7347,24 +6930,21 @@
               <a:t>Let’s head to R</a:t>
             </a:r>
             <a:endParaRPr b="0" lang="en-MY" sz="3000" spc="-1" strike="noStrike">
-              <a:solidFill>
-                <a:srgbClr val="000000"/>
-              </a:solidFill>
-              <a:latin typeface="Arial"/>
-            </a:endParaRPr>
-          </a:p>
-        </p:txBody>
-      </p:sp>
-      <p:sp>
-        <p:nvSpPr>
-          <p:cNvPr id="127" name="Google Shape;182;p32"/>
-          <p:cNvSpPr txBox="1"/>
+              <a:latin typeface="Arial"/>
+            </a:endParaRPr>
+          </a:p>
+        </p:txBody>
+      </p:sp>
+      <p:sp>
+        <p:nvSpPr>
+          <p:cNvPr id="125" name="Google Shape;182;p32"/>
+          <p:cNvSpPr/>
           <p:nvPr/>
         </p:nvSpPr>
         <p:spPr>
           <a:xfrm>
             <a:off x="388080" y="1489680"/>
-            <a:ext cx="8367840" cy="3078720"/>
+            <a:ext cx="8367480" cy="3078360"/>
           </a:xfrm>
           <a:prstGeom prst="rect">
             <a:avLst/>
@@ -7374,19 +6954,12 @@
             <a:noFill/>
           </a:ln>
         </p:spPr>
-        <p:txBody>
-          <a:bodyPr tIns="91440" bIns="91440">
-            <a:normAutofit/>
-          </a:bodyPr>
-          <a:p>
-            <a:endParaRPr b="0" lang="en-MY" sz="1400" spc="-1" strike="noStrike">
-              <a:solidFill>
-                <a:srgbClr val="000000"/>
-              </a:solidFill>
-              <a:latin typeface="Arial"/>
-            </a:endParaRPr>
-          </a:p>
-        </p:txBody>
+        <p:style>
+          <a:lnRef idx="0"/>
+          <a:fillRef idx="0"/>
+          <a:effectRef idx="0"/>
+          <a:fontRef idx="minor"/>
+        </p:style>
       </p:sp>
     </p:spTree>
   </p:cSld>
@@ -7427,14 +7000,14 @@
       </p:grpSpPr>
       <p:sp>
         <p:nvSpPr>
-          <p:cNvPr id="90" name="Google Shape;69;p14"/>
-          <p:cNvSpPr txBox="1"/>
+          <p:cNvPr id="88" name="Google Shape;69;p14"/>
+          <p:cNvSpPr/>
           <p:nvPr/>
         </p:nvSpPr>
         <p:spPr>
           <a:xfrm>
             <a:off x="388080" y="457920"/>
-            <a:ext cx="8367840" cy="685800"/>
+            <a:ext cx="8367480" cy="685440"/>
           </a:xfrm>
           <a:prstGeom prst="rect">
             <a:avLst/>
@@ -7444,8 +7017,14 @@
             <a:noFill/>
           </a:ln>
         </p:spPr>
-        <p:txBody>
-          <a:bodyPr tIns="91440" bIns="91440" anchor="b">
+        <p:style>
+          <a:lnRef idx="0"/>
+          <a:fillRef idx="0"/>
+          <a:effectRef idx="0"/>
+          <a:fontRef idx="minor"/>
+        </p:style>
+        <p:txBody>
+          <a:bodyPr lIns="90000" rIns="90000" tIns="91440" bIns="91440" anchor="b">
             <a:normAutofit/>
           </a:bodyPr>
           <a:p>
@@ -7468,24 +7047,21 @@
               <a:t>Workshop Objective</a:t>
             </a:r>
             <a:endParaRPr b="0" lang="en-MY" sz="3000" spc="-1" strike="noStrike">
-              <a:solidFill>
-                <a:srgbClr val="000000"/>
-              </a:solidFill>
-              <a:latin typeface="Arial"/>
-            </a:endParaRPr>
-          </a:p>
-        </p:txBody>
-      </p:sp>
-      <p:sp>
-        <p:nvSpPr>
-          <p:cNvPr id="91" name="Google Shape;70;p14"/>
-          <p:cNvSpPr txBox="1"/>
+              <a:latin typeface="Arial"/>
+            </a:endParaRPr>
+          </a:p>
+        </p:txBody>
+      </p:sp>
+      <p:sp>
+        <p:nvSpPr>
+          <p:cNvPr id="89" name="Google Shape;70;p14"/>
+          <p:cNvSpPr/>
           <p:nvPr/>
         </p:nvSpPr>
         <p:spPr>
           <a:xfrm>
             <a:off x="388080" y="1489680"/>
-            <a:ext cx="8367840" cy="3078720"/>
+            <a:ext cx="8367480" cy="3078360"/>
           </a:xfrm>
           <a:prstGeom prst="rect">
             <a:avLst/>
@@ -7495,8 +7071,14 @@
             <a:noFill/>
           </a:ln>
         </p:spPr>
-        <p:txBody>
-          <a:bodyPr tIns="91440" bIns="91440">
+        <p:style>
+          <a:lnRef idx="0"/>
+          <a:fillRef idx="0"/>
+          <a:effectRef idx="0"/>
+          <a:fontRef idx="minor"/>
+        </p:style>
+        <p:txBody>
+          <a:bodyPr lIns="90000" rIns="90000" tIns="91440" bIns="91440">
             <a:normAutofit/>
           </a:bodyPr>
           <a:p>
@@ -7522,9 +7104,6 @@
               <a:t>Expose learners to the different data types in R and show how these data types are used in data structures.</a:t>
             </a:r>
             <a:endParaRPr b="0" lang="en-MY" sz="1800" spc="-1" strike="noStrike">
-              <a:solidFill>
-                <a:srgbClr val="000000"/>
-              </a:solidFill>
               <a:latin typeface="Arial"/>
             </a:endParaRPr>
           </a:p>
@@ -7551,9 +7130,6 @@
               <a:t>Learn how to create vectors of different types.</a:t>
             </a:r>
             <a:endParaRPr b="0" lang="en-MY" sz="1800" spc="-1" strike="noStrike">
-              <a:solidFill>
-                <a:srgbClr val="000000"/>
-              </a:solidFill>
               <a:latin typeface="Arial"/>
             </a:endParaRPr>
           </a:p>
@@ -7577,12 +7153,9 @@
                 <a:latin typeface="Roboto"/>
                 <a:ea typeface="Roboto"/>
               </a:rPr>
-              <a:t>Be able to check the type of vector.</a:t>
+              <a:t>Get familiar with the different data structures (lists, matrices, data frames).</a:t>
             </a:r>
             <a:endParaRPr b="0" lang="en-MY" sz="1800" spc="-1" strike="noStrike">
-              <a:solidFill>
-                <a:srgbClr val="000000"/>
-              </a:solidFill>
               <a:latin typeface="Arial"/>
             </a:endParaRPr>
           </a:p>
@@ -7606,41 +7179,9 @@
                 <a:latin typeface="Roboto"/>
                 <a:ea typeface="Roboto"/>
               </a:rPr>
-              <a:t>Learn about missing data and other special values.</a:t>
+              <a:t>Explore example datasets in R and their structures </a:t>
             </a:r>
             <a:endParaRPr b="0" lang="en-MY" sz="1800" spc="-1" strike="noStrike">
-              <a:solidFill>
-                <a:srgbClr val="000000"/>
-              </a:solidFill>
-              <a:latin typeface="Arial"/>
-            </a:endParaRPr>
-          </a:p>
-          <a:p>
-            <a:pPr>
-              <a:lnSpc>
-                <a:spcPct val="115000"/>
-              </a:lnSpc>
-              <a:spcAft>
-                <a:spcPts val="1199"/>
-              </a:spcAft>
-              <a:tabLst>
-                <a:tab algn="l" pos="0"/>
-              </a:tabLst>
-            </a:pPr>
-            <a:r>
-              <a:rPr b="0" lang="en-US" sz="1800" spc="-1" strike="noStrike">
-                <a:solidFill>
-                  <a:srgbClr val="ffffff"/>
-                </a:solidFill>
-                <a:latin typeface="Roboto"/>
-                <a:ea typeface="Roboto"/>
-              </a:rPr>
-              <a:t>Get familiar with the different data structures (lists, matrices, data frames).</a:t>
-            </a:r>
-            <a:endParaRPr b="0" lang="en-MY" sz="1800" spc="-1" strike="noStrike">
-              <a:solidFill>
-                <a:srgbClr val="000000"/>
-              </a:solidFill>
               <a:latin typeface="Arial"/>
             </a:endParaRPr>
           </a:p>
@@ -7678,14 +7219,14 @@
       </p:grpSpPr>
       <p:sp>
         <p:nvSpPr>
-          <p:cNvPr id="92" name="Google Shape;75;p15"/>
-          <p:cNvSpPr txBox="1"/>
+          <p:cNvPr id="90" name="Google Shape;75;p15"/>
+          <p:cNvSpPr/>
           <p:nvPr/>
         </p:nvSpPr>
         <p:spPr>
           <a:xfrm>
             <a:off x="388080" y="457920"/>
-            <a:ext cx="8367840" cy="685800"/>
+            <a:ext cx="8367480" cy="685440"/>
           </a:xfrm>
           <a:prstGeom prst="rect">
             <a:avLst/>
@@ -7695,8 +7236,14 @@
             <a:noFill/>
           </a:ln>
         </p:spPr>
-        <p:txBody>
-          <a:bodyPr tIns="91440" bIns="91440" anchor="b">
+        <p:style>
+          <a:lnRef idx="0"/>
+          <a:fillRef idx="0"/>
+          <a:effectRef idx="0"/>
+          <a:fontRef idx="minor"/>
+        </p:style>
+        <p:txBody>
+          <a:bodyPr lIns="90000" rIns="90000" tIns="91440" bIns="91440" anchor="b">
             <a:normAutofit/>
           </a:bodyPr>
           <a:p>
@@ -7719,24 +7266,21 @@
               <a:t>DateType?</a:t>
             </a:r>
             <a:endParaRPr b="0" lang="en-MY" sz="3000" spc="-1" strike="noStrike">
-              <a:solidFill>
-                <a:srgbClr val="000000"/>
-              </a:solidFill>
-              <a:latin typeface="Arial"/>
-            </a:endParaRPr>
-          </a:p>
-        </p:txBody>
-      </p:sp>
-      <p:sp>
-        <p:nvSpPr>
-          <p:cNvPr id="93" name="Google Shape;76;p15"/>
-          <p:cNvSpPr txBox="1"/>
+              <a:latin typeface="Arial"/>
+            </a:endParaRPr>
+          </a:p>
+        </p:txBody>
+      </p:sp>
+      <p:sp>
+        <p:nvSpPr>
+          <p:cNvPr id="91" name="Google Shape;76;p15"/>
+          <p:cNvSpPr/>
           <p:nvPr/>
         </p:nvSpPr>
         <p:spPr>
           <a:xfrm>
             <a:off x="388080" y="1489680"/>
-            <a:ext cx="8367840" cy="3078720"/>
+            <a:ext cx="8367480" cy="3078360"/>
           </a:xfrm>
           <a:prstGeom prst="rect">
             <a:avLst/>
@@ -7746,12 +7290,18 @@
             <a:noFill/>
           </a:ln>
         </p:spPr>
-        <p:txBody>
-          <a:bodyPr tIns="91440" bIns="91440">
+        <p:style>
+          <a:lnRef idx="0"/>
+          <a:fillRef idx="0"/>
+          <a:effectRef idx="0"/>
+          <a:fontRef idx="minor"/>
+        </p:style>
+        <p:txBody>
+          <a:bodyPr lIns="90000" rIns="90000" tIns="91440" bIns="91440">
             <a:normAutofit/>
           </a:bodyPr>
           <a:p>
-            <a:pPr marL="457200" indent="-342720">
+            <a:pPr marL="457200" indent="-342360">
               <a:lnSpc>
                 <a:spcPct val="115000"/>
               </a:lnSpc>
@@ -7772,14 +7322,11 @@
               <a:t>Numeric (/integer)</a:t>
             </a:r>
             <a:endParaRPr b="0" lang="en-MY" sz="1800" spc="-1" strike="noStrike">
-              <a:solidFill>
-                <a:srgbClr val="000000"/>
-              </a:solidFill>
-              <a:latin typeface="Arial"/>
-            </a:endParaRPr>
-          </a:p>
-          <a:p>
-            <a:pPr marL="457200" indent="-342720">
+              <a:latin typeface="Arial"/>
+            </a:endParaRPr>
+          </a:p>
+          <a:p>
+            <a:pPr marL="457200" indent="-342360">
               <a:lnSpc>
                 <a:spcPct val="115000"/>
               </a:lnSpc>
@@ -7800,14 +7347,11 @@
               <a:t>Character (Strings) </a:t>
             </a:r>
             <a:endParaRPr b="0" lang="en-MY" sz="1800" spc="-1" strike="noStrike">
-              <a:solidFill>
-                <a:srgbClr val="000000"/>
-              </a:solidFill>
-              <a:latin typeface="Arial"/>
-            </a:endParaRPr>
-          </a:p>
-          <a:p>
-            <a:pPr marL="457200" indent="-342720">
+              <a:latin typeface="Arial"/>
+            </a:endParaRPr>
+          </a:p>
+          <a:p>
+            <a:pPr marL="457200" indent="-342360">
               <a:lnSpc>
                 <a:spcPct val="115000"/>
               </a:lnSpc>
@@ -7828,14 +7372,11 @@
               <a:t>Logical (Boolean)</a:t>
             </a:r>
             <a:endParaRPr b="0" lang="en-MY" sz="1800" spc="-1" strike="noStrike">
-              <a:solidFill>
-                <a:srgbClr val="000000"/>
-              </a:solidFill>
-              <a:latin typeface="Arial"/>
-            </a:endParaRPr>
-          </a:p>
-          <a:p>
-            <a:pPr marL="457200" indent="-342720">
+              <a:latin typeface="Arial"/>
+            </a:endParaRPr>
+          </a:p>
+          <a:p>
+            <a:pPr marL="457200" indent="-342360">
               <a:lnSpc>
                 <a:spcPct val="115000"/>
               </a:lnSpc>
@@ -7856,9 +7397,6 @@
               <a:t>Factor (Levels)</a:t>
             </a:r>
             <a:endParaRPr b="0" lang="en-MY" sz="1800" spc="-1" strike="noStrike">
-              <a:solidFill>
-                <a:srgbClr val="000000"/>
-              </a:solidFill>
               <a:latin typeface="Arial"/>
             </a:endParaRPr>
           </a:p>
@@ -7896,14 +7434,14 @@
       </p:grpSpPr>
       <p:sp>
         <p:nvSpPr>
-          <p:cNvPr id="94" name="Google Shape;81;p16"/>
-          <p:cNvSpPr txBox="1"/>
+          <p:cNvPr id="92" name="Google Shape;81;p16"/>
+          <p:cNvSpPr/>
           <p:nvPr/>
         </p:nvSpPr>
         <p:spPr>
           <a:xfrm>
             <a:off x="388080" y="457920"/>
-            <a:ext cx="8367840" cy="685800"/>
+            <a:ext cx="8367480" cy="685440"/>
           </a:xfrm>
           <a:prstGeom prst="rect">
             <a:avLst/>
@@ -7913,8 +7451,14 @@
             <a:noFill/>
           </a:ln>
         </p:spPr>
-        <p:txBody>
-          <a:bodyPr tIns="91440" bIns="91440" anchor="b">
+        <p:style>
+          <a:lnRef idx="0"/>
+          <a:fillRef idx="0"/>
+          <a:effectRef idx="0"/>
+          <a:fontRef idx="minor"/>
+        </p:style>
+        <p:txBody>
+          <a:bodyPr lIns="90000" rIns="90000" tIns="91440" bIns="91440" anchor="b">
             <a:normAutofit/>
           </a:bodyPr>
           <a:p>
@@ -7937,24 +7481,21 @@
               <a:t>Data Structure</a:t>
             </a:r>
             <a:endParaRPr b="0" lang="en-MY" sz="3000" spc="-1" strike="noStrike">
-              <a:solidFill>
-                <a:srgbClr val="000000"/>
-              </a:solidFill>
-              <a:latin typeface="Arial"/>
-            </a:endParaRPr>
-          </a:p>
-        </p:txBody>
-      </p:sp>
-      <p:sp>
-        <p:nvSpPr>
-          <p:cNvPr id="95" name="Google Shape;82;p16"/>
-          <p:cNvSpPr txBox="1"/>
+              <a:latin typeface="Arial"/>
+            </a:endParaRPr>
+          </a:p>
+        </p:txBody>
+      </p:sp>
+      <p:sp>
+        <p:nvSpPr>
+          <p:cNvPr id="93" name="Google Shape;82;p16"/>
+          <p:cNvSpPr/>
           <p:nvPr/>
         </p:nvSpPr>
         <p:spPr>
           <a:xfrm>
             <a:off x="388080" y="1489680"/>
-            <a:ext cx="8367840" cy="3078720"/>
+            <a:ext cx="8367480" cy="3078360"/>
           </a:xfrm>
           <a:prstGeom prst="rect">
             <a:avLst/>
@@ -7964,23 +7505,16 @@
             <a:noFill/>
           </a:ln>
         </p:spPr>
-        <p:txBody>
-          <a:bodyPr tIns="91440" bIns="91440">
-            <a:normAutofit/>
-          </a:bodyPr>
-          <a:p>
-            <a:endParaRPr b="0" lang="en-MY" sz="1400" spc="-1" strike="noStrike">
-              <a:solidFill>
-                <a:srgbClr val="000000"/>
-              </a:solidFill>
-              <a:latin typeface="Arial"/>
-            </a:endParaRPr>
-          </a:p>
-        </p:txBody>
+        <p:style>
+          <a:lnRef idx="0"/>
+          <a:fillRef idx="0"/>
+          <a:effectRef idx="0"/>
+          <a:fontRef idx="minor"/>
+        </p:style>
       </p:sp>
       <p:pic>
         <p:nvPicPr>
-          <p:cNvPr id="96" name="Google Shape;83;p16" descr=""/>
+          <p:cNvPr id="94" name="Google Shape;83;p16" descr=""/>
           <p:cNvPicPr/>
           <p:nvPr/>
         </p:nvPicPr>
@@ -7991,7 +7525,7 @@
         <p:spPr>
           <a:xfrm>
             <a:off x="388080" y="1489680"/>
-            <a:ext cx="8585280" cy="2667600"/>
+            <a:ext cx="8584920" cy="2667240"/>
           </a:xfrm>
           <a:prstGeom prst="rect">
             <a:avLst/>
@@ -8033,14 +7567,14 @@
       </p:grpSpPr>
       <p:sp>
         <p:nvSpPr>
-          <p:cNvPr id="97" name="Google Shape;88;p17"/>
-          <p:cNvSpPr txBox="1"/>
+          <p:cNvPr id="95" name="Google Shape;88;p17"/>
+          <p:cNvSpPr/>
           <p:nvPr/>
         </p:nvSpPr>
         <p:spPr>
           <a:xfrm>
             <a:off x="388080" y="457920"/>
-            <a:ext cx="8367840" cy="685800"/>
+            <a:ext cx="8367480" cy="685440"/>
           </a:xfrm>
           <a:prstGeom prst="rect">
             <a:avLst/>
@@ -8050,30 +7584,23 @@
             <a:noFill/>
           </a:ln>
         </p:spPr>
-        <p:txBody>
-          <a:bodyPr tIns="91440" bIns="91440" anchor="b">
-            <a:normAutofit/>
-          </a:bodyPr>
-          <a:p>
-            <a:endParaRPr b="0" lang="en-MY" sz="1400" spc="-1" strike="noStrike">
-              <a:solidFill>
-                <a:srgbClr val="000000"/>
-              </a:solidFill>
-              <a:latin typeface="Arial"/>
-            </a:endParaRPr>
-          </a:p>
-        </p:txBody>
-      </p:sp>
-      <p:sp>
-        <p:nvSpPr>
-          <p:cNvPr id="98" name="Google Shape;89;p17"/>
-          <p:cNvSpPr txBox="1"/>
+        <p:style>
+          <a:lnRef idx="0"/>
+          <a:fillRef idx="0"/>
+          <a:effectRef idx="0"/>
+          <a:fontRef idx="minor"/>
+        </p:style>
+      </p:sp>
+      <p:sp>
+        <p:nvSpPr>
+          <p:cNvPr id="96" name="Google Shape;89;p17"/>
+          <p:cNvSpPr/>
           <p:nvPr/>
         </p:nvSpPr>
         <p:spPr>
           <a:xfrm>
             <a:off x="388080" y="1489680"/>
-            <a:ext cx="8367840" cy="3078720"/>
+            <a:ext cx="8367480" cy="3078360"/>
           </a:xfrm>
           <a:prstGeom prst="rect">
             <a:avLst/>
@@ -8083,23 +7610,16 @@
             <a:noFill/>
           </a:ln>
         </p:spPr>
-        <p:txBody>
-          <a:bodyPr tIns="91440" bIns="91440">
-            <a:normAutofit/>
-          </a:bodyPr>
-          <a:p>
-            <a:endParaRPr b="0" lang="en-MY" sz="1400" spc="-1" strike="noStrike">
-              <a:solidFill>
-                <a:srgbClr val="000000"/>
-              </a:solidFill>
-              <a:latin typeface="Arial"/>
-            </a:endParaRPr>
-          </a:p>
-        </p:txBody>
+        <p:style>
+          <a:lnRef idx="0"/>
+          <a:fillRef idx="0"/>
+          <a:effectRef idx="0"/>
+          <a:fontRef idx="minor"/>
+        </p:style>
       </p:sp>
       <p:pic>
         <p:nvPicPr>
-          <p:cNvPr id="99" name="Google Shape;90;p17" descr=""/>
+          <p:cNvPr id="97" name="Google Shape;90;p17" descr=""/>
           <p:cNvPicPr/>
           <p:nvPr/>
         </p:nvPicPr>
@@ -8110,7 +7630,7 @@
         <p:spPr>
           <a:xfrm>
             <a:off x="0" y="381600"/>
-            <a:ext cx="9143640" cy="4379760"/>
+            <a:ext cx="9143280" cy="4379400"/>
           </a:xfrm>
           <a:prstGeom prst="rect">
             <a:avLst/>
@@ -8152,14 +7672,14 @@
       </p:grpSpPr>
       <p:sp>
         <p:nvSpPr>
-          <p:cNvPr id="100" name="Google Shape;95;p18"/>
-          <p:cNvSpPr txBox="1"/>
+          <p:cNvPr id="98" name="Google Shape;95;p18"/>
+          <p:cNvSpPr/>
           <p:nvPr/>
         </p:nvSpPr>
         <p:spPr>
           <a:xfrm>
             <a:off x="1127160" y="390960"/>
-            <a:ext cx="3329280" cy="4361040"/>
+            <a:ext cx="3328920" cy="4360680"/>
           </a:xfrm>
           <a:prstGeom prst="rect">
             <a:avLst/>
@@ -8169,8 +7689,14 @@
             <a:noFill/>
           </a:ln>
         </p:spPr>
-        <p:txBody>
-          <a:bodyPr tIns="91440" bIns="91440">
+        <p:style>
+          <a:lnRef idx="0"/>
+          <a:fillRef idx="0"/>
+          <a:effectRef idx="0"/>
+          <a:fontRef idx="minor"/>
+        </p:style>
+        <p:txBody>
+          <a:bodyPr lIns="90000" rIns="90000" tIns="91440" bIns="91440">
             <a:normAutofit fontScale="78000"/>
           </a:bodyPr>
           <a:p>
@@ -8193,9 +7719,6 @@
               <a:t>num &lt;- 2.2</a:t>
             </a:r>
             <a:endParaRPr b="0" lang="en-MY" sz="1800" spc="-1" strike="noStrike">
-              <a:solidFill>
-                <a:srgbClr val="000000"/>
-              </a:solidFill>
               <a:latin typeface="Arial"/>
             </a:endParaRPr>
           </a:p>
@@ -8222,9 +7745,6 @@
               <a:t>class(num)</a:t>
             </a:r>
             <a:endParaRPr b="0" lang="en-MY" sz="1800" spc="-1" strike="noStrike">
-              <a:solidFill>
-                <a:srgbClr val="000000"/>
-              </a:solidFill>
               <a:latin typeface="Arial"/>
             </a:endParaRPr>
           </a:p>
@@ -8251,9 +7771,6 @@
               <a:t>## [1] "numeric"</a:t>
             </a:r>
             <a:endParaRPr b="0" lang="en-MY" sz="1800" spc="-1" strike="noStrike">
-              <a:solidFill>
-                <a:srgbClr val="000000"/>
-              </a:solidFill>
               <a:latin typeface="Arial"/>
             </a:endParaRPr>
           </a:p>
@@ -8270,9 +7787,6 @@
               </a:tabLst>
             </a:pPr>
             <a:endParaRPr b="0" lang="en-MY" sz="1800" spc="-1" strike="noStrike">
-              <a:solidFill>
-                <a:srgbClr val="000000"/>
-              </a:solidFill>
               <a:latin typeface="Arial"/>
             </a:endParaRPr>
           </a:p>
@@ -8299,9 +7813,6 @@
               <a:t>char &lt;- "hello"</a:t>
             </a:r>
             <a:endParaRPr b="0" lang="en-MY" sz="1800" spc="-1" strike="noStrike">
-              <a:solidFill>
-                <a:srgbClr val="000000"/>
-              </a:solidFill>
               <a:latin typeface="Arial"/>
             </a:endParaRPr>
           </a:p>
@@ -8328,9 +7839,6 @@
               <a:t>class(char)</a:t>
             </a:r>
             <a:endParaRPr b="0" lang="en-MY" sz="1800" spc="-1" strike="noStrike">
-              <a:solidFill>
-                <a:srgbClr val="000000"/>
-              </a:solidFill>
               <a:latin typeface="Arial"/>
             </a:endParaRPr>
           </a:p>
@@ -8357,9 +7865,6 @@
               <a:t>## [1] "character"</a:t>
             </a:r>
             <a:endParaRPr b="0" lang="en-MY" sz="1800" spc="-1" strike="noStrike">
-              <a:solidFill>
-                <a:srgbClr val="000000"/>
-              </a:solidFill>
               <a:latin typeface="Arial"/>
             </a:endParaRPr>
           </a:p>
@@ -8376,9 +7881,6 @@
               </a:tabLst>
             </a:pPr>
             <a:endParaRPr b="0" lang="en-MY" sz="1800" spc="-1" strike="noStrike">
-              <a:solidFill>
-                <a:srgbClr val="000000"/>
-              </a:solidFill>
               <a:latin typeface="Arial"/>
             </a:endParaRPr>
           </a:p>
@@ -8405,9 +7907,6 @@
               <a:t>logi &lt;- TRUE</a:t>
             </a:r>
             <a:endParaRPr b="0" lang="en-MY" sz="1800" spc="-1" strike="noStrike">
-              <a:solidFill>
-                <a:srgbClr val="000000"/>
-              </a:solidFill>
               <a:latin typeface="Arial"/>
             </a:endParaRPr>
           </a:p>
@@ -8434,9 +7933,6 @@
               <a:t>class(logi)</a:t>
             </a:r>
             <a:endParaRPr b="0" lang="en-MY" sz="1800" spc="-1" strike="noStrike">
-              <a:solidFill>
-                <a:srgbClr val="000000"/>
-              </a:solidFill>
               <a:latin typeface="Arial"/>
             </a:endParaRPr>
           </a:p>
@@ -8466,24 +7962,21 @@
               <a:t>## [1] "logical"</a:t>
             </a:r>
             <a:endParaRPr b="0" lang="en-MY" sz="1800" spc="-1" strike="noStrike">
-              <a:solidFill>
-                <a:srgbClr val="000000"/>
-              </a:solidFill>
-              <a:latin typeface="Arial"/>
-            </a:endParaRPr>
-          </a:p>
-        </p:txBody>
-      </p:sp>
-      <p:sp>
-        <p:nvSpPr>
-          <p:cNvPr id="101" name="Google Shape;96;p18"/>
-          <p:cNvSpPr txBox="1"/>
+              <a:latin typeface="Arial"/>
+            </a:endParaRPr>
+          </a:p>
+        </p:txBody>
+      </p:sp>
+      <p:sp>
+        <p:nvSpPr>
+          <p:cNvPr id="99" name="Google Shape;96;p18"/>
+          <p:cNvSpPr/>
           <p:nvPr/>
         </p:nvSpPr>
         <p:spPr>
           <a:xfrm>
             <a:off x="4920120" y="390960"/>
-            <a:ext cx="3329280" cy="4361040"/>
+            <a:ext cx="3328920" cy="4360680"/>
           </a:xfrm>
           <a:prstGeom prst="rect">
             <a:avLst/>
@@ -8493,8 +7986,14 @@
             <a:noFill/>
           </a:ln>
         </p:spPr>
-        <p:txBody>
-          <a:bodyPr tIns="91440" bIns="91440">
+        <p:style>
+          <a:lnRef idx="0"/>
+          <a:fillRef idx="0"/>
+          <a:effectRef idx="0"/>
+          <a:fontRef idx="minor"/>
+        </p:style>
+        <p:txBody>
+          <a:bodyPr lIns="90000" rIns="90000" tIns="91440" bIns="91440">
             <a:normAutofit/>
           </a:bodyPr>
           <a:p>
@@ -8517,9 +8016,6 @@
               <a:t>factor &lt;- c(high, low medium)</a:t>
             </a:r>
             <a:endParaRPr b="0" lang="en-MY" sz="1800" spc="-1" strike="noStrike">
-              <a:solidFill>
-                <a:srgbClr val="000000"/>
-              </a:solidFill>
               <a:latin typeface="Arial"/>
             </a:endParaRPr>
           </a:p>
@@ -8546,9 +8042,6 @@
               <a:t>class(factor[1])</a:t>
             </a:r>
             <a:endParaRPr b="0" lang="en-MY" sz="1800" spc="-1" strike="noStrike">
-              <a:solidFill>
-                <a:srgbClr val="000000"/>
-              </a:solidFill>
               <a:latin typeface="Arial"/>
             </a:endParaRPr>
           </a:p>
@@ -8578,9 +8071,6 @@
               <a:t>##[1] ”factor”</a:t>
             </a:r>
             <a:endParaRPr b="0" lang="en-MY" sz="1800" spc="-1" strike="noStrike">
-              <a:solidFill>
-                <a:srgbClr val="000000"/>
-              </a:solidFill>
               <a:latin typeface="Arial"/>
             </a:endParaRPr>
           </a:p>
@@ -8618,14 +8108,14 @@
       </p:grpSpPr>
       <p:sp>
         <p:nvSpPr>
-          <p:cNvPr id="102" name="Google Shape;101;p19"/>
-          <p:cNvSpPr txBox="1"/>
+          <p:cNvPr id="100" name="Google Shape;101;p19"/>
+          <p:cNvSpPr/>
           <p:nvPr/>
         </p:nvSpPr>
         <p:spPr>
           <a:xfrm>
             <a:off x="388080" y="457920"/>
-            <a:ext cx="8367840" cy="685800"/>
+            <a:ext cx="8367480" cy="685440"/>
           </a:xfrm>
           <a:prstGeom prst="rect">
             <a:avLst/>
@@ -8635,8 +8125,14 @@
             <a:noFill/>
           </a:ln>
         </p:spPr>
-        <p:txBody>
-          <a:bodyPr tIns="91440" bIns="91440" anchor="b">
+        <p:style>
+          <a:lnRef idx="0"/>
+          <a:fillRef idx="0"/>
+          <a:effectRef idx="0"/>
+          <a:fontRef idx="minor"/>
+        </p:style>
+        <p:txBody>
+          <a:bodyPr lIns="90000" rIns="90000" tIns="91440" bIns="91440" anchor="b">
             <a:normAutofit/>
           </a:bodyPr>
           <a:p>
@@ -8659,24 +8155,21 @@
               <a:t>Relational Database Structure (SQL)</a:t>
             </a:r>
             <a:endParaRPr b="0" lang="en-MY" sz="3000" spc="-1" strike="noStrike">
-              <a:solidFill>
-                <a:srgbClr val="000000"/>
-              </a:solidFill>
-              <a:latin typeface="Arial"/>
-            </a:endParaRPr>
-          </a:p>
-        </p:txBody>
-      </p:sp>
-      <p:sp>
-        <p:nvSpPr>
-          <p:cNvPr id="103" name="Google Shape;102;p19"/>
-          <p:cNvSpPr txBox="1"/>
+              <a:latin typeface="Arial"/>
+            </a:endParaRPr>
+          </a:p>
+        </p:txBody>
+      </p:sp>
+      <p:sp>
+        <p:nvSpPr>
+          <p:cNvPr id="101" name="Google Shape;102;p19"/>
+          <p:cNvSpPr/>
           <p:nvPr/>
         </p:nvSpPr>
         <p:spPr>
           <a:xfrm>
             <a:off x="388080" y="1489680"/>
-            <a:ext cx="8367840" cy="3078720"/>
+            <a:ext cx="8367480" cy="3078360"/>
           </a:xfrm>
           <a:prstGeom prst="rect">
             <a:avLst/>
@@ -8686,8 +8179,14 @@
             <a:noFill/>
           </a:ln>
         </p:spPr>
-        <p:txBody>
-          <a:bodyPr tIns="91440" bIns="91440">
+        <p:style>
+          <a:lnRef idx="0"/>
+          <a:fillRef idx="0"/>
+          <a:effectRef idx="0"/>
+          <a:fontRef idx="minor"/>
+        </p:style>
+        <p:txBody>
+          <a:bodyPr lIns="90000" rIns="90000" tIns="91440" bIns="91440">
             <a:normAutofit/>
           </a:bodyPr>
           <a:p>
@@ -8710,9 +8209,6 @@
               <a:t>In short, SQL databases support SQL—a domain-specific language for querying and manipulating data in a relational database. </a:t>
             </a:r>
             <a:endParaRPr b="0" lang="en-MY" sz="1800" spc="-1" strike="noStrike">
-              <a:solidFill>
-                <a:srgbClr val="000000"/>
-              </a:solidFill>
               <a:latin typeface="Arial"/>
             </a:endParaRPr>
           </a:p>
@@ -8742,9 +8238,6 @@
               <a:t>The "relational" in a relational database refers to the "relational model" of data management devised by IBM researcher E.F. Codd in the early 1970s and popularized in a number of subsequent database systems starting with System R.</a:t>
             </a:r>
             <a:endParaRPr b="0" lang="en-MY" sz="1800" spc="-1" strike="noStrike">
-              <a:solidFill>
-                <a:srgbClr val="000000"/>
-              </a:solidFill>
               <a:latin typeface="Arial"/>
             </a:endParaRPr>
           </a:p>
@@ -8782,14 +8275,14 @@
       </p:grpSpPr>
       <p:sp>
         <p:nvSpPr>
-          <p:cNvPr id="104" name="Google Shape;107;p20"/>
-          <p:cNvSpPr txBox="1"/>
+          <p:cNvPr id="102" name="Google Shape;107;p20"/>
+          <p:cNvSpPr/>
           <p:nvPr/>
         </p:nvSpPr>
         <p:spPr>
           <a:xfrm>
             <a:off x="388080" y="457920"/>
-            <a:ext cx="8367840" cy="685800"/>
+            <a:ext cx="8367480" cy="685440"/>
           </a:xfrm>
           <a:prstGeom prst="rect">
             <a:avLst/>
@@ -8799,8 +8292,14 @@
             <a:noFill/>
           </a:ln>
         </p:spPr>
-        <p:txBody>
-          <a:bodyPr tIns="91440" bIns="91440" anchor="b">
+        <p:style>
+          <a:lnRef idx="0"/>
+          <a:fillRef idx="0"/>
+          <a:effectRef idx="0"/>
+          <a:fontRef idx="minor"/>
+        </p:style>
+        <p:txBody>
+          <a:bodyPr lIns="90000" rIns="90000" tIns="91440" bIns="91440" anchor="b">
             <a:normAutofit fontScale="42000"/>
           </a:bodyPr>
           <a:p>
@@ -8823,24 +8322,21 @@
               <a:t>Non Relational Database Structure (noSQL)</a:t>
             </a:r>
             <a:endParaRPr b="0" lang="en-MY" sz="3000" spc="-1" strike="noStrike">
-              <a:solidFill>
-                <a:srgbClr val="000000"/>
-              </a:solidFill>
-              <a:latin typeface="Arial"/>
-            </a:endParaRPr>
-          </a:p>
-        </p:txBody>
-      </p:sp>
-      <p:sp>
-        <p:nvSpPr>
-          <p:cNvPr id="105" name="Google Shape;108;p20"/>
-          <p:cNvSpPr txBox="1"/>
+              <a:latin typeface="Arial"/>
+            </a:endParaRPr>
+          </a:p>
+        </p:txBody>
+      </p:sp>
+      <p:sp>
+        <p:nvSpPr>
+          <p:cNvPr id="103" name="Google Shape;108;p20"/>
+          <p:cNvSpPr/>
           <p:nvPr/>
         </p:nvSpPr>
         <p:spPr>
           <a:xfrm>
             <a:off x="388080" y="1489680"/>
-            <a:ext cx="8367840" cy="3078720"/>
+            <a:ext cx="8367480" cy="3078360"/>
           </a:xfrm>
           <a:prstGeom prst="rect">
             <a:avLst/>
@@ -8850,8 +8346,14 @@
             <a:noFill/>
           </a:ln>
         </p:spPr>
-        <p:txBody>
-          <a:bodyPr tIns="91440" bIns="91440">
+        <p:style>
+          <a:lnRef idx="0"/>
+          <a:fillRef idx="0"/>
+          <a:effectRef idx="0"/>
+          <a:fontRef idx="minor"/>
+        </p:style>
+        <p:txBody>
+          <a:bodyPr lIns="90000" rIns="90000" tIns="91440" bIns="91440">
             <a:normAutofit/>
           </a:bodyPr>
           <a:p>
@@ -8874,9 +8376,6 @@
               <a:t>As a response to the "throwing the baby out with the bathwater" problems with NoSQL (see below) in the early 2010s, several organizations began building relational/SQL-based systems that made different tradeoffs, particularly with regard to horizontal scalability.</a:t>
             </a:r>
             <a:endParaRPr b="0" lang="en-MY" sz="1800" spc="-1" strike="noStrike">
-              <a:solidFill>
-                <a:srgbClr val="000000"/>
-              </a:solidFill>
               <a:latin typeface="Arial"/>
             </a:endParaRPr>
           </a:p>
@@ -8893,14 +8392,11 @@
               </a:tabLst>
             </a:pPr>
             <a:endParaRPr b="0" lang="en-MY" sz="1800" spc="-1" strike="noStrike">
-              <a:solidFill>
-                <a:srgbClr val="000000"/>
-              </a:solidFill>
-              <a:latin typeface="Arial"/>
-            </a:endParaRPr>
-          </a:p>
-          <a:p>
-            <a:pPr marL="457200" indent="-342720">
+              <a:latin typeface="Arial"/>
+            </a:endParaRPr>
+          </a:p>
+          <a:p>
+            <a:pPr marL="457200" indent="-342360">
               <a:lnSpc>
                 <a:spcPct val="115000"/>
               </a:lnSpc>
@@ -8927,9 +8423,6 @@
               <a:t>More popular in web development and OOP</a:t>
             </a:r>
             <a:endParaRPr b="0" lang="en-MY" sz="1800" spc="-1" strike="noStrike">
-              <a:solidFill>
-                <a:srgbClr val="000000"/>
-              </a:solidFill>
               <a:latin typeface="Arial"/>
             </a:endParaRPr>
           </a:p>
@@ -8967,14 +8460,14 @@
       </p:grpSpPr>
       <p:sp>
         <p:nvSpPr>
-          <p:cNvPr id="106" name="Google Shape;113;p21"/>
-          <p:cNvSpPr txBox="1"/>
+          <p:cNvPr id="104" name="Google Shape;113;p21"/>
+          <p:cNvSpPr/>
           <p:nvPr/>
         </p:nvSpPr>
         <p:spPr>
           <a:xfrm>
             <a:off x="388080" y="457920"/>
-            <a:ext cx="8367840" cy="685800"/>
+            <a:ext cx="8367480" cy="685440"/>
           </a:xfrm>
           <a:prstGeom prst="rect">
             <a:avLst/>
@@ -8984,8 +8477,14 @@
             <a:noFill/>
           </a:ln>
         </p:spPr>
-        <p:txBody>
-          <a:bodyPr tIns="91440" bIns="91440" anchor="b">
+        <p:style>
+          <a:lnRef idx="0"/>
+          <a:fillRef idx="0"/>
+          <a:effectRef idx="0"/>
+          <a:fontRef idx="minor"/>
+        </p:style>
+        <p:txBody>
+          <a:bodyPr lIns="90000" rIns="90000" tIns="91440" bIns="91440" anchor="b">
             <a:normAutofit/>
           </a:bodyPr>
           <a:p>
@@ -9008,24 +8507,21 @@
               <a:t>Data Structure</a:t>
             </a:r>
             <a:endParaRPr b="0" lang="en-MY" sz="3000" spc="-1" strike="noStrike">
-              <a:solidFill>
-                <a:srgbClr val="000000"/>
-              </a:solidFill>
-              <a:latin typeface="Arial"/>
-            </a:endParaRPr>
-          </a:p>
-        </p:txBody>
-      </p:sp>
-      <p:sp>
-        <p:nvSpPr>
-          <p:cNvPr id="107" name="Google Shape;114;p21"/>
-          <p:cNvSpPr txBox="1"/>
+              <a:latin typeface="Arial"/>
+            </a:endParaRPr>
+          </a:p>
+        </p:txBody>
+      </p:sp>
+      <p:sp>
+        <p:nvSpPr>
+          <p:cNvPr id="105" name="Google Shape;114;p21"/>
+          <p:cNvSpPr/>
           <p:nvPr/>
         </p:nvSpPr>
         <p:spPr>
           <a:xfrm>
             <a:off x="388080" y="1489680"/>
-            <a:ext cx="8367840" cy="3078720"/>
+            <a:ext cx="8367480" cy="3078360"/>
           </a:xfrm>
           <a:prstGeom prst="rect">
             <a:avLst/>
@@ -9035,23 +8531,16 @@
             <a:noFill/>
           </a:ln>
         </p:spPr>
-        <p:txBody>
-          <a:bodyPr tIns="91440" bIns="91440">
-            <a:normAutofit/>
-          </a:bodyPr>
-          <a:p>
-            <a:endParaRPr b="0" lang="en-MY" sz="1400" spc="-1" strike="noStrike">
-              <a:solidFill>
-                <a:srgbClr val="000000"/>
-              </a:solidFill>
-              <a:latin typeface="Arial"/>
-            </a:endParaRPr>
-          </a:p>
-        </p:txBody>
+        <p:style>
+          <a:lnRef idx="0"/>
+          <a:fillRef idx="0"/>
+          <a:effectRef idx="0"/>
+          <a:fontRef idx="minor"/>
+        </p:style>
       </p:sp>
       <p:pic>
         <p:nvPicPr>
-          <p:cNvPr id="108" name="Google Shape;115;p21" descr=""/>
+          <p:cNvPr id="106" name="Google Shape;115;p21" descr=""/>
           <p:cNvPicPr/>
           <p:nvPr/>
         </p:nvPicPr>
@@ -9062,7 +8551,7 @@
         <p:spPr>
           <a:xfrm>
             <a:off x="501120" y="1319400"/>
-            <a:ext cx="4201560" cy="3629880"/>
+            <a:ext cx="4201200" cy="3629520"/>
           </a:xfrm>
           <a:prstGeom prst="rect">
             <a:avLst/>
